--- a/images/slides/Powerpoint/Dashboard Pictures (landscape).pptx
+++ b/images/slides/Powerpoint/Dashboard Pictures (landscape).pptx
@@ -7,19 +7,11 @@
   </p:sldMasterIdLst>
   <p:sldIdLst>
     <p:sldId id="260" r:id="rId3"/>
-    <p:sldId id="283" r:id="rId4"/>
-    <p:sldId id="272" r:id="rId5"/>
-    <p:sldId id="280" r:id="rId6"/>
-    <p:sldId id="273" r:id="rId7"/>
-    <p:sldId id="284" r:id="rId8"/>
-    <p:sldId id="275" r:id="rId9"/>
-    <p:sldId id="285" r:id="rId10"/>
-    <p:sldId id="278" r:id="rId11"/>
-    <p:sldId id="286" r:id="rId12"/>
-    <p:sldId id="279" r:id="rId13"/>
-    <p:sldId id="287" r:id="rId14"/>
-    <p:sldId id="282" r:id="rId15"/>
-    <p:sldId id="274" r:id="rId16"/>
+    <p:sldId id="272" r:id="rId4"/>
+    <p:sldId id="273" r:id="rId5"/>
+    <p:sldId id="275" r:id="rId6"/>
+    <p:sldId id="278" r:id="rId7"/>
+    <p:sldId id="279" r:id="rId8"/>
   </p:sldIdLst>
   <p:sldSz cx="17881600" cy="10058400"/>
   <p:notesSz cx="7010400" cy="9236075"/>
@@ -168,7 +160,7 @@
           </a:lstStyle>
           <a:p>
             <a:r>
-              <a:rPr lang="en-US" smtClean="0"/>
+              <a:rPr lang="en-US"/>
               <a:t>Click to edit Master title style</a:t>
             </a:r>
             <a:endParaRPr lang="en-US" dirty="0"/>
@@ -233,7 +225,7 @@
           </a:lstStyle>
           <a:p>
             <a:r>
-              <a:rPr lang="en-US" smtClean="0"/>
+              <a:rPr lang="en-US"/>
               <a:t>Click to edit Master subtitle style</a:t>
             </a:r>
             <a:endParaRPr lang="en-US" dirty="0"/>
@@ -264,7 +256,7 @@
                 </a:solidFill>
               </a:rPr>
               <a:pPr/>
-              <a:t>11/2/2018</a:t>
+              <a:t>11/7/2018</a:t>
             </a:fld>
             <a:endParaRPr lang="en-US">
               <a:solidFill>
@@ -359,13 +351,6 @@
       </p:transition>
     </mc:Fallback>
   </mc:AlternateContent>
-  <p:timing>
-    <p:tnLst>
-      <p:par>
-        <p:cTn id="1" dur="indefinite" restart="never" nodeType="tmRoot"/>
-      </p:par>
-    </p:tnLst>
-  </p:timing>
 </p:sldLayout>
 </file>
 
@@ -402,7 +387,7 @@
           <a:lstStyle/>
           <a:p>
             <a:r>
-              <a:rPr lang="en-US" smtClean="0"/>
+              <a:rPr lang="en-US"/>
               <a:t>Click to edit Master title style</a:t>
             </a:r>
             <a:endParaRPr lang="en-US" dirty="0"/>
@@ -426,35 +411,35 @@
           <a:p>
             <a:pPr lvl="0"/>
             <a:r>
-              <a:rPr lang="en-US" smtClean="0"/>
+              <a:rPr lang="en-US"/>
               <a:t>Edit Master text styles</a:t>
             </a:r>
           </a:p>
           <a:p>
             <a:pPr lvl="1"/>
             <a:r>
-              <a:rPr lang="en-US" smtClean="0"/>
+              <a:rPr lang="en-US"/>
               <a:t>Second level</a:t>
             </a:r>
           </a:p>
           <a:p>
             <a:pPr lvl="2"/>
             <a:r>
-              <a:rPr lang="en-US" smtClean="0"/>
+              <a:rPr lang="en-US"/>
               <a:t>Third level</a:t>
             </a:r>
           </a:p>
           <a:p>
             <a:pPr lvl="3"/>
             <a:r>
-              <a:rPr lang="en-US" smtClean="0"/>
+              <a:rPr lang="en-US"/>
               <a:t>Fourth level</a:t>
             </a:r>
           </a:p>
           <a:p>
             <a:pPr lvl="4"/>
             <a:r>
-              <a:rPr lang="en-US" smtClean="0"/>
+              <a:rPr lang="en-US"/>
               <a:t>Fifth level</a:t>
             </a:r>
             <a:endParaRPr lang="en-US" dirty="0"/>
@@ -485,7 +470,7 @@
                 </a:solidFill>
               </a:rPr>
               <a:pPr/>
-              <a:t>11/2/2018</a:t>
+              <a:t>11/7/2018</a:t>
             </a:fld>
             <a:endParaRPr lang="en-US">
               <a:solidFill>
@@ -580,13 +565,6 @@
       </p:transition>
     </mc:Fallback>
   </mc:AlternateContent>
-  <p:timing>
-    <p:tnLst>
-      <p:par>
-        <p:cTn id="1" dur="indefinite" restart="never" nodeType="tmRoot"/>
-      </p:par>
-    </p:tnLst>
-  </p:timing>
 </p:sldLayout>
 </file>
 
@@ -628,7 +606,7 @@
           <a:lstStyle/>
           <a:p>
             <a:r>
-              <a:rPr lang="en-US" smtClean="0"/>
+              <a:rPr lang="en-US"/>
               <a:t>Click to edit Master title style</a:t>
             </a:r>
             <a:endParaRPr lang="en-US" dirty="0"/>
@@ -657,35 +635,35 @@
           <a:p>
             <a:pPr lvl="0"/>
             <a:r>
-              <a:rPr lang="en-US" smtClean="0"/>
+              <a:rPr lang="en-US"/>
               <a:t>Edit Master text styles</a:t>
             </a:r>
           </a:p>
           <a:p>
             <a:pPr lvl="1"/>
             <a:r>
-              <a:rPr lang="en-US" smtClean="0"/>
+              <a:rPr lang="en-US"/>
               <a:t>Second level</a:t>
             </a:r>
           </a:p>
           <a:p>
             <a:pPr lvl="2"/>
             <a:r>
-              <a:rPr lang="en-US" smtClean="0"/>
+              <a:rPr lang="en-US"/>
               <a:t>Third level</a:t>
             </a:r>
           </a:p>
           <a:p>
             <a:pPr lvl="3"/>
             <a:r>
-              <a:rPr lang="en-US" smtClean="0"/>
+              <a:rPr lang="en-US"/>
               <a:t>Fourth level</a:t>
             </a:r>
           </a:p>
           <a:p>
             <a:pPr lvl="4"/>
             <a:r>
-              <a:rPr lang="en-US" smtClean="0"/>
+              <a:rPr lang="en-US"/>
               <a:t>Fifth level</a:t>
             </a:r>
             <a:endParaRPr lang="en-US" dirty="0"/>
@@ -716,7 +694,7 @@
                 </a:solidFill>
               </a:rPr>
               <a:pPr/>
-              <a:t>11/2/2018</a:t>
+              <a:t>11/7/2018</a:t>
             </a:fld>
             <a:endParaRPr lang="en-US">
               <a:solidFill>
@@ -811,13 +789,6 @@
       </p:transition>
     </mc:Fallback>
   </mc:AlternateContent>
-  <p:timing>
-    <p:tnLst>
-      <p:par>
-        <p:cTn id="1" dur="indefinite" restart="never" nodeType="tmRoot"/>
-      </p:par>
-    </p:tnLst>
-  </p:timing>
 </p:sldLayout>
 </file>
 
@@ -863,7 +834,7 @@
           </a:lstStyle>
           <a:p>
             <a:r>
-              <a:rPr lang="en-US" smtClean="0"/>
+              <a:rPr lang="en-US"/>
               <a:t>Click to edit Master title style</a:t>
             </a:r>
             <a:endParaRPr lang="en-US" dirty="0"/>
@@ -928,7 +899,7 @@
           </a:lstStyle>
           <a:p>
             <a:r>
-              <a:rPr lang="en-US" smtClean="0"/>
+              <a:rPr lang="en-US"/>
               <a:t>Click to edit Master subtitle style</a:t>
             </a:r>
             <a:endParaRPr lang="en-US" dirty="0"/>
@@ -959,7 +930,7 @@
                 </a:solidFill>
               </a:rPr>
               <a:pPr/>
-              <a:t>11/2/2018</a:t>
+              <a:t>11/7/2018</a:t>
             </a:fld>
             <a:endParaRPr lang="en-US">
               <a:solidFill>
@@ -1054,13 +1025,6 @@
       </p:transition>
     </mc:Fallback>
   </mc:AlternateContent>
-  <p:timing>
-    <p:tnLst>
-      <p:par>
-        <p:cTn id="1" dur="indefinite" restart="never" nodeType="tmRoot"/>
-      </p:par>
-    </p:tnLst>
-  </p:timing>
 </p:sldLayout>
 </file>
 
@@ -1097,7 +1061,7 @@
           <a:lstStyle/>
           <a:p>
             <a:r>
-              <a:rPr lang="en-US" smtClean="0"/>
+              <a:rPr lang="en-US"/>
               <a:t>Click to edit Master title style</a:t>
             </a:r>
             <a:endParaRPr lang="en-US" dirty="0"/>
@@ -1121,35 +1085,35 @@
           <a:p>
             <a:pPr lvl="0"/>
             <a:r>
-              <a:rPr lang="en-US" smtClean="0"/>
+              <a:rPr lang="en-US"/>
               <a:t>Edit Master text styles</a:t>
             </a:r>
           </a:p>
           <a:p>
             <a:pPr lvl="1"/>
             <a:r>
-              <a:rPr lang="en-US" smtClean="0"/>
+              <a:rPr lang="en-US"/>
               <a:t>Second level</a:t>
             </a:r>
           </a:p>
           <a:p>
             <a:pPr lvl="2"/>
             <a:r>
-              <a:rPr lang="en-US" smtClean="0"/>
+              <a:rPr lang="en-US"/>
               <a:t>Third level</a:t>
             </a:r>
           </a:p>
           <a:p>
             <a:pPr lvl="3"/>
             <a:r>
-              <a:rPr lang="en-US" smtClean="0"/>
+              <a:rPr lang="en-US"/>
               <a:t>Fourth level</a:t>
             </a:r>
           </a:p>
           <a:p>
             <a:pPr lvl="4"/>
             <a:r>
-              <a:rPr lang="en-US" smtClean="0"/>
+              <a:rPr lang="en-US"/>
               <a:t>Fifth level</a:t>
             </a:r>
             <a:endParaRPr lang="en-US" dirty="0"/>
@@ -1180,7 +1144,7 @@
                 </a:solidFill>
               </a:rPr>
               <a:pPr/>
-              <a:t>11/2/2018</a:t>
+              <a:t>11/7/2018</a:t>
             </a:fld>
             <a:endParaRPr lang="en-US">
               <a:solidFill>
@@ -1275,13 +1239,6 @@
       </p:transition>
     </mc:Fallback>
   </mc:AlternateContent>
-  <p:timing>
-    <p:tnLst>
-      <p:par>
-        <p:cTn id="1" dur="indefinite" restart="never" nodeType="tmRoot"/>
-      </p:par>
-    </p:tnLst>
-  </p:timing>
 </p:sldLayout>
 </file>
 
@@ -1327,7 +1284,7 @@
           </a:lstStyle>
           <a:p>
             <a:r>
-              <a:rPr lang="en-US" smtClean="0"/>
+              <a:rPr lang="en-US"/>
               <a:t>Click to edit Master title style</a:t>
             </a:r>
             <a:endParaRPr lang="en-US" dirty="0"/>
@@ -1447,7 +1404,7 @@
           <a:p>
             <a:pPr lvl="0"/>
             <a:r>
-              <a:rPr lang="en-US" smtClean="0"/>
+              <a:rPr lang="en-US"/>
               <a:t>Edit Master text styles</a:t>
             </a:r>
           </a:p>
@@ -1477,7 +1434,7 @@
                 </a:solidFill>
               </a:rPr>
               <a:pPr/>
-              <a:t>11/2/2018</a:t>
+              <a:t>11/7/2018</a:t>
             </a:fld>
             <a:endParaRPr lang="en-US">
               <a:solidFill>
@@ -1572,13 +1529,6 @@
       </p:transition>
     </mc:Fallback>
   </mc:AlternateContent>
-  <p:timing>
-    <p:tnLst>
-      <p:par>
-        <p:cTn id="1" dur="indefinite" restart="never" nodeType="tmRoot"/>
-      </p:par>
-    </p:tnLst>
-  </p:timing>
 </p:sldLayout>
 </file>
 
@@ -1615,7 +1565,7 @@
           <a:lstStyle/>
           <a:p>
             <a:r>
-              <a:rPr lang="en-US" smtClean="0"/>
+              <a:rPr lang="en-US"/>
               <a:t>Click to edit Master title style</a:t>
             </a:r>
             <a:endParaRPr lang="en-US" dirty="0"/>
@@ -1644,35 +1594,35 @@
           <a:p>
             <a:pPr lvl="0"/>
             <a:r>
-              <a:rPr lang="en-US" smtClean="0"/>
+              <a:rPr lang="en-US"/>
               <a:t>Edit Master text styles</a:t>
             </a:r>
           </a:p>
           <a:p>
             <a:pPr lvl="1"/>
             <a:r>
-              <a:rPr lang="en-US" smtClean="0"/>
+              <a:rPr lang="en-US"/>
               <a:t>Second level</a:t>
             </a:r>
           </a:p>
           <a:p>
             <a:pPr lvl="2"/>
             <a:r>
-              <a:rPr lang="en-US" smtClean="0"/>
+              <a:rPr lang="en-US"/>
               <a:t>Third level</a:t>
             </a:r>
           </a:p>
           <a:p>
             <a:pPr lvl="3"/>
             <a:r>
-              <a:rPr lang="en-US" smtClean="0"/>
+              <a:rPr lang="en-US"/>
               <a:t>Fourth level</a:t>
             </a:r>
           </a:p>
           <a:p>
             <a:pPr lvl="4"/>
             <a:r>
-              <a:rPr lang="en-US" smtClean="0"/>
+              <a:rPr lang="en-US"/>
               <a:t>Fifth level</a:t>
             </a:r>
             <a:endParaRPr lang="en-US" dirty="0"/>
@@ -1701,35 +1651,35 @@
           <a:p>
             <a:pPr lvl="0"/>
             <a:r>
-              <a:rPr lang="en-US" smtClean="0"/>
+              <a:rPr lang="en-US"/>
               <a:t>Edit Master text styles</a:t>
             </a:r>
           </a:p>
           <a:p>
             <a:pPr lvl="1"/>
             <a:r>
-              <a:rPr lang="en-US" smtClean="0"/>
+              <a:rPr lang="en-US"/>
               <a:t>Second level</a:t>
             </a:r>
           </a:p>
           <a:p>
             <a:pPr lvl="2"/>
             <a:r>
-              <a:rPr lang="en-US" smtClean="0"/>
+              <a:rPr lang="en-US"/>
               <a:t>Third level</a:t>
             </a:r>
           </a:p>
           <a:p>
             <a:pPr lvl="3"/>
             <a:r>
-              <a:rPr lang="en-US" smtClean="0"/>
+              <a:rPr lang="en-US"/>
               <a:t>Fourth level</a:t>
             </a:r>
           </a:p>
           <a:p>
             <a:pPr lvl="4"/>
             <a:r>
-              <a:rPr lang="en-US" smtClean="0"/>
+              <a:rPr lang="en-US"/>
               <a:t>Fifth level</a:t>
             </a:r>
             <a:endParaRPr lang="en-US" dirty="0"/>
@@ -1760,7 +1710,7 @@
                 </a:solidFill>
               </a:rPr>
               <a:pPr/>
-              <a:t>11/2/2018</a:t>
+              <a:t>11/7/2018</a:t>
             </a:fld>
             <a:endParaRPr lang="en-US">
               <a:solidFill>
@@ -1855,13 +1805,6 @@
       </p:transition>
     </mc:Fallback>
   </mc:AlternateContent>
-  <p:timing>
-    <p:tnLst>
-      <p:par>
-        <p:cTn id="1" dur="indefinite" restart="never" nodeType="tmRoot"/>
-      </p:par>
-    </p:tnLst>
-  </p:timing>
 </p:sldLayout>
 </file>
 
@@ -1903,7 +1846,7 @@
           <a:lstStyle/>
           <a:p>
             <a:r>
-              <a:rPr lang="en-US" smtClean="0"/>
+              <a:rPr lang="en-US"/>
               <a:t>Click to edit Master title style</a:t>
             </a:r>
             <a:endParaRPr lang="en-US" dirty="0"/>
@@ -1969,7 +1912,7 @@
           <a:p>
             <a:pPr lvl="0"/>
             <a:r>
-              <a:rPr lang="en-US" smtClean="0"/>
+              <a:rPr lang="en-US"/>
               <a:t>Edit Master text styles</a:t>
             </a:r>
           </a:p>
@@ -1997,35 +1940,35 @@
           <a:p>
             <a:pPr lvl="0"/>
             <a:r>
-              <a:rPr lang="en-US" smtClean="0"/>
+              <a:rPr lang="en-US"/>
               <a:t>Edit Master text styles</a:t>
             </a:r>
           </a:p>
           <a:p>
             <a:pPr lvl="1"/>
             <a:r>
-              <a:rPr lang="en-US" smtClean="0"/>
+              <a:rPr lang="en-US"/>
               <a:t>Second level</a:t>
             </a:r>
           </a:p>
           <a:p>
             <a:pPr lvl="2"/>
             <a:r>
-              <a:rPr lang="en-US" smtClean="0"/>
+              <a:rPr lang="en-US"/>
               <a:t>Third level</a:t>
             </a:r>
           </a:p>
           <a:p>
             <a:pPr lvl="3"/>
             <a:r>
-              <a:rPr lang="en-US" smtClean="0"/>
+              <a:rPr lang="en-US"/>
               <a:t>Fourth level</a:t>
             </a:r>
           </a:p>
           <a:p>
             <a:pPr lvl="4"/>
             <a:r>
-              <a:rPr lang="en-US" smtClean="0"/>
+              <a:rPr lang="en-US"/>
               <a:t>Fifth level</a:t>
             </a:r>
             <a:endParaRPr lang="en-US" dirty="0"/>
@@ -2091,7 +2034,7 @@
           <a:p>
             <a:pPr lvl="0"/>
             <a:r>
-              <a:rPr lang="en-US" smtClean="0"/>
+              <a:rPr lang="en-US"/>
               <a:t>Edit Master text styles</a:t>
             </a:r>
           </a:p>
@@ -2119,35 +2062,35 @@
           <a:p>
             <a:pPr lvl="0"/>
             <a:r>
-              <a:rPr lang="en-US" smtClean="0"/>
+              <a:rPr lang="en-US"/>
               <a:t>Edit Master text styles</a:t>
             </a:r>
           </a:p>
           <a:p>
             <a:pPr lvl="1"/>
             <a:r>
-              <a:rPr lang="en-US" smtClean="0"/>
+              <a:rPr lang="en-US"/>
               <a:t>Second level</a:t>
             </a:r>
           </a:p>
           <a:p>
             <a:pPr lvl="2"/>
             <a:r>
-              <a:rPr lang="en-US" smtClean="0"/>
+              <a:rPr lang="en-US"/>
               <a:t>Third level</a:t>
             </a:r>
           </a:p>
           <a:p>
             <a:pPr lvl="3"/>
             <a:r>
-              <a:rPr lang="en-US" smtClean="0"/>
+              <a:rPr lang="en-US"/>
               <a:t>Fourth level</a:t>
             </a:r>
           </a:p>
           <a:p>
             <a:pPr lvl="4"/>
             <a:r>
-              <a:rPr lang="en-US" smtClean="0"/>
+              <a:rPr lang="en-US"/>
               <a:t>Fifth level</a:t>
             </a:r>
             <a:endParaRPr lang="en-US" dirty="0"/>
@@ -2178,7 +2121,7 @@
                 </a:solidFill>
               </a:rPr>
               <a:pPr/>
-              <a:t>11/2/2018</a:t>
+              <a:t>11/7/2018</a:t>
             </a:fld>
             <a:endParaRPr lang="en-US">
               <a:solidFill>
@@ -2273,13 +2216,6 @@
       </p:transition>
     </mc:Fallback>
   </mc:AlternateContent>
-  <p:timing>
-    <p:tnLst>
-      <p:par>
-        <p:cTn id="1" dur="indefinite" restart="never" nodeType="tmRoot"/>
-      </p:par>
-    </p:tnLst>
-  </p:timing>
 </p:sldLayout>
 </file>
 
@@ -2316,7 +2252,7 @@
           <a:lstStyle/>
           <a:p>
             <a:r>
-              <a:rPr lang="en-US" smtClean="0"/>
+              <a:rPr lang="en-US"/>
               <a:t>Click to edit Master title style</a:t>
             </a:r>
             <a:endParaRPr lang="en-US" dirty="0"/>
@@ -2347,7 +2283,7 @@
                 </a:solidFill>
               </a:rPr>
               <a:pPr/>
-              <a:t>11/2/2018</a:t>
+              <a:t>11/7/2018</a:t>
             </a:fld>
             <a:endParaRPr lang="en-US">
               <a:solidFill>
@@ -2442,13 +2378,6 @@
       </p:transition>
     </mc:Fallback>
   </mc:AlternateContent>
-  <p:timing>
-    <p:tnLst>
-      <p:par>
-        <p:cTn id="1" dur="indefinite" restart="never" nodeType="tmRoot"/>
-      </p:par>
-    </p:tnLst>
-  </p:timing>
 </p:sldLayout>
 </file>
 
@@ -2493,7 +2422,7 @@
                 </a:solidFill>
               </a:rPr>
               <a:pPr/>
-              <a:t>11/2/2018</a:t>
+              <a:t>11/7/2018</a:t>
             </a:fld>
             <a:endParaRPr lang="en-US">
               <a:solidFill>
@@ -2588,13 +2517,6 @@
       </p:transition>
     </mc:Fallback>
   </mc:AlternateContent>
-  <p:timing>
-    <p:tnLst>
-      <p:par>
-        <p:cTn id="1" dur="indefinite" restart="never" nodeType="tmRoot"/>
-      </p:par>
-    </p:tnLst>
-  </p:timing>
 </p:sldLayout>
 </file>
 
@@ -2640,7 +2562,7 @@
           </a:lstStyle>
           <a:p>
             <a:r>
-              <a:rPr lang="en-US" smtClean="0"/>
+              <a:rPr lang="en-US"/>
               <a:t>Click to edit Master title style</a:t>
             </a:r>
             <a:endParaRPr lang="en-US" dirty="0"/>
@@ -2697,35 +2619,35 @@
           <a:p>
             <a:pPr lvl="0"/>
             <a:r>
-              <a:rPr lang="en-US" smtClean="0"/>
+              <a:rPr lang="en-US"/>
               <a:t>Edit Master text styles</a:t>
             </a:r>
           </a:p>
           <a:p>
             <a:pPr lvl="1"/>
             <a:r>
-              <a:rPr lang="en-US" smtClean="0"/>
+              <a:rPr lang="en-US"/>
               <a:t>Second level</a:t>
             </a:r>
           </a:p>
           <a:p>
             <a:pPr lvl="2"/>
             <a:r>
-              <a:rPr lang="en-US" smtClean="0"/>
+              <a:rPr lang="en-US"/>
               <a:t>Third level</a:t>
             </a:r>
           </a:p>
           <a:p>
             <a:pPr lvl="3"/>
             <a:r>
-              <a:rPr lang="en-US" smtClean="0"/>
+              <a:rPr lang="en-US"/>
               <a:t>Fourth level</a:t>
             </a:r>
           </a:p>
           <a:p>
             <a:pPr lvl="4"/>
             <a:r>
-              <a:rPr lang="en-US" smtClean="0"/>
+              <a:rPr lang="en-US"/>
               <a:t>Fifth level</a:t>
             </a:r>
             <a:endParaRPr lang="en-US" dirty="0"/>
@@ -2791,7 +2713,7 @@
           <a:p>
             <a:pPr lvl="0"/>
             <a:r>
-              <a:rPr lang="en-US" smtClean="0"/>
+              <a:rPr lang="en-US"/>
               <a:t>Edit Master text styles</a:t>
             </a:r>
           </a:p>
@@ -2821,7 +2743,7 @@
                 </a:solidFill>
               </a:rPr>
               <a:pPr/>
-              <a:t>11/2/2018</a:t>
+              <a:t>11/7/2018</a:t>
             </a:fld>
             <a:endParaRPr lang="en-US">
               <a:solidFill>
@@ -2916,13 +2838,6 @@
       </p:transition>
     </mc:Fallback>
   </mc:AlternateContent>
-  <p:timing>
-    <p:tnLst>
-      <p:par>
-        <p:cTn id="1" dur="indefinite" restart="never" nodeType="tmRoot"/>
-      </p:par>
-    </p:tnLst>
-  </p:timing>
 </p:sldLayout>
 </file>
 
@@ -2959,7 +2874,7 @@
           <a:lstStyle/>
           <a:p>
             <a:r>
-              <a:rPr lang="en-US" smtClean="0"/>
+              <a:rPr lang="en-US"/>
               <a:t>Click to edit Master title style</a:t>
             </a:r>
             <a:endParaRPr lang="en-US" dirty="0"/>
@@ -2983,35 +2898,35 @@
           <a:p>
             <a:pPr lvl="0"/>
             <a:r>
-              <a:rPr lang="en-US" smtClean="0"/>
+              <a:rPr lang="en-US"/>
               <a:t>Edit Master text styles</a:t>
             </a:r>
           </a:p>
           <a:p>
             <a:pPr lvl="1"/>
             <a:r>
-              <a:rPr lang="en-US" smtClean="0"/>
+              <a:rPr lang="en-US"/>
               <a:t>Second level</a:t>
             </a:r>
           </a:p>
           <a:p>
             <a:pPr lvl="2"/>
             <a:r>
-              <a:rPr lang="en-US" smtClean="0"/>
+              <a:rPr lang="en-US"/>
               <a:t>Third level</a:t>
             </a:r>
           </a:p>
           <a:p>
             <a:pPr lvl="3"/>
             <a:r>
-              <a:rPr lang="en-US" smtClean="0"/>
+              <a:rPr lang="en-US"/>
               <a:t>Fourth level</a:t>
             </a:r>
           </a:p>
           <a:p>
             <a:pPr lvl="4"/>
             <a:r>
-              <a:rPr lang="en-US" smtClean="0"/>
+              <a:rPr lang="en-US"/>
               <a:t>Fifth level</a:t>
             </a:r>
             <a:endParaRPr lang="en-US" dirty="0"/>
@@ -3042,7 +2957,7 @@
                 </a:solidFill>
               </a:rPr>
               <a:pPr/>
-              <a:t>11/2/2018</a:t>
+              <a:t>11/7/2018</a:t>
             </a:fld>
             <a:endParaRPr lang="en-US">
               <a:solidFill>
@@ -3137,13 +3052,6 @@
       </p:transition>
     </mc:Fallback>
   </mc:AlternateContent>
-  <p:timing>
-    <p:tnLst>
-      <p:par>
-        <p:cTn id="1" dur="indefinite" restart="never" nodeType="tmRoot"/>
-      </p:par>
-    </p:tnLst>
-  </p:timing>
 </p:sldLayout>
 </file>
 
@@ -3189,7 +3097,7 @@
           </a:lstStyle>
           <a:p>
             <a:r>
-              <a:rPr lang="en-US" smtClean="0"/>
+              <a:rPr lang="en-US"/>
               <a:t>Click to edit Master title style</a:t>
             </a:r>
             <a:endParaRPr lang="en-US" dirty="0"/>
@@ -3254,7 +3162,7 @@
           </a:lstStyle>
           <a:p>
             <a:r>
-              <a:rPr lang="en-US" smtClean="0"/>
+              <a:rPr lang="en-US"/>
               <a:t>Click icon to add picture</a:t>
             </a:r>
             <a:endParaRPr lang="en-US" dirty="0"/>
@@ -3320,7 +3228,7 @@
           <a:p>
             <a:pPr lvl="0"/>
             <a:r>
-              <a:rPr lang="en-US" smtClean="0"/>
+              <a:rPr lang="en-US"/>
               <a:t>Edit Master text styles</a:t>
             </a:r>
           </a:p>
@@ -3350,7 +3258,7 @@
                 </a:solidFill>
               </a:rPr>
               <a:pPr/>
-              <a:t>11/2/2018</a:t>
+              <a:t>11/7/2018</a:t>
             </a:fld>
             <a:endParaRPr lang="en-US">
               <a:solidFill>
@@ -3445,13 +3353,6 @@
       </p:transition>
     </mc:Fallback>
   </mc:AlternateContent>
-  <p:timing>
-    <p:tnLst>
-      <p:par>
-        <p:cTn id="1" dur="indefinite" restart="never" nodeType="tmRoot"/>
-      </p:par>
-    </p:tnLst>
-  </p:timing>
 </p:sldLayout>
 </file>
 
@@ -3488,7 +3389,7 @@
           <a:lstStyle/>
           <a:p>
             <a:r>
-              <a:rPr lang="en-US" smtClean="0"/>
+              <a:rPr lang="en-US"/>
               <a:t>Click to edit Master title style</a:t>
             </a:r>
             <a:endParaRPr lang="en-US" dirty="0"/>
@@ -3512,35 +3413,35 @@
           <a:p>
             <a:pPr lvl="0"/>
             <a:r>
-              <a:rPr lang="en-US" smtClean="0"/>
+              <a:rPr lang="en-US"/>
               <a:t>Edit Master text styles</a:t>
             </a:r>
           </a:p>
           <a:p>
             <a:pPr lvl="1"/>
             <a:r>
-              <a:rPr lang="en-US" smtClean="0"/>
+              <a:rPr lang="en-US"/>
               <a:t>Second level</a:t>
             </a:r>
           </a:p>
           <a:p>
             <a:pPr lvl="2"/>
             <a:r>
-              <a:rPr lang="en-US" smtClean="0"/>
+              <a:rPr lang="en-US"/>
               <a:t>Third level</a:t>
             </a:r>
           </a:p>
           <a:p>
             <a:pPr lvl="3"/>
             <a:r>
-              <a:rPr lang="en-US" smtClean="0"/>
+              <a:rPr lang="en-US"/>
               <a:t>Fourth level</a:t>
             </a:r>
           </a:p>
           <a:p>
             <a:pPr lvl="4"/>
             <a:r>
-              <a:rPr lang="en-US" smtClean="0"/>
+              <a:rPr lang="en-US"/>
               <a:t>Fifth level</a:t>
             </a:r>
             <a:endParaRPr lang="en-US" dirty="0"/>
@@ -3571,7 +3472,7 @@
                 </a:solidFill>
               </a:rPr>
               <a:pPr/>
-              <a:t>11/2/2018</a:t>
+              <a:t>11/7/2018</a:t>
             </a:fld>
             <a:endParaRPr lang="en-US">
               <a:solidFill>
@@ -3666,13 +3567,6 @@
       </p:transition>
     </mc:Fallback>
   </mc:AlternateContent>
-  <p:timing>
-    <p:tnLst>
-      <p:par>
-        <p:cTn id="1" dur="indefinite" restart="never" nodeType="tmRoot"/>
-      </p:par>
-    </p:tnLst>
-  </p:timing>
 </p:sldLayout>
 </file>
 
@@ -3714,7 +3608,7 @@
           <a:lstStyle/>
           <a:p>
             <a:r>
-              <a:rPr lang="en-US" smtClean="0"/>
+              <a:rPr lang="en-US"/>
               <a:t>Click to edit Master title style</a:t>
             </a:r>
             <a:endParaRPr lang="en-US" dirty="0"/>
@@ -3743,35 +3637,35 @@
           <a:p>
             <a:pPr lvl="0"/>
             <a:r>
-              <a:rPr lang="en-US" smtClean="0"/>
+              <a:rPr lang="en-US"/>
               <a:t>Edit Master text styles</a:t>
             </a:r>
           </a:p>
           <a:p>
             <a:pPr lvl="1"/>
             <a:r>
-              <a:rPr lang="en-US" smtClean="0"/>
+              <a:rPr lang="en-US"/>
               <a:t>Second level</a:t>
             </a:r>
           </a:p>
           <a:p>
             <a:pPr lvl="2"/>
             <a:r>
-              <a:rPr lang="en-US" smtClean="0"/>
+              <a:rPr lang="en-US"/>
               <a:t>Third level</a:t>
             </a:r>
           </a:p>
           <a:p>
             <a:pPr lvl="3"/>
             <a:r>
-              <a:rPr lang="en-US" smtClean="0"/>
+              <a:rPr lang="en-US"/>
               <a:t>Fourth level</a:t>
             </a:r>
           </a:p>
           <a:p>
             <a:pPr lvl="4"/>
             <a:r>
-              <a:rPr lang="en-US" smtClean="0"/>
+              <a:rPr lang="en-US"/>
               <a:t>Fifth level</a:t>
             </a:r>
             <a:endParaRPr lang="en-US" dirty="0"/>
@@ -3802,7 +3696,7 @@
                 </a:solidFill>
               </a:rPr>
               <a:pPr/>
-              <a:t>11/2/2018</a:t>
+              <a:t>11/7/2018</a:t>
             </a:fld>
             <a:endParaRPr lang="en-US">
               <a:solidFill>
@@ -3897,13 +3791,6 @@
       </p:transition>
     </mc:Fallback>
   </mc:AlternateContent>
-  <p:timing>
-    <p:tnLst>
-      <p:par>
-        <p:cTn id="1" dur="indefinite" restart="never" nodeType="tmRoot"/>
-      </p:par>
-    </p:tnLst>
-  </p:timing>
 </p:sldLayout>
 </file>
 
@@ -3949,7 +3836,7 @@
           </a:lstStyle>
           <a:p>
             <a:r>
-              <a:rPr lang="en-US" smtClean="0"/>
+              <a:rPr lang="en-US"/>
               <a:t>Click to edit Master title style</a:t>
             </a:r>
             <a:endParaRPr lang="en-US" dirty="0"/>
@@ -4069,7 +3956,7 @@
           <a:p>
             <a:pPr lvl="0"/>
             <a:r>
-              <a:rPr lang="en-US" smtClean="0"/>
+              <a:rPr lang="en-US"/>
               <a:t>Edit Master text styles</a:t>
             </a:r>
           </a:p>
@@ -4099,7 +3986,7 @@
                 </a:solidFill>
               </a:rPr>
               <a:pPr/>
-              <a:t>11/2/2018</a:t>
+              <a:t>11/7/2018</a:t>
             </a:fld>
             <a:endParaRPr lang="en-US">
               <a:solidFill>
@@ -4194,13 +4081,6 @@
       </p:transition>
     </mc:Fallback>
   </mc:AlternateContent>
-  <p:timing>
-    <p:tnLst>
-      <p:par>
-        <p:cTn id="1" dur="indefinite" restart="never" nodeType="tmRoot"/>
-      </p:par>
-    </p:tnLst>
-  </p:timing>
 </p:sldLayout>
 </file>
 
@@ -4237,7 +4117,7 @@
           <a:lstStyle/>
           <a:p>
             <a:r>
-              <a:rPr lang="en-US" smtClean="0"/>
+              <a:rPr lang="en-US"/>
               <a:t>Click to edit Master title style</a:t>
             </a:r>
             <a:endParaRPr lang="en-US" dirty="0"/>
@@ -4266,35 +4146,35 @@
           <a:p>
             <a:pPr lvl="0"/>
             <a:r>
-              <a:rPr lang="en-US" smtClean="0"/>
+              <a:rPr lang="en-US"/>
               <a:t>Edit Master text styles</a:t>
             </a:r>
           </a:p>
           <a:p>
             <a:pPr lvl="1"/>
             <a:r>
-              <a:rPr lang="en-US" smtClean="0"/>
+              <a:rPr lang="en-US"/>
               <a:t>Second level</a:t>
             </a:r>
           </a:p>
           <a:p>
             <a:pPr lvl="2"/>
             <a:r>
-              <a:rPr lang="en-US" smtClean="0"/>
+              <a:rPr lang="en-US"/>
               <a:t>Third level</a:t>
             </a:r>
           </a:p>
           <a:p>
             <a:pPr lvl="3"/>
             <a:r>
-              <a:rPr lang="en-US" smtClean="0"/>
+              <a:rPr lang="en-US"/>
               <a:t>Fourth level</a:t>
             </a:r>
           </a:p>
           <a:p>
             <a:pPr lvl="4"/>
             <a:r>
-              <a:rPr lang="en-US" smtClean="0"/>
+              <a:rPr lang="en-US"/>
               <a:t>Fifth level</a:t>
             </a:r>
             <a:endParaRPr lang="en-US" dirty="0"/>
@@ -4323,35 +4203,35 @@
           <a:p>
             <a:pPr lvl="0"/>
             <a:r>
-              <a:rPr lang="en-US" smtClean="0"/>
+              <a:rPr lang="en-US"/>
               <a:t>Edit Master text styles</a:t>
             </a:r>
           </a:p>
           <a:p>
             <a:pPr lvl="1"/>
             <a:r>
-              <a:rPr lang="en-US" smtClean="0"/>
+              <a:rPr lang="en-US"/>
               <a:t>Second level</a:t>
             </a:r>
           </a:p>
           <a:p>
             <a:pPr lvl="2"/>
             <a:r>
-              <a:rPr lang="en-US" smtClean="0"/>
+              <a:rPr lang="en-US"/>
               <a:t>Third level</a:t>
             </a:r>
           </a:p>
           <a:p>
             <a:pPr lvl="3"/>
             <a:r>
-              <a:rPr lang="en-US" smtClean="0"/>
+              <a:rPr lang="en-US"/>
               <a:t>Fourth level</a:t>
             </a:r>
           </a:p>
           <a:p>
             <a:pPr lvl="4"/>
             <a:r>
-              <a:rPr lang="en-US" smtClean="0"/>
+              <a:rPr lang="en-US"/>
               <a:t>Fifth level</a:t>
             </a:r>
             <a:endParaRPr lang="en-US" dirty="0"/>
@@ -4382,7 +4262,7 @@
                 </a:solidFill>
               </a:rPr>
               <a:pPr/>
-              <a:t>11/2/2018</a:t>
+              <a:t>11/7/2018</a:t>
             </a:fld>
             <a:endParaRPr lang="en-US">
               <a:solidFill>
@@ -4477,13 +4357,6 @@
       </p:transition>
     </mc:Fallback>
   </mc:AlternateContent>
-  <p:timing>
-    <p:tnLst>
-      <p:par>
-        <p:cTn id="1" dur="indefinite" restart="never" nodeType="tmRoot"/>
-      </p:par>
-    </p:tnLst>
-  </p:timing>
 </p:sldLayout>
 </file>
 
@@ -4525,7 +4398,7 @@
           <a:lstStyle/>
           <a:p>
             <a:r>
-              <a:rPr lang="en-US" smtClean="0"/>
+              <a:rPr lang="en-US"/>
               <a:t>Click to edit Master title style</a:t>
             </a:r>
             <a:endParaRPr lang="en-US" dirty="0"/>
@@ -4591,7 +4464,7 @@
           <a:p>
             <a:pPr lvl="0"/>
             <a:r>
-              <a:rPr lang="en-US" smtClean="0"/>
+              <a:rPr lang="en-US"/>
               <a:t>Edit Master text styles</a:t>
             </a:r>
           </a:p>
@@ -4619,35 +4492,35 @@
           <a:p>
             <a:pPr lvl="0"/>
             <a:r>
-              <a:rPr lang="en-US" smtClean="0"/>
+              <a:rPr lang="en-US"/>
               <a:t>Edit Master text styles</a:t>
             </a:r>
           </a:p>
           <a:p>
             <a:pPr lvl="1"/>
             <a:r>
-              <a:rPr lang="en-US" smtClean="0"/>
+              <a:rPr lang="en-US"/>
               <a:t>Second level</a:t>
             </a:r>
           </a:p>
           <a:p>
             <a:pPr lvl="2"/>
             <a:r>
-              <a:rPr lang="en-US" smtClean="0"/>
+              <a:rPr lang="en-US"/>
               <a:t>Third level</a:t>
             </a:r>
           </a:p>
           <a:p>
             <a:pPr lvl="3"/>
             <a:r>
-              <a:rPr lang="en-US" smtClean="0"/>
+              <a:rPr lang="en-US"/>
               <a:t>Fourth level</a:t>
             </a:r>
           </a:p>
           <a:p>
             <a:pPr lvl="4"/>
             <a:r>
-              <a:rPr lang="en-US" smtClean="0"/>
+              <a:rPr lang="en-US"/>
               <a:t>Fifth level</a:t>
             </a:r>
             <a:endParaRPr lang="en-US" dirty="0"/>
@@ -4713,7 +4586,7 @@
           <a:p>
             <a:pPr lvl="0"/>
             <a:r>
-              <a:rPr lang="en-US" smtClean="0"/>
+              <a:rPr lang="en-US"/>
               <a:t>Edit Master text styles</a:t>
             </a:r>
           </a:p>
@@ -4741,35 +4614,35 @@
           <a:p>
             <a:pPr lvl="0"/>
             <a:r>
-              <a:rPr lang="en-US" smtClean="0"/>
+              <a:rPr lang="en-US"/>
               <a:t>Edit Master text styles</a:t>
             </a:r>
           </a:p>
           <a:p>
             <a:pPr lvl="1"/>
             <a:r>
-              <a:rPr lang="en-US" smtClean="0"/>
+              <a:rPr lang="en-US"/>
               <a:t>Second level</a:t>
             </a:r>
           </a:p>
           <a:p>
             <a:pPr lvl="2"/>
             <a:r>
-              <a:rPr lang="en-US" smtClean="0"/>
+              <a:rPr lang="en-US"/>
               <a:t>Third level</a:t>
             </a:r>
           </a:p>
           <a:p>
             <a:pPr lvl="3"/>
             <a:r>
-              <a:rPr lang="en-US" smtClean="0"/>
+              <a:rPr lang="en-US"/>
               <a:t>Fourth level</a:t>
             </a:r>
           </a:p>
           <a:p>
             <a:pPr lvl="4"/>
             <a:r>
-              <a:rPr lang="en-US" smtClean="0"/>
+              <a:rPr lang="en-US"/>
               <a:t>Fifth level</a:t>
             </a:r>
             <a:endParaRPr lang="en-US" dirty="0"/>
@@ -4800,7 +4673,7 @@
                 </a:solidFill>
               </a:rPr>
               <a:pPr/>
-              <a:t>11/2/2018</a:t>
+              <a:t>11/7/2018</a:t>
             </a:fld>
             <a:endParaRPr lang="en-US">
               <a:solidFill>
@@ -4895,13 +4768,6 @@
       </p:transition>
     </mc:Fallback>
   </mc:AlternateContent>
-  <p:timing>
-    <p:tnLst>
-      <p:par>
-        <p:cTn id="1" dur="indefinite" restart="never" nodeType="tmRoot"/>
-      </p:par>
-    </p:tnLst>
-  </p:timing>
 </p:sldLayout>
 </file>
 
@@ -4938,7 +4804,7 @@
           <a:lstStyle/>
           <a:p>
             <a:r>
-              <a:rPr lang="en-US" smtClean="0"/>
+              <a:rPr lang="en-US"/>
               <a:t>Click to edit Master title style</a:t>
             </a:r>
             <a:endParaRPr lang="en-US" dirty="0"/>
@@ -4969,7 +4835,7 @@
                 </a:solidFill>
               </a:rPr>
               <a:pPr/>
-              <a:t>11/2/2018</a:t>
+              <a:t>11/7/2018</a:t>
             </a:fld>
             <a:endParaRPr lang="en-US">
               <a:solidFill>
@@ -5064,13 +4930,6 @@
       </p:transition>
     </mc:Fallback>
   </mc:AlternateContent>
-  <p:timing>
-    <p:tnLst>
-      <p:par>
-        <p:cTn id="1" dur="indefinite" restart="never" nodeType="tmRoot"/>
-      </p:par>
-    </p:tnLst>
-  </p:timing>
 </p:sldLayout>
 </file>
 
@@ -5115,7 +4974,7 @@
                 </a:solidFill>
               </a:rPr>
               <a:pPr/>
-              <a:t>11/2/2018</a:t>
+              <a:t>11/7/2018</a:t>
             </a:fld>
             <a:endParaRPr lang="en-US">
               <a:solidFill>
@@ -5210,13 +5069,6 @@
       </p:transition>
     </mc:Fallback>
   </mc:AlternateContent>
-  <p:timing>
-    <p:tnLst>
-      <p:par>
-        <p:cTn id="1" dur="indefinite" restart="never" nodeType="tmRoot"/>
-      </p:par>
-    </p:tnLst>
-  </p:timing>
 </p:sldLayout>
 </file>
 
@@ -5262,7 +5114,7 @@
           </a:lstStyle>
           <a:p>
             <a:r>
-              <a:rPr lang="en-US" smtClean="0"/>
+              <a:rPr lang="en-US"/>
               <a:t>Click to edit Master title style</a:t>
             </a:r>
             <a:endParaRPr lang="en-US" dirty="0"/>
@@ -5319,35 +5171,35 @@
           <a:p>
             <a:pPr lvl="0"/>
             <a:r>
-              <a:rPr lang="en-US" smtClean="0"/>
+              <a:rPr lang="en-US"/>
               <a:t>Edit Master text styles</a:t>
             </a:r>
           </a:p>
           <a:p>
             <a:pPr lvl="1"/>
             <a:r>
-              <a:rPr lang="en-US" smtClean="0"/>
+              <a:rPr lang="en-US"/>
               <a:t>Second level</a:t>
             </a:r>
           </a:p>
           <a:p>
             <a:pPr lvl="2"/>
             <a:r>
-              <a:rPr lang="en-US" smtClean="0"/>
+              <a:rPr lang="en-US"/>
               <a:t>Third level</a:t>
             </a:r>
           </a:p>
           <a:p>
             <a:pPr lvl="3"/>
             <a:r>
-              <a:rPr lang="en-US" smtClean="0"/>
+              <a:rPr lang="en-US"/>
               <a:t>Fourth level</a:t>
             </a:r>
           </a:p>
           <a:p>
             <a:pPr lvl="4"/>
             <a:r>
-              <a:rPr lang="en-US" smtClean="0"/>
+              <a:rPr lang="en-US"/>
               <a:t>Fifth level</a:t>
             </a:r>
             <a:endParaRPr lang="en-US" dirty="0"/>
@@ -5413,7 +5265,7 @@
           <a:p>
             <a:pPr lvl="0"/>
             <a:r>
-              <a:rPr lang="en-US" smtClean="0"/>
+              <a:rPr lang="en-US"/>
               <a:t>Edit Master text styles</a:t>
             </a:r>
           </a:p>
@@ -5443,7 +5295,7 @@
                 </a:solidFill>
               </a:rPr>
               <a:pPr/>
-              <a:t>11/2/2018</a:t>
+              <a:t>11/7/2018</a:t>
             </a:fld>
             <a:endParaRPr lang="en-US">
               <a:solidFill>
@@ -5538,13 +5390,6 @@
       </p:transition>
     </mc:Fallback>
   </mc:AlternateContent>
-  <p:timing>
-    <p:tnLst>
-      <p:par>
-        <p:cTn id="1" dur="indefinite" restart="never" nodeType="tmRoot"/>
-      </p:par>
-    </p:tnLst>
-  </p:timing>
 </p:sldLayout>
 </file>
 
@@ -5590,7 +5435,7 @@
           </a:lstStyle>
           <a:p>
             <a:r>
-              <a:rPr lang="en-US" smtClean="0"/>
+              <a:rPr lang="en-US"/>
               <a:t>Click to edit Master title style</a:t>
             </a:r>
             <a:endParaRPr lang="en-US" dirty="0"/>
@@ -5655,7 +5500,7 @@
           </a:lstStyle>
           <a:p>
             <a:r>
-              <a:rPr lang="en-US" smtClean="0"/>
+              <a:rPr lang="en-US"/>
               <a:t>Click icon to add picture</a:t>
             </a:r>
             <a:endParaRPr lang="en-US" dirty="0"/>
@@ -5721,7 +5566,7 @@
           <a:p>
             <a:pPr lvl="0"/>
             <a:r>
-              <a:rPr lang="en-US" smtClean="0"/>
+              <a:rPr lang="en-US"/>
               <a:t>Edit Master text styles</a:t>
             </a:r>
           </a:p>
@@ -5751,7 +5596,7 @@
                 </a:solidFill>
               </a:rPr>
               <a:pPr/>
-              <a:t>11/2/2018</a:t>
+              <a:t>11/7/2018</a:t>
             </a:fld>
             <a:endParaRPr lang="en-US">
               <a:solidFill>
@@ -5846,13 +5691,6 @@
       </p:transition>
     </mc:Fallback>
   </mc:AlternateContent>
-  <p:timing>
-    <p:tnLst>
-      <p:par>
-        <p:cTn id="1" dur="indefinite" restart="never" nodeType="tmRoot"/>
-      </p:par>
-    </p:tnLst>
-  </p:timing>
 </p:sldLayout>
 </file>
 
@@ -5904,7 +5742,7 @@
           <a:lstStyle/>
           <a:p>
             <a:r>
-              <a:rPr lang="en-US" smtClean="0"/>
+              <a:rPr lang="en-US"/>
               <a:t>Click to edit Master title style</a:t>
             </a:r>
             <a:endParaRPr lang="en-US" dirty="0"/>
@@ -5938,35 +5776,35 @@
           <a:p>
             <a:pPr lvl="0"/>
             <a:r>
-              <a:rPr lang="en-US" smtClean="0"/>
+              <a:rPr lang="en-US"/>
               <a:t>Edit Master text styles</a:t>
             </a:r>
           </a:p>
           <a:p>
             <a:pPr lvl="1"/>
             <a:r>
-              <a:rPr lang="en-US" smtClean="0"/>
+              <a:rPr lang="en-US"/>
               <a:t>Second level</a:t>
             </a:r>
           </a:p>
           <a:p>
             <a:pPr lvl="2"/>
             <a:r>
-              <a:rPr lang="en-US" smtClean="0"/>
+              <a:rPr lang="en-US"/>
               <a:t>Third level</a:t>
             </a:r>
           </a:p>
           <a:p>
             <a:pPr lvl="3"/>
             <a:r>
-              <a:rPr lang="en-US" smtClean="0"/>
+              <a:rPr lang="en-US"/>
               <a:t>Fourth level</a:t>
             </a:r>
           </a:p>
           <a:p>
             <a:pPr lvl="4"/>
             <a:r>
-              <a:rPr lang="en-US" smtClean="0"/>
+              <a:rPr lang="en-US"/>
               <a:t>Fifth level</a:t>
             </a:r>
             <a:endParaRPr lang="en-US" dirty="0"/>
@@ -6015,7 +5853,7 @@
                 </a:solidFill>
               </a:rPr>
               <a:pPr/>
-              <a:t>11/2/2018</a:t>
+              <a:t>11/7/2018</a:t>
             </a:fld>
             <a:endParaRPr lang="en-US">
               <a:solidFill>
@@ -6157,13 +5995,6 @@
       </p:transition>
     </mc:Fallback>
   </mc:AlternateContent>
-  <p:timing>
-    <p:tnLst>
-      <p:par>
-        <p:cTn id="1" dur="indefinite" restart="never" nodeType="tmRoot"/>
-      </p:par>
-    </p:tnLst>
-  </p:timing>
   <p:txStyles>
     <p:titleStyle>
       <a:lvl1pPr algn="l" defTabSz="1341117" rtl="0" eaLnBrk="1" latinLnBrk="0" hangingPunct="1">
@@ -6495,7 +6326,7 @@
           <a:lstStyle/>
           <a:p>
             <a:r>
-              <a:rPr lang="en-US" smtClean="0"/>
+              <a:rPr lang="en-US"/>
               <a:t>Click to edit Master title style</a:t>
             </a:r>
             <a:endParaRPr lang="en-US" dirty="0"/>
@@ -6529,35 +6360,35 @@
           <a:p>
             <a:pPr lvl="0"/>
             <a:r>
-              <a:rPr lang="en-US" smtClean="0"/>
+              <a:rPr lang="en-US"/>
               <a:t>Edit Master text styles</a:t>
             </a:r>
           </a:p>
           <a:p>
             <a:pPr lvl="1"/>
             <a:r>
-              <a:rPr lang="en-US" smtClean="0"/>
+              <a:rPr lang="en-US"/>
               <a:t>Second level</a:t>
             </a:r>
           </a:p>
           <a:p>
             <a:pPr lvl="2"/>
             <a:r>
-              <a:rPr lang="en-US" smtClean="0"/>
+              <a:rPr lang="en-US"/>
               <a:t>Third level</a:t>
             </a:r>
           </a:p>
           <a:p>
             <a:pPr lvl="3"/>
             <a:r>
-              <a:rPr lang="en-US" smtClean="0"/>
+              <a:rPr lang="en-US"/>
               <a:t>Fourth level</a:t>
             </a:r>
           </a:p>
           <a:p>
             <a:pPr lvl="4"/>
             <a:r>
-              <a:rPr lang="en-US" smtClean="0"/>
+              <a:rPr lang="en-US"/>
               <a:t>Fifth level</a:t>
             </a:r>
             <a:endParaRPr lang="en-US" dirty="0"/>
@@ -6606,7 +6437,7 @@
                 </a:solidFill>
               </a:rPr>
               <a:pPr/>
-              <a:t>11/2/2018</a:t>
+              <a:t>11/7/2018</a:t>
             </a:fld>
             <a:endParaRPr lang="en-US">
               <a:solidFill>
@@ -6748,13 +6579,6 @@
       </p:transition>
     </mc:Fallback>
   </mc:AlternateContent>
-  <p:timing>
-    <p:tnLst>
-      <p:par>
-        <p:cTn id="1" dur="indefinite" restart="never" nodeType="tmRoot"/>
-      </p:par>
-    </p:tnLst>
-  </p:timing>
   <p:txStyles>
     <p:titleStyle>
       <a:lvl1pPr algn="l" defTabSz="1341117" rtl="0" eaLnBrk="1" latinLnBrk="0" hangingPunct="1">
@@ -7044,8 +6868,9 @@
     <p:bg>
       <p:bgPr>
         <a:solidFill>
-          <a:schemeClr val="bg1">
-            <a:lumMod val="50000"/>
+          <a:schemeClr val="tx1">
+            <a:lumMod val="75000"/>
+            <a:lumOff val="25000"/>
           </a:schemeClr>
         </a:solidFill>
         <a:effectLst/>
@@ -7067,14 +6892,259 @@
       </p:grpSpPr>
       <p:sp>
         <p:nvSpPr>
+          <p:cNvPr id="6" name="Rectangle 5">
+            <a:extLst>
+              <a:ext uri="{FF2B5EF4-FFF2-40B4-BE49-F238E27FC236}">
+                <a16:creationId xmlns:a16="http://schemas.microsoft.com/office/drawing/2014/main" id="{676B280A-C61B-4327-9C1A-94BD31F7BA75}"/>
+              </a:ext>
+            </a:extLst>
+          </p:cNvPr>
+          <p:cNvSpPr/>
+          <p:nvPr/>
+        </p:nvSpPr>
+        <p:spPr>
+          <a:xfrm>
+            <a:off x="0" y="3599543"/>
+            <a:ext cx="17881600" cy="1669143"/>
+          </a:xfrm>
+          <a:prstGeom prst="rect">
+            <a:avLst/>
+          </a:prstGeom>
+          <a:solidFill>
+            <a:schemeClr val="bg1">
+              <a:lumMod val="95000"/>
+              <a:alpha val="25000"/>
+            </a:schemeClr>
+          </a:solidFill>
+          <a:ln>
+            <a:noFill/>
+          </a:ln>
+        </p:spPr>
+        <p:style>
+          <a:lnRef idx="2">
+            <a:schemeClr val="accent1">
+              <a:shade val="50000"/>
+            </a:schemeClr>
+          </a:lnRef>
+          <a:fillRef idx="1">
+            <a:schemeClr val="accent1"/>
+          </a:fillRef>
+          <a:effectRef idx="0">
+            <a:schemeClr val="accent1"/>
+          </a:effectRef>
+          <a:fontRef idx="minor">
+            <a:schemeClr val="lt1"/>
+          </a:fontRef>
+        </p:style>
+        <p:txBody>
+          <a:bodyPr rot="0" spcFirstLastPara="0" vertOverflow="overflow" horzOverflow="overflow" vert="horz" wrap="square" lIns="91440" tIns="45720" rIns="91440" bIns="45720" numCol="1" spcCol="0" rtlCol="0" fromWordArt="0" anchor="ctr" anchorCtr="0" forceAA="0" compatLnSpc="1">
+            <a:prstTxWarp prst="textNoShape">
+              <a:avLst/>
+            </a:prstTxWarp>
+            <a:noAutofit/>
+          </a:bodyPr>
+          <a:lstStyle/>
+          <a:p>
+            <a:pPr algn="ctr"/>
+            <a:endParaRPr lang="en-US"/>
+          </a:p>
+        </p:txBody>
+      </p:sp>
+      <p:sp>
+        <p:nvSpPr>
+          <p:cNvPr id="8" name="Isosceles Triangle 7">
+            <a:extLst>
+              <a:ext uri="{FF2B5EF4-FFF2-40B4-BE49-F238E27FC236}">
+                <a16:creationId xmlns:a16="http://schemas.microsoft.com/office/drawing/2014/main" id="{B8A3B59D-EB47-4CD0-8DF5-2D3353C60FA6}"/>
+              </a:ext>
+            </a:extLst>
+          </p:cNvPr>
+          <p:cNvSpPr/>
+          <p:nvPr/>
+        </p:nvSpPr>
+        <p:spPr>
+          <a:xfrm rot="10800000">
+            <a:off x="11771086" y="18997"/>
+            <a:ext cx="6110514" cy="6284686"/>
+          </a:xfrm>
+          <a:prstGeom prst="triangle">
+            <a:avLst>
+              <a:gd name="adj" fmla="val 0"/>
+            </a:avLst>
+          </a:prstGeom>
+          <a:solidFill>
+            <a:schemeClr val="bg1">
+              <a:lumMod val="50000"/>
+              <a:alpha val="25000"/>
+            </a:schemeClr>
+          </a:solidFill>
+          <a:ln>
+            <a:noFill/>
+          </a:ln>
+        </p:spPr>
+        <p:style>
+          <a:lnRef idx="2">
+            <a:schemeClr val="accent1">
+              <a:shade val="50000"/>
+            </a:schemeClr>
+          </a:lnRef>
+          <a:fillRef idx="1">
+            <a:schemeClr val="accent1"/>
+          </a:fillRef>
+          <a:effectRef idx="0">
+            <a:schemeClr val="accent1"/>
+          </a:effectRef>
+          <a:fontRef idx="minor">
+            <a:schemeClr val="lt1"/>
+          </a:fontRef>
+        </p:style>
+        <p:txBody>
+          <a:bodyPr rot="0" spcFirstLastPara="0" vertOverflow="overflow" horzOverflow="overflow" vert="horz" wrap="square" lIns="91440" tIns="45720" rIns="91440" bIns="45720" numCol="1" spcCol="0" rtlCol="0" fromWordArt="0" anchor="ctr" anchorCtr="0" forceAA="0" compatLnSpc="1">
+            <a:prstTxWarp prst="textNoShape">
+              <a:avLst/>
+            </a:prstTxWarp>
+            <a:noAutofit/>
+          </a:bodyPr>
+          <a:lstStyle/>
+          <a:p>
+            <a:pPr algn="ctr"/>
+            <a:endParaRPr lang="en-US"/>
+          </a:p>
+        </p:txBody>
+      </p:sp>
+      <p:sp>
+        <p:nvSpPr>
+          <p:cNvPr id="4" name="Isosceles Triangle 3">
+            <a:extLst>
+              <a:ext uri="{FF2B5EF4-FFF2-40B4-BE49-F238E27FC236}">
+                <a16:creationId xmlns:a16="http://schemas.microsoft.com/office/drawing/2014/main" id="{876A62A9-948F-4595-9D02-89836835D508}"/>
+              </a:ext>
+            </a:extLst>
+          </p:cNvPr>
+          <p:cNvSpPr/>
+          <p:nvPr/>
+        </p:nvSpPr>
+        <p:spPr>
+          <a:xfrm>
+            <a:off x="0" y="3773714"/>
+            <a:ext cx="6110514" cy="6284686"/>
+          </a:xfrm>
+          <a:prstGeom prst="triangle">
+            <a:avLst>
+              <a:gd name="adj" fmla="val 0"/>
+            </a:avLst>
+          </a:prstGeom>
+          <a:solidFill>
+            <a:schemeClr val="bg1">
+              <a:lumMod val="50000"/>
+              <a:alpha val="25000"/>
+            </a:schemeClr>
+          </a:solidFill>
+          <a:ln>
+            <a:noFill/>
+          </a:ln>
+        </p:spPr>
+        <p:style>
+          <a:lnRef idx="2">
+            <a:schemeClr val="accent1">
+              <a:shade val="50000"/>
+            </a:schemeClr>
+          </a:lnRef>
+          <a:fillRef idx="1">
+            <a:schemeClr val="accent1"/>
+          </a:fillRef>
+          <a:effectRef idx="0">
+            <a:schemeClr val="accent1"/>
+          </a:effectRef>
+          <a:fontRef idx="minor">
+            <a:schemeClr val="lt1"/>
+          </a:fontRef>
+        </p:style>
+        <p:txBody>
+          <a:bodyPr rot="0" spcFirstLastPara="0" vertOverflow="overflow" horzOverflow="overflow" vert="horz" wrap="square" lIns="91440" tIns="45720" rIns="91440" bIns="45720" numCol="1" spcCol="0" rtlCol="0" fromWordArt="0" anchor="ctr" anchorCtr="0" forceAA="0" compatLnSpc="1">
+            <a:prstTxWarp prst="textNoShape">
+              <a:avLst/>
+            </a:prstTxWarp>
+            <a:noAutofit/>
+          </a:bodyPr>
+          <a:lstStyle/>
+          <a:p>
+            <a:pPr algn="ctr"/>
+            <a:endParaRPr lang="en-US"/>
+          </a:p>
+        </p:txBody>
+      </p:sp>
+      <p:sp>
+        <p:nvSpPr>
+          <p:cNvPr id="2" name="Rectangle 1">
+            <a:extLst>
+              <a:ext uri="{FF2B5EF4-FFF2-40B4-BE49-F238E27FC236}">
+                <a16:creationId xmlns:a16="http://schemas.microsoft.com/office/drawing/2014/main" id="{2B77460E-6C27-4C4E-B75B-CD05E40409CC}"/>
+              </a:ext>
+            </a:extLst>
+          </p:cNvPr>
+          <p:cNvSpPr/>
+          <p:nvPr/>
+        </p:nvSpPr>
+        <p:spPr>
+          <a:xfrm>
+            <a:off x="11495314" y="3318224"/>
+            <a:ext cx="5979885" cy="5970919"/>
+          </a:xfrm>
+          <a:prstGeom prst="rect">
+            <a:avLst/>
+          </a:prstGeom>
+          <a:blipFill dpi="0" rotWithShape="1">
+            <a:blip r:embed="rId2"/>
+            <a:srcRect/>
+            <a:stretch>
+              <a:fillRect/>
+            </a:stretch>
+          </a:blipFill>
+          <a:ln>
+            <a:noFill/>
+          </a:ln>
+        </p:spPr>
+        <p:style>
+          <a:lnRef idx="2">
+            <a:schemeClr val="accent1">
+              <a:shade val="50000"/>
+            </a:schemeClr>
+          </a:lnRef>
+          <a:fillRef idx="1">
+            <a:schemeClr val="accent1"/>
+          </a:fillRef>
+          <a:effectRef idx="0">
+            <a:schemeClr val="accent1"/>
+          </a:effectRef>
+          <a:fontRef idx="minor">
+            <a:schemeClr val="lt1"/>
+          </a:fontRef>
+        </p:style>
+        <p:txBody>
+          <a:bodyPr rot="0" spcFirstLastPara="0" vertOverflow="overflow" horzOverflow="overflow" vert="horz" wrap="square" lIns="91440" tIns="45720" rIns="91440" bIns="45720" numCol="1" spcCol="0" rtlCol="0" fromWordArt="0" anchor="ctr" anchorCtr="0" forceAA="0" compatLnSpc="1">
+            <a:prstTxWarp prst="textNoShape">
+              <a:avLst/>
+            </a:prstTxWarp>
+            <a:noAutofit/>
+          </a:bodyPr>
+          <a:lstStyle/>
+          <a:p>
+            <a:pPr algn="ctr"/>
+            <a:endParaRPr lang="en-US" dirty="0"/>
+          </a:p>
+        </p:txBody>
+      </p:sp>
+      <p:sp>
+        <p:nvSpPr>
           <p:cNvPr id="7" name="Rectangle 6"/>
           <p:cNvSpPr/>
           <p:nvPr/>
         </p:nvSpPr>
         <p:spPr>
           <a:xfrm>
-            <a:off x="3368784" y="1866796"/>
-            <a:ext cx="8956566" cy="6324808"/>
+            <a:off x="2050705" y="2113538"/>
+            <a:ext cx="10678324" cy="5733749"/>
           </a:xfrm>
           <a:prstGeom prst="rect">
             <a:avLst/>
@@ -7094,7 +7164,7 @@
               </a:lnSpc>
             </a:pPr>
             <a:r>
-              <a:rPr lang="en-US" sz="5400" dirty="0" smtClean="0">
+              <a:rPr lang="en-US" sz="6000" dirty="0">
                 <a:ln w="0"/>
                 <a:solidFill>
                   <a:schemeClr val="bg1"/>
@@ -7105,7 +7175,7 @@
               <a:t>PLEASE</a:t>
             </a:r>
             <a:r>
-              <a:rPr lang="en-US" sz="5400" dirty="0" smtClean="0">
+              <a:rPr lang="en-US" sz="6000" dirty="0">
                 <a:ln w="0"/>
                 <a:solidFill>
                   <a:schemeClr val="bg2">
@@ -7118,7 +7188,7 @@
               <a:t> </a:t>
             </a:r>
             <a:r>
-              <a:rPr lang="en-US" sz="4800" dirty="0" smtClean="0">
+              <a:rPr lang="en-US" sz="5400" dirty="0">
                 <a:ln w="0"/>
                 <a:solidFill>
                   <a:schemeClr val="bg2">
@@ -7131,7 +7201,7 @@
               <a:t>RESERVE </a:t>
             </a:r>
             <a:r>
-              <a:rPr lang="en-US" sz="5400" b="1" dirty="0" smtClean="0">
+              <a:rPr lang="en-US" sz="6000" b="1" dirty="0">
                 <a:ln w="0"/>
                 <a:solidFill>
                   <a:schemeClr val="accent4">
@@ -7151,7 +7221,7 @@
               <a:t>CELLPHONE</a:t>
             </a:r>
             <a:r>
-              <a:rPr lang="en-US" sz="4800" dirty="0" smtClean="0">
+              <a:rPr lang="en-US" sz="5400" dirty="0">
                 <a:ln w="0"/>
                 <a:solidFill>
                   <a:schemeClr val="bg1"/>
@@ -7162,7 +7232,7 @@
               <a:t> </a:t>
             </a:r>
             <a:r>
-              <a:rPr lang="en-US" sz="4800" dirty="0">
+              <a:rPr lang="en-US" sz="5400" dirty="0">
                 <a:ln w="0"/>
                 <a:solidFill>
                   <a:schemeClr val="bg2">
@@ -7175,7 +7245,7 @@
               <a:t>USE</a:t>
             </a:r>
             <a:r>
-              <a:rPr lang="en-US" sz="4800" dirty="0">
+              <a:rPr lang="en-US" sz="5400" dirty="0">
                 <a:ln w="0"/>
                 <a:solidFill>
                   <a:schemeClr val="bg1"/>
@@ -7186,7 +7256,7 @@
               <a:t> </a:t>
             </a:r>
             <a:r>
-              <a:rPr lang="en-US" sz="4800" dirty="0">
+              <a:rPr lang="en-US" sz="5400" dirty="0">
                 <a:ln w="0"/>
                 <a:solidFill>
                   <a:schemeClr val="bg2">
@@ -7199,7 +7269,7 @@
               <a:t>FOR</a:t>
             </a:r>
             <a:r>
-              <a:rPr lang="en-US" sz="4800" dirty="0">
+              <a:rPr lang="en-US" sz="5400" dirty="0">
                 <a:ln w="0"/>
                 <a:solidFill>
                   <a:schemeClr val="bg1"/>
@@ -7210,13 +7280,10 @@
               <a:t> </a:t>
             </a:r>
             <a:r>
-              <a:rPr lang="en-US" sz="5400" b="1" dirty="0">
+              <a:rPr lang="en-US" sz="7200" b="1" dirty="0">
                 <a:ln w="0"/>
                 <a:solidFill>
-                  <a:schemeClr val="accent2">
-                    <a:lumMod val="60000"/>
-                    <a:lumOff val="40000"/>
-                  </a:schemeClr>
+                  <a:srgbClr val="FF5353"/>
                 </a:solidFill>
                 <a:effectLst>
                   <a:outerShdw blurRad="50800" dist="38100" dir="5400000" algn="t" rotWithShape="0">
@@ -7230,10 +7297,10 @@
               <a:t>IMPORTANT</a:t>
             </a:r>
             <a:r>
-              <a:rPr lang="en-US" sz="4800" dirty="0">
+              <a:rPr lang="en-US" sz="5400" dirty="0">
                 <a:ln w="0"/>
                 <a:solidFill>
-                  <a:schemeClr val="bg1"/>
+                  <a:srgbClr val="C00000"/>
                 </a:solidFill>
                 <a:effectLst/>
                 <a:latin typeface="Century Gothic" panose="020B0502020202020204" pitchFamily="34" charset="0"/>
@@ -7241,7 +7308,7 @@
               <a:t> </a:t>
             </a:r>
             <a:r>
-              <a:rPr lang="en-US" sz="4800" dirty="0" smtClean="0">
+              <a:rPr lang="en-US" sz="5400" dirty="0">
                 <a:ln w="0"/>
                 <a:solidFill>
                   <a:schemeClr val="bg1"/>
@@ -7251,14 +7318,6 @@
               </a:rPr>
               <a:t>CALLS</a:t>
             </a:r>
-            <a:endParaRPr lang="en-US" sz="4800" dirty="0">
-              <a:ln w="0"/>
-              <a:solidFill>
-                <a:schemeClr val="bg1"/>
-              </a:solidFill>
-              <a:effectLst/>
-              <a:latin typeface="Century Gothic" panose="020B0502020202020204" pitchFamily="34" charset="0"/>
-            </a:endParaRPr>
           </a:p>
           <a:p>
             <a:pPr>
@@ -7267,7 +7326,7 @@
               </a:lnSpc>
             </a:pPr>
             <a:r>
-              <a:rPr lang="en-US" sz="4800" dirty="0" smtClean="0">
+              <a:rPr lang="en-US" sz="5400" dirty="0">
                 <a:ln w="0"/>
                 <a:solidFill>
                   <a:schemeClr val="bg2">
@@ -7280,10 +7339,10 @@
               <a:t>USE THE </a:t>
             </a:r>
             <a:r>
-              <a:rPr lang="en-US" sz="5400" b="1" dirty="0" smtClean="0">
+              <a:rPr lang="en-US" sz="6000" b="1" dirty="0">
                 <a:ln w="0"/>
                 <a:solidFill>
-                  <a:srgbClr val="FFFF00"/>
+                  <a:srgbClr val="D29500"/>
                 </a:solidFill>
                 <a:effectLst>
                   <a:outerShdw blurRad="50800" dist="38100" dir="5400000" algn="t" rotWithShape="0">
@@ -7297,10 +7356,10 @@
               <a:t>BREAKROOM</a:t>
             </a:r>
             <a:r>
-              <a:rPr lang="en-US" sz="4800" b="1" dirty="0" smtClean="0">
+              <a:rPr lang="en-US" sz="5400" b="1" dirty="0">
                 <a:ln w="0"/>
                 <a:solidFill>
-                  <a:schemeClr val="bg1"/>
+                  <a:srgbClr val="D29500"/>
                 </a:solidFill>
                 <a:effectLst/>
                 <a:latin typeface="Century Gothic" panose="020B0502020202020204" pitchFamily="34" charset="0"/>
@@ -7308,7 +7367,7 @@
               <a:t> </a:t>
             </a:r>
             <a:r>
-              <a:rPr lang="en-US" sz="4800" dirty="0" smtClean="0">
+              <a:rPr lang="en-US" sz="5400" dirty="0">
                 <a:ln w="0"/>
                 <a:solidFill>
                   <a:schemeClr val="bg2">
@@ -7321,7 +7380,7 @@
               <a:t>TO</a:t>
             </a:r>
             <a:r>
-              <a:rPr lang="en-US" sz="4800" dirty="0" smtClean="0">
+              <a:rPr lang="en-US" sz="5400" dirty="0">
                 <a:ln w="0"/>
                 <a:solidFill>
                   <a:schemeClr val="bg1"/>
@@ -7332,75 +7391,32 @@
               <a:t> </a:t>
             </a:r>
             <a:r>
-              <a:rPr lang="en-US" sz="5400" dirty="0" smtClean="0">
+              <a:rPr lang="en-US" sz="6000" dirty="0">
                 <a:ln w="0"/>
                 <a:solidFill>
-                  <a:schemeClr val="bg1"/>
+                  <a:schemeClr val="bg1">
+                    <a:lumMod val="50000"/>
+                  </a:schemeClr>
                 </a:solidFill>
                 <a:effectLst/>
                 <a:latin typeface="Century Gothic" panose="020B0502020202020204" pitchFamily="34" charset="0"/>
               </a:rPr>
-              <a:t>ANSWER PHONE CALLS</a:t>
-            </a:r>
-            <a:endParaRPr lang="en-US" sz="5400" dirty="0">
-              <a:ln w="0"/>
-              <a:solidFill>
-                <a:schemeClr val="bg1"/>
-              </a:solidFill>
-              <a:effectLst/>
-              <a:latin typeface="Century Gothic" panose="020B0502020202020204" pitchFamily="34" charset="0"/>
-            </a:endParaRPr>
-          </a:p>
-        </p:txBody>
-      </p:sp>
-      <p:pic>
-        <p:nvPicPr>
-          <p:cNvPr id="3076" name="Picture 4" descr="cell phone 2 icons"/>
-          <p:cNvPicPr>
-            <a:picLocks noChangeAspect="1" noChangeArrowheads="1"/>
-          </p:cNvPicPr>
-          <p:nvPr/>
-        </p:nvPicPr>
-        <p:blipFill>
-          <a:blip r:embed="rId2">
-            <a:duotone>
-              <a:schemeClr val="accent4">
-                <a:shade val="45000"/>
-                <a:satMod val="135000"/>
-              </a:schemeClr>
-              <a:prstClr val="white"/>
-            </a:duotone>
-            <a:extLst>
-              <a:ext uri="{28A0092B-C50C-407E-A947-70E740481C1C}">
-                <a14:useLocalDpi xmlns:a14="http://schemas.microsoft.com/office/drawing/2010/main" val="0"/>
-              </a:ext>
-            </a:extLst>
-          </a:blip>
-          <a:srcRect/>
-          <a:stretch>
-            <a:fillRect/>
-          </a:stretch>
-        </p:blipFill>
-        <p:spPr bwMode="auto">
-          <a:xfrm>
-            <a:off x="12325350" y="2590800"/>
-            <a:ext cx="4876800" cy="4876801"/>
-          </a:xfrm>
-          <a:prstGeom prst="rect">
-            <a:avLst/>
-          </a:prstGeom>
-          <a:noFill/>
-          <a:extLst>
-            <a:ext uri="{909E8E84-426E-40DD-AFC4-6F175D3DCCD1}">
-              <a14:hiddenFill xmlns:a14="http://schemas.microsoft.com/office/drawing/2010/main">
-                <a:solidFill>
-                  <a:srgbClr val="FFFFFF"/>
-                </a:solidFill>
-              </a14:hiddenFill>
-            </a:ext>
-          </a:extLst>
-        </p:spPr>
-      </p:pic>
+              <a:t>ANSWER</a:t>
+            </a:r>
+            <a:r>
+              <a:rPr lang="en-US" sz="6000" dirty="0">
+                <a:ln w="0"/>
+                <a:solidFill>
+                  <a:schemeClr val="bg1"/>
+                </a:solidFill>
+                <a:effectLst/>
+                <a:latin typeface="Century Gothic" panose="020B0502020202020204" pitchFamily="34" charset="0"/>
+              </a:rPr>
+              <a:t> PHONE CALLS</a:t>
+            </a:r>
+          </a:p>
+        </p:txBody>
+      </p:sp>
     </p:spTree>
     <p:extLst>
       <p:ext uri="{BB962C8B-B14F-4D97-AF65-F5344CB8AC3E}">
@@ -7515,23 +7531,17 @@
 </p:sld>
 </file>
 
-<file path=ppt/slides/slide10.xml><?xml version="1.0" encoding="utf-8"?>
+<file path=ppt/slides/slide2.xml><?xml version="1.0" encoding="utf-8"?>
 <p:sld xmlns:a="http://schemas.openxmlformats.org/drawingml/2006/main" xmlns:r="http://schemas.openxmlformats.org/officeDocument/2006/relationships" xmlns:p="http://schemas.openxmlformats.org/presentationml/2006/main">
   <p:cSld>
     <p:bg>
       <p:bgPr>
-        <a:gradFill flip="none" rotWithShape="1">
-          <a:gsLst>
-            <a:gs pos="0">
-              <a:srgbClr val="B8F34F"/>
-            </a:gs>
-            <a:gs pos="100000">
-              <a:srgbClr val="24BACE"/>
-            </a:gs>
-          </a:gsLst>
-          <a:lin ang="16200000" scaled="1"/>
-          <a:tileRect/>
-        </a:gradFill>
+        <a:solidFill>
+          <a:schemeClr val="tx1">
+            <a:lumMod val="75000"/>
+            <a:lumOff val="25000"/>
+          </a:schemeClr>
+        </a:solidFill>
         <a:effectLst/>
       </p:bgPr>
     </p:bg>
@@ -7549,16 +7559,2509 @@
           <a:chExt cx="0" cy="0"/>
         </a:xfrm>
       </p:grpSpPr>
+      <p:sp>
+        <p:nvSpPr>
+          <p:cNvPr id="20" name="Rectangle 19"/>
+          <p:cNvSpPr/>
+          <p:nvPr/>
+        </p:nvSpPr>
+        <p:spPr>
+          <a:xfrm>
+            <a:off x="3530951" y="1778112"/>
+            <a:ext cx="11114596" cy="6324808"/>
+          </a:xfrm>
+          <a:prstGeom prst="rect">
+            <a:avLst/>
+          </a:prstGeom>
+          <a:noFill/>
+        </p:spPr>
+        <p:txBody>
+          <a:bodyPr wrap="square" lIns="91440" tIns="45720" rIns="91440" bIns="45720">
+            <a:spAutoFit/>
+          </a:bodyPr>
+          <a:lstStyle/>
+          <a:p>
+            <a:pPr>
+              <a:lnSpc>
+                <a:spcPct val="150000"/>
+              </a:lnSpc>
+            </a:pPr>
+            <a:r>
+              <a:rPr lang="en-US" sz="6600" dirty="0">
+                <a:ln w="0"/>
+                <a:solidFill>
+                  <a:schemeClr val="bg2">
+                    <a:lumMod val="90000"/>
+                  </a:schemeClr>
+                </a:solidFill>
+                <a:effectLst/>
+                <a:latin typeface="Century Gothic" panose="020B0502020202020204" pitchFamily="34" charset="0"/>
+              </a:rPr>
+              <a:t>IF NOT IMAGING</a:t>
+            </a:r>
+          </a:p>
+          <a:p>
+            <a:pPr>
+              <a:lnSpc>
+                <a:spcPct val="150000"/>
+              </a:lnSpc>
+            </a:pPr>
+            <a:r>
+              <a:rPr lang="en-US" sz="7200" b="1" dirty="0">
+                <a:ln w="3175">
+                  <a:noFill/>
+                </a:ln>
+                <a:solidFill>
+                  <a:srgbClr val="FF8585"/>
+                </a:solidFill>
+                <a:effectLst>
+                  <a:outerShdw blurRad="50800" dist="38100" dir="5400000" algn="t" rotWithShape="0">
+                    <a:prstClr val="black">
+                      <a:alpha val="40000"/>
+                    </a:prstClr>
+                  </a:outerShdw>
+                </a:effectLst>
+                <a:latin typeface="Century Gothic" panose="020B0502020202020204" pitchFamily="34" charset="0"/>
+              </a:rPr>
+              <a:t>DO NOT </a:t>
+            </a:r>
+            <a:r>
+              <a:rPr lang="en-US" sz="6600" dirty="0">
+                <a:ln w="0"/>
+                <a:solidFill>
+                  <a:schemeClr val="bg2">
+                    <a:lumMod val="90000"/>
+                  </a:schemeClr>
+                </a:solidFill>
+                <a:effectLst/>
+                <a:latin typeface="Century Gothic" panose="020B0502020202020204" pitchFamily="34" charset="0"/>
+              </a:rPr>
+              <a:t>CONNECT</a:t>
+            </a:r>
+            <a:r>
+              <a:rPr lang="en-US" sz="6600" dirty="0">
+                <a:ln w="0"/>
+                <a:solidFill>
+                  <a:schemeClr val="bg1"/>
+                </a:solidFill>
+                <a:effectLst/>
+                <a:latin typeface="Century Gothic" panose="020B0502020202020204" pitchFamily="34" charset="0"/>
+              </a:rPr>
+              <a:t> </a:t>
+            </a:r>
+            <a:r>
+              <a:rPr lang="en-US" sz="6600" dirty="0">
+                <a:ln w="0"/>
+                <a:solidFill>
+                  <a:schemeClr val="bg2">
+                    <a:lumMod val="90000"/>
+                  </a:schemeClr>
+                </a:solidFill>
+                <a:effectLst/>
+                <a:latin typeface="Century Gothic" panose="020B0502020202020204" pitchFamily="34" charset="0"/>
+              </a:rPr>
+              <a:t>COMPUTERS TO </a:t>
+            </a:r>
+            <a:r>
+              <a:rPr lang="en-US" sz="6600" b="1" dirty="0">
+                <a:ln w="0"/>
+                <a:solidFill>
+                  <a:schemeClr val="bg2">
+                    <a:lumMod val="90000"/>
+                  </a:schemeClr>
+                </a:solidFill>
+                <a:effectLst>
+                  <a:outerShdw blurRad="50800" dist="38100" dir="5400000" algn="t" rotWithShape="0">
+                    <a:prstClr val="black">
+                      <a:alpha val="40000"/>
+                    </a:prstClr>
+                  </a:outerShdw>
+                </a:effectLst>
+                <a:latin typeface="Century Gothic" panose="020B0502020202020204" pitchFamily="34" charset="0"/>
+              </a:rPr>
+              <a:t>WI-FI</a:t>
+            </a:r>
+            <a:r>
+              <a:rPr lang="en-US" sz="6600" dirty="0">
+                <a:ln w="0"/>
+                <a:solidFill>
+                  <a:schemeClr val="bg2">
+                    <a:lumMod val="90000"/>
+                  </a:schemeClr>
+                </a:solidFill>
+                <a:effectLst/>
+                <a:latin typeface="Century Gothic" panose="020B0502020202020204" pitchFamily="34" charset="0"/>
+              </a:rPr>
+              <a:t> OR </a:t>
+            </a:r>
+            <a:r>
+              <a:rPr lang="en-US" sz="6600" b="1" dirty="0">
+                <a:ln w="0"/>
+                <a:solidFill>
+                  <a:schemeClr val="bg1"/>
+                </a:solidFill>
+                <a:effectLst>
+                  <a:outerShdw blurRad="50800" dist="38100" dir="5400000" algn="t" rotWithShape="0">
+                    <a:prstClr val="black">
+                      <a:alpha val="40000"/>
+                    </a:prstClr>
+                  </a:outerShdw>
+                </a:effectLst>
+                <a:latin typeface="Century Gothic" panose="020B0502020202020204" pitchFamily="34" charset="0"/>
+              </a:rPr>
+              <a:t>ETHERNET</a:t>
+            </a:r>
+          </a:p>
+        </p:txBody>
+      </p:sp>
+      <p:grpSp>
+        <p:nvGrpSpPr>
+          <p:cNvPr id="33" name="Group 32"/>
+          <p:cNvGrpSpPr/>
+          <p:nvPr/>
+        </p:nvGrpSpPr>
+        <p:grpSpPr>
+          <a:xfrm>
+            <a:off x="13205998" y="5853898"/>
+            <a:ext cx="3262143" cy="3027852"/>
+            <a:chOff x="4509450" y="6247245"/>
+            <a:chExt cx="3262143" cy="3027852"/>
+          </a:xfrm>
+        </p:grpSpPr>
+        <p:pic>
+          <p:nvPicPr>
+            <p:cNvPr id="2058" name="Picture 10" descr="Related image"/>
+            <p:cNvPicPr>
+              <a:picLocks noChangeAspect="1" noChangeArrowheads="1"/>
+            </p:cNvPicPr>
+            <p:nvPr/>
+          </p:nvPicPr>
+          <p:blipFill>
+            <a:blip r:embed="rId2" cstate="print">
+              <a:lum bright="70000" contrast="-70000"/>
+              <a:extLst>
+                <a:ext uri="{28A0092B-C50C-407E-A947-70E740481C1C}">
+                  <a14:useLocalDpi xmlns:a14="http://schemas.microsoft.com/office/drawing/2010/main" val="0"/>
+                </a:ext>
+              </a:extLst>
+            </a:blip>
+            <a:srcRect/>
+            <a:stretch>
+              <a:fillRect/>
+            </a:stretch>
+          </p:blipFill>
+          <p:spPr bwMode="auto">
+            <a:xfrm>
+              <a:off x="4509450" y="6395996"/>
+              <a:ext cx="2879101" cy="2879101"/>
+            </a:xfrm>
+            <a:prstGeom prst="rect">
+              <a:avLst/>
+            </a:prstGeom>
+            <a:noFill/>
+            <a:ln>
+              <a:noFill/>
+            </a:ln>
+            <a:extLst>
+              <a:ext uri="{909E8E84-426E-40DD-AFC4-6F175D3DCCD1}">
+                <a14:hiddenFill xmlns:a14="http://schemas.microsoft.com/office/drawing/2010/main">
+                  <a:solidFill>
+                    <a:srgbClr val="FFFFFF"/>
+                  </a:solidFill>
+                </a14:hiddenFill>
+              </a:ext>
+            </a:extLst>
+          </p:spPr>
+        </p:pic>
+        <p:grpSp>
+          <p:nvGrpSpPr>
+            <p:cNvPr id="29" name="Group 28"/>
+            <p:cNvGrpSpPr/>
+            <p:nvPr/>
+          </p:nvGrpSpPr>
+          <p:grpSpPr>
+            <a:xfrm rot="2700000">
+              <a:off x="6034668" y="6247245"/>
+              <a:ext cx="1736925" cy="1736925"/>
+              <a:chOff x="14027409" y="4214713"/>
+              <a:chExt cx="3398472" cy="3398472"/>
+            </a:xfrm>
+            <a:effectLst>
+              <a:outerShdw blurRad="50800" dist="38100" dir="5400000" algn="t" rotWithShape="0">
+                <a:prstClr val="black">
+                  <a:alpha val="40000"/>
+                </a:prstClr>
+              </a:outerShdw>
+            </a:effectLst>
+          </p:grpSpPr>
+          <p:sp>
+            <p:nvSpPr>
+              <p:cNvPr id="24" name="Rounded Rectangle 23"/>
+              <p:cNvSpPr/>
+              <p:nvPr/>
+            </p:nvSpPr>
+            <p:spPr>
+              <a:xfrm rot="5400000">
+                <a:off x="14027409" y="5588520"/>
+                <a:ext cx="3398472" cy="650857"/>
+              </a:xfrm>
+              <a:prstGeom prst="roundRect">
+                <a:avLst>
+                  <a:gd name="adj" fmla="val 50000"/>
+                </a:avLst>
+              </a:prstGeom>
+              <a:solidFill>
+                <a:srgbClr val="FF5353"/>
+              </a:solidFill>
+              <a:ln>
+                <a:noFill/>
+              </a:ln>
+            </p:spPr>
+            <p:style>
+              <a:lnRef idx="2">
+                <a:schemeClr val="accent1">
+                  <a:shade val="50000"/>
+                </a:schemeClr>
+              </a:lnRef>
+              <a:fillRef idx="1">
+                <a:schemeClr val="accent1"/>
+              </a:fillRef>
+              <a:effectRef idx="0">
+                <a:schemeClr val="accent1"/>
+              </a:effectRef>
+              <a:fontRef idx="minor">
+                <a:schemeClr val="lt1"/>
+              </a:fontRef>
+            </p:style>
+            <p:txBody>
+              <a:bodyPr rot="0" spcFirstLastPara="0" vertOverflow="overflow" horzOverflow="overflow" vert="horz" wrap="square" lIns="91440" tIns="45720" rIns="91440" bIns="45720" numCol="1" spcCol="0" rtlCol="0" fromWordArt="0" anchor="ctr" anchorCtr="0" forceAA="0" compatLnSpc="1">
+                <a:prstTxWarp prst="textNoShape">
+                  <a:avLst/>
+                </a:prstTxWarp>
+                <a:noAutofit/>
+              </a:bodyPr>
+              <a:lstStyle/>
+              <a:p>
+                <a:pPr algn="ctr"/>
+                <a:endParaRPr lang="en-US"/>
+              </a:p>
+            </p:txBody>
+          </p:sp>
+          <p:sp>
+            <p:nvSpPr>
+              <p:cNvPr id="38" name="Rounded Rectangle 37"/>
+              <p:cNvSpPr/>
+              <p:nvPr/>
+            </p:nvSpPr>
+            <p:spPr>
+              <a:xfrm rot="10800000">
+                <a:off x="14027409" y="5576441"/>
+                <a:ext cx="3398472" cy="650857"/>
+              </a:xfrm>
+              <a:prstGeom prst="roundRect">
+                <a:avLst>
+                  <a:gd name="adj" fmla="val 50000"/>
+                </a:avLst>
+              </a:prstGeom>
+              <a:solidFill>
+                <a:srgbClr val="FF5353"/>
+              </a:solidFill>
+              <a:ln>
+                <a:noFill/>
+              </a:ln>
+            </p:spPr>
+            <p:style>
+              <a:lnRef idx="2">
+                <a:schemeClr val="accent1">
+                  <a:shade val="50000"/>
+                </a:schemeClr>
+              </a:lnRef>
+              <a:fillRef idx="1">
+                <a:schemeClr val="accent1"/>
+              </a:fillRef>
+              <a:effectRef idx="0">
+                <a:schemeClr val="accent1"/>
+              </a:effectRef>
+              <a:fontRef idx="minor">
+                <a:schemeClr val="lt1"/>
+              </a:fontRef>
+            </p:style>
+            <p:txBody>
+              <a:bodyPr rot="0" spcFirstLastPara="0" vertOverflow="overflow" horzOverflow="overflow" vert="horz" wrap="square" lIns="91440" tIns="45720" rIns="91440" bIns="45720" numCol="1" spcCol="0" rtlCol="0" fromWordArt="0" anchor="ctr" anchorCtr="0" forceAA="0" compatLnSpc="1">
+                <a:prstTxWarp prst="textNoShape">
+                  <a:avLst/>
+                </a:prstTxWarp>
+                <a:noAutofit/>
+              </a:bodyPr>
+              <a:lstStyle/>
+              <a:p>
+                <a:pPr algn="ctr"/>
+                <a:endParaRPr lang="en-US"/>
+              </a:p>
+            </p:txBody>
+          </p:sp>
+        </p:grpSp>
+      </p:grpSp>
+      <p:grpSp>
+        <p:nvGrpSpPr>
+          <p:cNvPr id="34" name="Group 33"/>
+          <p:cNvGrpSpPr/>
+          <p:nvPr/>
+        </p:nvGrpSpPr>
+        <p:grpSpPr>
+          <a:xfrm>
+            <a:off x="13412228" y="1516853"/>
+            <a:ext cx="2919155" cy="2478795"/>
+            <a:chOff x="10804016" y="6490280"/>
+            <a:chExt cx="2919154" cy="2478794"/>
+          </a:xfrm>
+        </p:grpSpPr>
+        <p:pic>
+          <p:nvPicPr>
+            <p:cNvPr id="2062" name="Picture 14" descr="Image result for ethernet png icon"/>
+            <p:cNvPicPr>
+              <a:picLocks noChangeAspect="1" noChangeArrowheads="1"/>
+            </p:cNvPicPr>
+            <p:nvPr/>
+          </p:nvPicPr>
+          <p:blipFill>
+            <a:blip r:embed="rId3" cstate="print">
+              <a:lum bright="70000" contrast="-70000"/>
+              <a:extLst>
+                <a:ext uri="{28A0092B-C50C-407E-A947-70E740481C1C}">
+                  <a14:useLocalDpi xmlns:a14="http://schemas.microsoft.com/office/drawing/2010/main" val="0"/>
+                </a:ext>
+              </a:extLst>
+            </a:blip>
+            <a:srcRect/>
+            <a:stretch>
+              <a:fillRect/>
+            </a:stretch>
+          </p:blipFill>
+          <p:spPr bwMode="auto">
+            <a:xfrm>
+              <a:off x="10804016" y="6873453"/>
+              <a:ext cx="2097760" cy="2095621"/>
+            </a:xfrm>
+            <a:prstGeom prst="rect">
+              <a:avLst/>
+            </a:prstGeom>
+            <a:noFill/>
+            <a:extLst>
+              <a:ext uri="{909E8E84-426E-40DD-AFC4-6F175D3DCCD1}">
+                <a14:hiddenFill xmlns:a14="http://schemas.microsoft.com/office/drawing/2010/main">
+                  <a:solidFill>
+                    <a:srgbClr val="FFFFFF"/>
+                  </a:solidFill>
+                </a14:hiddenFill>
+              </a:ext>
+            </a:extLst>
+          </p:spPr>
+        </p:pic>
+        <p:pic>
+          <p:nvPicPr>
+            <p:cNvPr id="32" name="Picture 31"/>
+            <p:cNvPicPr>
+              <a:picLocks noChangeAspect="1"/>
+            </p:cNvPicPr>
+            <p:nvPr/>
+          </p:nvPicPr>
+          <p:blipFill>
+            <a:blip r:embed="rId4"/>
+            <a:stretch>
+              <a:fillRect/>
+            </a:stretch>
+          </p:blipFill>
+          <p:spPr>
+            <a:xfrm>
+              <a:off x="12388030" y="6490280"/>
+              <a:ext cx="1335140" cy="1335140"/>
+            </a:xfrm>
+            <a:prstGeom prst="rect">
+              <a:avLst/>
+            </a:prstGeom>
+            <a:effectLst>
+              <a:outerShdw blurRad="50800" dist="38100" dir="5400000" algn="t" rotWithShape="0">
+                <a:prstClr val="black">
+                  <a:alpha val="40000"/>
+                </a:prstClr>
+              </a:outerShdw>
+            </a:effectLst>
+          </p:spPr>
+        </p:pic>
+      </p:grpSp>
+      <p:grpSp>
+        <p:nvGrpSpPr>
+          <p:cNvPr id="6" name="Group 5">
+            <a:extLst>
+              <a:ext uri="{FF2B5EF4-FFF2-40B4-BE49-F238E27FC236}">
+                <a16:creationId xmlns:a16="http://schemas.microsoft.com/office/drawing/2014/main" id="{CD880F19-7C9E-4A43-BF01-4E116C5DD421}"/>
+              </a:ext>
+            </a:extLst>
+          </p:cNvPr>
+          <p:cNvGrpSpPr/>
+          <p:nvPr/>
+        </p:nvGrpSpPr>
+        <p:grpSpPr>
+          <a:xfrm>
+            <a:off x="0" y="0"/>
+            <a:ext cx="17881600" cy="10106162"/>
+            <a:chOff x="0" y="0"/>
+            <a:chExt cx="17881600" cy="10106162"/>
+          </a:xfrm>
+        </p:grpSpPr>
+        <p:sp>
+          <p:nvSpPr>
+            <p:cNvPr id="22" name="Rectangle 21">
+              <a:extLst>
+                <a:ext uri="{FF2B5EF4-FFF2-40B4-BE49-F238E27FC236}">
+                  <a16:creationId xmlns:a16="http://schemas.microsoft.com/office/drawing/2014/main" id="{B92685F7-E541-4B72-B74C-FAF26C819F15}"/>
+                </a:ext>
+              </a:extLst>
+            </p:cNvPr>
+            <p:cNvSpPr/>
+            <p:nvPr/>
+          </p:nvSpPr>
+          <p:spPr>
+            <a:xfrm>
+              <a:off x="0" y="3410263"/>
+              <a:ext cx="17881600" cy="1669143"/>
+            </a:xfrm>
+            <a:prstGeom prst="rect">
+              <a:avLst/>
+            </a:prstGeom>
+            <a:solidFill>
+              <a:schemeClr val="bg1">
+                <a:alpha val="25000"/>
+              </a:schemeClr>
+            </a:solidFill>
+            <a:ln>
+              <a:noFill/>
+            </a:ln>
+          </p:spPr>
+          <p:style>
+            <a:lnRef idx="2">
+              <a:schemeClr val="accent1">
+                <a:shade val="50000"/>
+              </a:schemeClr>
+            </a:lnRef>
+            <a:fillRef idx="1">
+              <a:schemeClr val="accent1"/>
+            </a:fillRef>
+            <a:effectRef idx="0">
+              <a:schemeClr val="accent1"/>
+            </a:effectRef>
+            <a:fontRef idx="minor">
+              <a:schemeClr val="lt1"/>
+            </a:fontRef>
+          </p:style>
+          <p:txBody>
+            <a:bodyPr rot="0" spcFirstLastPara="0" vertOverflow="overflow" horzOverflow="overflow" vert="horz" wrap="square" lIns="91440" tIns="45720" rIns="91440" bIns="45720" numCol="1" spcCol="0" rtlCol="0" fromWordArt="0" anchor="ctr" anchorCtr="0" forceAA="0" compatLnSpc="1">
+              <a:prstTxWarp prst="textNoShape">
+                <a:avLst/>
+              </a:prstTxWarp>
+              <a:noAutofit/>
+            </a:bodyPr>
+            <a:lstStyle/>
+            <a:p>
+              <a:pPr algn="ctr"/>
+              <a:endParaRPr lang="en-US"/>
+            </a:p>
+          </p:txBody>
+        </p:sp>
+        <p:sp>
+          <p:nvSpPr>
+            <p:cNvPr id="19" name="Isosceles Triangle 18">
+              <a:extLst>
+                <a:ext uri="{FF2B5EF4-FFF2-40B4-BE49-F238E27FC236}">
+                  <a16:creationId xmlns:a16="http://schemas.microsoft.com/office/drawing/2014/main" id="{42D8E42C-FC12-478A-8C64-DA8BB5FA0B1D}"/>
+                </a:ext>
+              </a:extLst>
+            </p:cNvPr>
+            <p:cNvSpPr/>
+            <p:nvPr/>
+          </p:nvSpPr>
+          <p:spPr>
+            <a:xfrm rot="16200000">
+              <a:off x="11678925" y="3908562"/>
+              <a:ext cx="6110514" cy="6284686"/>
+            </a:xfrm>
+            <a:prstGeom prst="triangle">
+              <a:avLst>
+                <a:gd name="adj" fmla="val 0"/>
+              </a:avLst>
+            </a:prstGeom>
+            <a:solidFill>
+              <a:schemeClr val="bg1">
+                <a:lumMod val="50000"/>
+                <a:alpha val="25000"/>
+              </a:schemeClr>
+            </a:solidFill>
+            <a:ln>
+              <a:noFill/>
+            </a:ln>
+          </p:spPr>
+          <p:style>
+            <a:lnRef idx="2">
+              <a:schemeClr val="accent1">
+                <a:shade val="50000"/>
+              </a:schemeClr>
+            </a:lnRef>
+            <a:fillRef idx="1">
+              <a:schemeClr val="accent1"/>
+            </a:fillRef>
+            <a:effectRef idx="0">
+              <a:schemeClr val="accent1"/>
+            </a:effectRef>
+            <a:fontRef idx="minor">
+              <a:schemeClr val="lt1"/>
+            </a:fontRef>
+          </p:style>
+          <p:txBody>
+            <a:bodyPr rot="0" spcFirstLastPara="0" vertOverflow="overflow" horzOverflow="overflow" vert="horz" wrap="square" lIns="91440" tIns="45720" rIns="91440" bIns="45720" numCol="1" spcCol="0" rtlCol="0" fromWordArt="0" anchor="ctr" anchorCtr="0" forceAA="0" compatLnSpc="1">
+              <a:prstTxWarp prst="textNoShape">
+                <a:avLst/>
+              </a:prstTxWarp>
+              <a:noAutofit/>
+            </a:bodyPr>
+            <a:lstStyle/>
+            <a:p>
+              <a:pPr algn="ctr"/>
+              <a:endParaRPr lang="en-US"/>
+            </a:p>
+          </p:txBody>
+        </p:sp>
+        <p:sp>
+          <p:nvSpPr>
+            <p:cNvPr id="21" name="Isosceles Triangle 20">
+              <a:extLst>
+                <a:ext uri="{FF2B5EF4-FFF2-40B4-BE49-F238E27FC236}">
+                  <a16:creationId xmlns:a16="http://schemas.microsoft.com/office/drawing/2014/main" id="{AB13C624-3981-44E0-90C9-2DE928FC1677}"/>
+                </a:ext>
+              </a:extLst>
+            </p:cNvPr>
+            <p:cNvSpPr/>
+            <p:nvPr/>
+          </p:nvSpPr>
+          <p:spPr>
+            <a:xfrm rot="5400000">
+              <a:off x="87086" y="-87086"/>
+              <a:ext cx="6110514" cy="6284686"/>
+            </a:xfrm>
+            <a:prstGeom prst="triangle">
+              <a:avLst>
+                <a:gd name="adj" fmla="val 0"/>
+              </a:avLst>
+            </a:prstGeom>
+            <a:solidFill>
+              <a:schemeClr val="bg1">
+                <a:lumMod val="50000"/>
+                <a:alpha val="25000"/>
+              </a:schemeClr>
+            </a:solidFill>
+            <a:ln>
+              <a:noFill/>
+            </a:ln>
+          </p:spPr>
+          <p:style>
+            <a:lnRef idx="2">
+              <a:schemeClr val="accent1">
+                <a:shade val="50000"/>
+              </a:schemeClr>
+            </a:lnRef>
+            <a:fillRef idx="1">
+              <a:schemeClr val="accent1"/>
+            </a:fillRef>
+            <a:effectRef idx="0">
+              <a:schemeClr val="accent1"/>
+            </a:effectRef>
+            <a:fontRef idx="minor">
+              <a:schemeClr val="lt1"/>
+            </a:fontRef>
+          </p:style>
+          <p:txBody>
+            <a:bodyPr rot="0" spcFirstLastPara="0" vertOverflow="overflow" horzOverflow="overflow" vert="horz" wrap="square" lIns="91440" tIns="45720" rIns="91440" bIns="45720" numCol="1" spcCol="0" rtlCol="0" fromWordArt="0" anchor="ctr" anchorCtr="0" forceAA="0" compatLnSpc="1">
+              <a:prstTxWarp prst="textNoShape">
+                <a:avLst/>
+              </a:prstTxWarp>
+              <a:noAutofit/>
+            </a:bodyPr>
+            <a:lstStyle/>
+            <a:p>
+              <a:pPr algn="ctr"/>
+              <a:endParaRPr lang="en-US"/>
+            </a:p>
+          </p:txBody>
+        </p:sp>
+      </p:grpSp>
+    </p:spTree>
+    <p:extLst>
+      <p:ext uri="{BB962C8B-B14F-4D97-AF65-F5344CB8AC3E}">
+        <p14:creationId xmlns:p14="http://schemas.microsoft.com/office/powerpoint/2010/main" val="1065445114"/>
+      </p:ext>
+    </p:extLst>
+  </p:cSld>
+  <p:clrMapOvr>
+    <a:masterClrMapping/>
+  </p:clrMapOvr>
+  <mc:AlternateContent xmlns:mc="http://schemas.openxmlformats.org/markup-compatibility/2006" xmlns:p14="http://schemas.microsoft.com/office/powerpoint/2010/main">
+    <mc:Choice Requires="p14">
+      <p:transition spd="slow" p14:dur="1250" advTm="6000">
+        <p14:flip dir="r"/>
+      </p:transition>
+    </mc:Choice>
+    <mc:Fallback xmlns="">
+      <p:transition spd="slow" advTm="6000">
+        <p:fade/>
+      </p:transition>
+    </mc:Fallback>
+  </mc:AlternateContent>
+  <p:timing>
+    <p:tnLst>
+      <p:par>
+        <p:cTn id="1" dur="indefinite" restart="never" nodeType="tmRoot">
+          <p:childTnLst>
+            <p:seq concurrent="1" nextAc="seek">
+              <p:cTn id="2" dur="indefinite" nodeType="mainSeq">
+                <p:childTnLst>
+                  <p:par>
+                    <p:cTn id="3" fill="hold">
+                      <p:stCondLst>
+                        <p:cond delay="indefinite"/>
+                        <p:cond evt="onBegin" delay="0">
+                          <p:tn val="2"/>
+                        </p:cond>
+                      </p:stCondLst>
+                      <p:childTnLst>
+                        <p:par>
+                          <p:cTn id="4" fill="hold">
+                            <p:stCondLst>
+                              <p:cond delay="0"/>
+                            </p:stCondLst>
+                            <p:childTnLst>
+                              <p:par>
+                                <p:cTn id="5" presetID="22" presetClass="entr" presetSubtype="1" fill="hold" grpId="0" nodeType="afterEffect">
+                                  <p:stCondLst>
+                                    <p:cond delay="0"/>
+                                  </p:stCondLst>
+                                  <p:childTnLst>
+                                    <p:set>
+                                      <p:cBhvr>
+                                        <p:cTn id="6" dur="1" fill="hold">
+                                          <p:stCondLst>
+                                            <p:cond delay="0"/>
+                                          </p:stCondLst>
+                                        </p:cTn>
+                                        <p:tgtEl>
+                                          <p:spTgt spid="20"/>
+                                        </p:tgtEl>
+                                        <p:attrNameLst>
+                                          <p:attrName>style.visibility</p:attrName>
+                                        </p:attrNameLst>
+                                      </p:cBhvr>
+                                      <p:to>
+                                        <p:strVal val="visible"/>
+                                      </p:to>
+                                    </p:set>
+                                    <p:animEffect transition="in" filter="wipe(up)">
+                                      <p:cBhvr>
+                                        <p:cTn id="7" dur="1000"/>
+                                        <p:tgtEl>
+                                          <p:spTgt spid="20"/>
+                                        </p:tgtEl>
+                                      </p:cBhvr>
+                                    </p:animEffect>
+                                  </p:childTnLst>
+                                </p:cTn>
+                              </p:par>
+                            </p:childTnLst>
+                          </p:cTn>
+                        </p:par>
+                      </p:childTnLst>
+                    </p:cTn>
+                  </p:par>
+                </p:childTnLst>
+              </p:cTn>
+              <p:prevCondLst>
+                <p:cond evt="onPrev" delay="0">
+                  <p:tgtEl>
+                    <p:sldTgt/>
+                  </p:tgtEl>
+                </p:cond>
+              </p:prevCondLst>
+              <p:nextCondLst>
+                <p:cond evt="onNext" delay="0">
+                  <p:tgtEl>
+                    <p:sldTgt/>
+                  </p:tgtEl>
+                </p:cond>
+              </p:nextCondLst>
+            </p:seq>
+          </p:childTnLst>
+        </p:cTn>
+      </p:par>
+    </p:tnLst>
+    <p:bldLst>
+      <p:bldP spid="20" grpId="0"/>
+    </p:bldLst>
+  </p:timing>
+</p:sld>
+</file>
+
+<file path=ppt/slides/slide3.xml><?xml version="1.0" encoding="utf-8"?>
+<p:sld xmlns:a="http://schemas.openxmlformats.org/drawingml/2006/main" xmlns:r="http://schemas.openxmlformats.org/officeDocument/2006/relationships" xmlns:p="http://schemas.openxmlformats.org/presentationml/2006/main">
+  <p:cSld>
+    <p:bg>
+      <p:bgPr>
+        <a:solidFill>
+          <a:schemeClr val="tx1">
+            <a:lumMod val="75000"/>
+            <a:lumOff val="25000"/>
+          </a:schemeClr>
+        </a:solidFill>
+        <a:effectLst/>
+      </p:bgPr>
+    </p:bg>
+    <p:spTree>
+      <p:nvGrpSpPr>
+        <p:cNvPr id="1" name=""/>
+        <p:cNvGrpSpPr/>
+        <p:nvPr/>
+      </p:nvGrpSpPr>
+      <p:grpSpPr>
+        <a:xfrm>
+          <a:off x="0" y="0"/>
+          <a:ext cx="0" cy="0"/>
+          <a:chOff x="0" y="0"/>
+          <a:chExt cx="0" cy="0"/>
+        </a:xfrm>
+      </p:grpSpPr>
+      <p:grpSp>
+        <p:nvGrpSpPr>
+          <p:cNvPr id="7" name="Group 6">
+            <a:extLst>
+              <a:ext uri="{FF2B5EF4-FFF2-40B4-BE49-F238E27FC236}">
+                <a16:creationId xmlns:a16="http://schemas.microsoft.com/office/drawing/2014/main" id="{732816A4-A41A-4B5A-BE0B-6594F96C15B4}"/>
+              </a:ext>
+            </a:extLst>
+          </p:cNvPr>
+          <p:cNvGrpSpPr/>
+          <p:nvPr/>
+        </p:nvGrpSpPr>
+        <p:grpSpPr>
+          <a:xfrm>
+            <a:off x="0" y="0"/>
+            <a:ext cx="17881600" cy="10106162"/>
+            <a:chOff x="0" y="0"/>
+            <a:chExt cx="17881600" cy="10106162"/>
+          </a:xfrm>
+        </p:grpSpPr>
+        <p:sp>
+          <p:nvSpPr>
+            <p:cNvPr id="8" name="Rectangle 7">
+              <a:extLst>
+                <a:ext uri="{FF2B5EF4-FFF2-40B4-BE49-F238E27FC236}">
+                  <a16:creationId xmlns:a16="http://schemas.microsoft.com/office/drawing/2014/main" id="{BDB6A33D-0ADC-4FFF-B81E-A748D90CEC08}"/>
+                </a:ext>
+              </a:extLst>
+            </p:cNvPr>
+            <p:cNvSpPr/>
+            <p:nvPr/>
+          </p:nvSpPr>
+          <p:spPr>
+            <a:xfrm>
+              <a:off x="0" y="3514164"/>
+              <a:ext cx="17881600" cy="1223229"/>
+            </a:xfrm>
+            <a:prstGeom prst="rect">
+              <a:avLst/>
+            </a:prstGeom>
+            <a:solidFill>
+              <a:schemeClr val="bg1">
+                <a:alpha val="25000"/>
+              </a:schemeClr>
+            </a:solidFill>
+            <a:ln>
+              <a:noFill/>
+            </a:ln>
+          </p:spPr>
+          <p:style>
+            <a:lnRef idx="2">
+              <a:schemeClr val="accent1">
+                <a:shade val="50000"/>
+              </a:schemeClr>
+            </a:lnRef>
+            <a:fillRef idx="1">
+              <a:schemeClr val="accent1"/>
+            </a:fillRef>
+            <a:effectRef idx="0">
+              <a:schemeClr val="accent1"/>
+            </a:effectRef>
+            <a:fontRef idx="minor">
+              <a:schemeClr val="lt1"/>
+            </a:fontRef>
+          </p:style>
+          <p:txBody>
+            <a:bodyPr rot="0" spcFirstLastPara="0" vertOverflow="overflow" horzOverflow="overflow" vert="horz" wrap="square" lIns="91440" tIns="45720" rIns="91440" bIns="45720" numCol="1" spcCol="0" rtlCol="0" fromWordArt="0" anchor="ctr" anchorCtr="0" forceAA="0" compatLnSpc="1">
+              <a:prstTxWarp prst="textNoShape">
+                <a:avLst/>
+              </a:prstTxWarp>
+              <a:noAutofit/>
+            </a:bodyPr>
+            <a:lstStyle/>
+            <a:p>
+              <a:pPr algn="ctr"/>
+              <a:endParaRPr lang="en-US"/>
+            </a:p>
+          </p:txBody>
+        </p:sp>
+        <p:sp>
+          <p:nvSpPr>
+            <p:cNvPr id="9" name="Isosceles Triangle 8">
+              <a:extLst>
+                <a:ext uri="{FF2B5EF4-FFF2-40B4-BE49-F238E27FC236}">
+                  <a16:creationId xmlns:a16="http://schemas.microsoft.com/office/drawing/2014/main" id="{ACAA0AE2-FA1C-4E21-925F-B226934CD48F}"/>
+                </a:ext>
+              </a:extLst>
+            </p:cNvPr>
+            <p:cNvSpPr/>
+            <p:nvPr/>
+          </p:nvSpPr>
+          <p:spPr>
+            <a:xfrm rot="16200000">
+              <a:off x="11678925" y="3908562"/>
+              <a:ext cx="6110514" cy="6284686"/>
+            </a:xfrm>
+            <a:prstGeom prst="triangle">
+              <a:avLst>
+                <a:gd name="adj" fmla="val 0"/>
+              </a:avLst>
+            </a:prstGeom>
+            <a:solidFill>
+              <a:schemeClr val="bg1">
+                <a:lumMod val="50000"/>
+                <a:alpha val="25000"/>
+              </a:schemeClr>
+            </a:solidFill>
+            <a:ln>
+              <a:noFill/>
+            </a:ln>
+          </p:spPr>
+          <p:style>
+            <a:lnRef idx="2">
+              <a:schemeClr val="accent1">
+                <a:shade val="50000"/>
+              </a:schemeClr>
+            </a:lnRef>
+            <a:fillRef idx="1">
+              <a:schemeClr val="accent1"/>
+            </a:fillRef>
+            <a:effectRef idx="0">
+              <a:schemeClr val="accent1"/>
+            </a:effectRef>
+            <a:fontRef idx="minor">
+              <a:schemeClr val="lt1"/>
+            </a:fontRef>
+          </p:style>
+          <p:txBody>
+            <a:bodyPr rot="0" spcFirstLastPara="0" vertOverflow="overflow" horzOverflow="overflow" vert="horz" wrap="square" lIns="91440" tIns="45720" rIns="91440" bIns="45720" numCol="1" spcCol="0" rtlCol="0" fromWordArt="0" anchor="ctr" anchorCtr="0" forceAA="0" compatLnSpc="1">
+              <a:prstTxWarp prst="textNoShape">
+                <a:avLst/>
+              </a:prstTxWarp>
+              <a:noAutofit/>
+            </a:bodyPr>
+            <a:lstStyle/>
+            <a:p>
+              <a:pPr algn="ctr"/>
+              <a:endParaRPr lang="en-US"/>
+            </a:p>
+          </p:txBody>
+        </p:sp>
+        <p:sp>
+          <p:nvSpPr>
+            <p:cNvPr id="10" name="Isosceles Triangle 9">
+              <a:extLst>
+                <a:ext uri="{FF2B5EF4-FFF2-40B4-BE49-F238E27FC236}">
+                  <a16:creationId xmlns:a16="http://schemas.microsoft.com/office/drawing/2014/main" id="{48A33D18-90B3-4289-A5E9-C1AD27561647}"/>
+                </a:ext>
+              </a:extLst>
+            </p:cNvPr>
+            <p:cNvSpPr/>
+            <p:nvPr/>
+          </p:nvSpPr>
+          <p:spPr>
+            <a:xfrm rot="5400000">
+              <a:off x="87086" y="-87086"/>
+              <a:ext cx="6110514" cy="6284686"/>
+            </a:xfrm>
+            <a:prstGeom prst="triangle">
+              <a:avLst>
+                <a:gd name="adj" fmla="val 0"/>
+              </a:avLst>
+            </a:prstGeom>
+            <a:solidFill>
+              <a:schemeClr val="bg1">
+                <a:lumMod val="50000"/>
+                <a:alpha val="25000"/>
+              </a:schemeClr>
+            </a:solidFill>
+            <a:ln>
+              <a:noFill/>
+            </a:ln>
+          </p:spPr>
+          <p:style>
+            <a:lnRef idx="2">
+              <a:schemeClr val="accent1">
+                <a:shade val="50000"/>
+              </a:schemeClr>
+            </a:lnRef>
+            <a:fillRef idx="1">
+              <a:schemeClr val="accent1"/>
+            </a:fillRef>
+            <a:effectRef idx="0">
+              <a:schemeClr val="accent1"/>
+            </a:effectRef>
+            <a:fontRef idx="minor">
+              <a:schemeClr val="lt1"/>
+            </a:fontRef>
+          </p:style>
+          <p:txBody>
+            <a:bodyPr rot="0" spcFirstLastPara="0" vertOverflow="overflow" horzOverflow="overflow" vert="horz" wrap="square" lIns="91440" tIns="45720" rIns="91440" bIns="45720" numCol="1" spcCol="0" rtlCol="0" fromWordArt="0" anchor="ctr" anchorCtr="0" forceAA="0" compatLnSpc="1">
+              <a:prstTxWarp prst="textNoShape">
+                <a:avLst/>
+              </a:prstTxWarp>
+              <a:noAutofit/>
+            </a:bodyPr>
+            <a:lstStyle/>
+            <a:p>
+              <a:pPr algn="ctr"/>
+              <a:endParaRPr lang="en-US"/>
+            </a:p>
+          </p:txBody>
+        </p:sp>
+      </p:grpSp>
+      <p:sp>
+        <p:nvSpPr>
+          <p:cNvPr id="12" name="Rectangle 11"/>
+          <p:cNvSpPr/>
+          <p:nvPr/>
+        </p:nvSpPr>
+        <p:spPr>
+          <a:xfrm>
+            <a:off x="3231629" y="2266950"/>
+            <a:ext cx="11189743" cy="5878532"/>
+          </a:xfrm>
+          <a:prstGeom prst="rect">
+            <a:avLst/>
+          </a:prstGeom>
+          <a:noFill/>
+          <a:effectLst/>
+        </p:spPr>
+        <p:txBody>
+          <a:bodyPr wrap="square" lIns="91440" tIns="45720" rIns="91440" bIns="45720">
+            <a:spAutoFit/>
+          </a:bodyPr>
+          <a:lstStyle/>
+          <a:p>
+            <a:pPr>
+              <a:spcAft>
+                <a:spcPts val="600"/>
+              </a:spcAft>
+            </a:pPr>
+            <a:r>
+              <a:rPr lang="en-US" sz="8000" dirty="0">
+                <a:ln w="0"/>
+                <a:solidFill>
+                  <a:srgbClr val="B2B2B2"/>
+                </a:solidFill>
+                <a:effectLst/>
+                <a:latin typeface="Century Gothic" panose="020B0502020202020204" pitchFamily="34" charset="0"/>
+              </a:rPr>
+              <a:t>BEFORE STAGING</a:t>
+            </a:r>
+          </a:p>
+          <a:p>
+            <a:pPr>
+              <a:spcAft>
+                <a:spcPts val="600"/>
+              </a:spcAft>
+            </a:pPr>
+            <a:r>
+              <a:rPr lang="en-US" sz="6600" b="1" dirty="0">
+                <a:ln w="0"/>
+                <a:solidFill>
+                  <a:srgbClr val="B0DD7F"/>
+                </a:solidFill>
+                <a:effectLst>
+                  <a:outerShdw blurRad="50800" dist="38100" dir="5400000" algn="t" rotWithShape="0">
+                    <a:prstClr val="black">
+                      <a:alpha val="40000"/>
+                    </a:prstClr>
+                  </a:outerShdw>
+                </a:effectLst>
+                <a:latin typeface="Century Gothic" panose="020B0502020202020204" pitchFamily="34" charset="0"/>
+              </a:rPr>
+              <a:t>ALWAYS INSPECT</a:t>
+            </a:r>
+          </a:p>
+          <a:p>
+            <a:pPr>
+              <a:spcAft>
+                <a:spcPts val="600"/>
+              </a:spcAft>
+            </a:pPr>
+            <a:r>
+              <a:rPr lang="en-US" sz="6600" dirty="0">
+                <a:ln w="0"/>
+                <a:solidFill>
+                  <a:srgbClr val="B2B2B2"/>
+                </a:solidFill>
+                <a:effectLst/>
+                <a:latin typeface="Century Gothic" panose="020B0502020202020204" pitchFamily="34" charset="0"/>
+              </a:rPr>
+              <a:t>WORK BENCH </a:t>
+            </a:r>
+            <a:endParaRPr lang="en-US" sz="7200" dirty="0">
+              <a:ln w="0"/>
+              <a:solidFill>
+                <a:srgbClr val="B2B2B2"/>
+              </a:solidFill>
+              <a:effectLst/>
+              <a:latin typeface="Century Gothic" panose="020B0502020202020204" pitchFamily="34" charset="0"/>
+            </a:endParaRPr>
+          </a:p>
+          <a:p>
+            <a:pPr>
+              <a:spcAft>
+                <a:spcPts val="600"/>
+              </a:spcAft>
+            </a:pPr>
+            <a:r>
+              <a:rPr lang="en-US" sz="7200" dirty="0">
+                <a:ln w="0"/>
+                <a:solidFill>
+                  <a:srgbClr val="B2B2B2"/>
+                </a:solidFill>
+                <a:effectLst/>
+                <a:latin typeface="Century Gothic" panose="020B0502020202020204" pitchFamily="34" charset="0"/>
+              </a:rPr>
+              <a:t>FOR</a:t>
+            </a:r>
+            <a:r>
+              <a:rPr lang="en-US" sz="7200" b="1" dirty="0">
+                <a:ln w="0"/>
+                <a:solidFill>
+                  <a:schemeClr val="bg1"/>
+                </a:solidFill>
+                <a:effectLst/>
+                <a:latin typeface="Century Gothic" panose="020B0502020202020204" pitchFamily="34" charset="0"/>
+              </a:rPr>
+              <a:t> </a:t>
+            </a:r>
+            <a:r>
+              <a:rPr lang="en-US" sz="7200" b="1" dirty="0">
+                <a:ln w="0"/>
+                <a:solidFill>
+                  <a:schemeClr val="bg1"/>
+                </a:solidFill>
+                <a:effectLst>
+                  <a:outerShdw blurRad="50800" dist="38100" dir="5400000" algn="t" rotWithShape="0">
+                    <a:prstClr val="black">
+                      <a:alpha val="40000"/>
+                    </a:prstClr>
+                  </a:outerShdw>
+                </a:effectLst>
+                <a:latin typeface="Century Gothic" panose="020B0502020202020204" pitchFamily="34" charset="0"/>
+              </a:rPr>
+              <a:t>ACCESSORIES</a:t>
+            </a:r>
+          </a:p>
+          <a:p>
+            <a:pPr>
+              <a:spcAft>
+                <a:spcPts val="600"/>
+              </a:spcAft>
+            </a:pPr>
+            <a:r>
+              <a:rPr lang="en-US" sz="7200" dirty="0">
+                <a:ln w="0"/>
+                <a:solidFill>
+                  <a:srgbClr val="B2B2B2"/>
+                </a:solidFill>
+                <a:effectLst/>
+                <a:latin typeface="Century Gothic" panose="020B0502020202020204" pitchFamily="34" charset="0"/>
+              </a:rPr>
+              <a:t>LEFT BEHIND</a:t>
+            </a:r>
+          </a:p>
+        </p:txBody>
+      </p:sp>
       <p:pic>
         <p:nvPicPr>
-          <p:cNvPr id="3" name="Picture 2" descr="Image result for BOX PNG ICON"/>
+          <p:cNvPr id="2" name="Picture 1"/>
+          <p:cNvPicPr>
+            <a:picLocks noChangeAspect="1"/>
+          </p:cNvPicPr>
+          <p:nvPr/>
+        </p:nvPicPr>
+        <p:blipFill>
+          <a:blip r:embed="rId2">
+            <a:lum bright="70000" contrast="-70000"/>
+            <a:extLst>
+              <a:ext uri="{28A0092B-C50C-407E-A947-70E740481C1C}">
+                <a14:useLocalDpi xmlns:a14="http://schemas.microsoft.com/office/drawing/2010/main" val="0"/>
+              </a:ext>
+            </a:extLst>
+          </a:blip>
+          <a:stretch>
+            <a:fillRect/>
+          </a:stretch>
+        </p:blipFill>
+        <p:spPr>
+          <a:xfrm rot="19516514">
+            <a:off x="12220059" y="992738"/>
+            <a:ext cx="4402623" cy="2933247"/>
+          </a:xfrm>
+          <a:prstGeom prst="rect">
+            <a:avLst/>
+          </a:prstGeom>
+        </p:spPr>
+      </p:pic>
+      <p:pic>
+        <p:nvPicPr>
+          <p:cNvPr id="1026" name="Picture 2" descr="Image result for mouse png icon"/>
           <p:cNvPicPr>
             <a:picLocks noChangeAspect="1" noChangeArrowheads="1"/>
           </p:cNvPicPr>
           <p:nvPr/>
         </p:nvPicPr>
         <p:blipFill>
-          <a:blip r:embed="rId3">
+          <a:blip r:embed="rId3" cstate="print">
+            <a:lum bright="70000" contrast="-70000"/>
+            <a:extLst>
+              <a:ext uri="{28A0092B-C50C-407E-A947-70E740481C1C}">
+                <a14:useLocalDpi xmlns:a14="http://schemas.microsoft.com/office/drawing/2010/main" val="0"/>
+              </a:ext>
+            </a:extLst>
+          </a:blip>
+          <a:srcRect/>
+          <a:stretch>
+            <a:fillRect/>
+          </a:stretch>
+        </p:blipFill>
+        <p:spPr bwMode="auto">
+          <a:xfrm rot="19275716">
+            <a:off x="13535285" y="4566351"/>
+            <a:ext cx="1772171" cy="1772171"/>
+          </a:xfrm>
+          <a:prstGeom prst="rect">
+            <a:avLst/>
+          </a:prstGeom>
+          <a:noFill/>
+          <a:extLst>
+            <a:ext uri="{909E8E84-426E-40DD-AFC4-6F175D3DCCD1}">
+              <a14:hiddenFill xmlns:a14="http://schemas.microsoft.com/office/drawing/2010/main">
+                <a:solidFill>
+                  <a:srgbClr val="FFFFFF"/>
+                </a:solidFill>
+              </a14:hiddenFill>
+            </a:ext>
+          </a:extLst>
+        </p:spPr>
+      </p:pic>
+      <p:pic>
+        <p:nvPicPr>
+          <p:cNvPr id="1028" name="Picture 4" descr="Image result for FLASH DRIVE png icon"/>
+          <p:cNvPicPr>
+            <a:picLocks noChangeAspect="1" noChangeArrowheads="1"/>
+          </p:cNvPicPr>
+          <p:nvPr/>
+        </p:nvPicPr>
+        <p:blipFill>
+          <a:blip r:embed="rId4">
+            <a:lum bright="70000" contrast="-70000"/>
+            <a:extLst>
+              <a:ext uri="{28A0092B-C50C-407E-A947-70E740481C1C}">
+                <a14:useLocalDpi xmlns:a14="http://schemas.microsoft.com/office/drawing/2010/main" val="0"/>
+              </a:ext>
+            </a:extLst>
+          </a:blip>
+          <a:srcRect/>
+          <a:stretch>
+            <a:fillRect/>
+          </a:stretch>
+        </p:blipFill>
+        <p:spPr bwMode="auto">
+          <a:xfrm>
+            <a:off x="13468871" y="6698073"/>
+            <a:ext cx="1905000" cy="1905000"/>
+          </a:xfrm>
+          <a:prstGeom prst="rect">
+            <a:avLst/>
+          </a:prstGeom>
+          <a:noFill/>
+          <a:extLst>
+            <a:ext uri="{909E8E84-426E-40DD-AFC4-6F175D3DCCD1}">
+              <a14:hiddenFill xmlns:a14="http://schemas.microsoft.com/office/drawing/2010/main">
+                <a:solidFill>
+                  <a:srgbClr val="FFFFFF"/>
+                </a:solidFill>
+              </a14:hiddenFill>
+            </a:ext>
+          </a:extLst>
+        </p:spPr>
+      </p:pic>
+    </p:spTree>
+    <p:extLst>
+      <p:ext uri="{BB962C8B-B14F-4D97-AF65-F5344CB8AC3E}">
+        <p14:creationId xmlns:p14="http://schemas.microsoft.com/office/powerpoint/2010/main" val="3475677926"/>
+      </p:ext>
+    </p:extLst>
+  </p:cSld>
+  <p:clrMapOvr>
+    <a:masterClrMapping/>
+  </p:clrMapOvr>
+  <mc:AlternateContent xmlns:mc="http://schemas.openxmlformats.org/markup-compatibility/2006" xmlns:p14="http://schemas.microsoft.com/office/powerpoint/2010/main">
+    <mc:Choice Requires="p14">
+      <p:transition spd="slow" p14:dur="1250" advTm="6000">
+        <p14:flip dir="r"/>
+      </p:transition>
+    </mc:Choice>
+    <mc:Fallback xmlns="">
+      <p:transition spd="slow" advTm="6000">
+        <p:fade/>
+      </p:transition>
+    </mc:Fallback>
+  </mc:AlternateContent>
+  <p:timing>
+    <p:tnLst>
+      <p:par>
+        <p:cTn id="1" dur="indefinite" restart="never" nodeType="tmRoot">
+          <p:childTnLst>
+            <p:seq concurrent="1" nextAc="seek">
+              <p:cTn id="2" dur="indefinite" nodeType="mainSeq">
+                <p:childTnLst>
+                  <p:par>
+                    <p:cTn id="3" fill="hold">
+                      <p:stCondLst>
+                        <p:cond delay="indefinite"/>
+                        <p:cond evt="onBegin" delay="0">
+                          <p:tn val="2"/>
+                        </p:cond>
+                      </p:stCondLst>
+                      <p:childTnLst>
+                        <p:par>
+                          <p:cTn id="4" fill="hold">
+                            <p:stCondLst>
+                              <p:cond delay="0"/>
+                            </p:stCondLst>
+                            <p:childTnLst>
+                              <p:par>
+                                <p:cTn id="5" presetID="10" presetClass="entr" presetSubtype="0" fill="hold" grpId="0" nodeType="withEffect">
+                                  <p:stCondLst>
+                                    <p:cond delay="0"/>
+                                  </p:stCondLst>
+                                  <p:childTnLst>
+                                    <p:set>
+                                      <p:cBhvr>
+                                        <p:cTn id="6" dur="1" fill="hold">
+                                          <p:stCondLst>
+                                            <p:cond delay="0"/>
+                                          </p:stCondLst>
+                                        </p:cTn>
+                                        <p:tgtEl>
+                                          <p:spTgt spid="12"/>
+                                        </p:tgtEl>
+                                        <p:attrNameLst>
+                                          <p:attrName>style.visibility</p:attrName>
+                                        </p:attrNameLst>
+                                      </p:cBhvr>
+                                      <p:to>
+                                        <p:strVal val="visible"/>
+                                      </p:to>
+                                    </p:set>
+                                    <p:animEffect transition="in" filter="fade">
+                                      <p:cBhvr>
+                                        <p:cTn id="7" dur="500"/>
+                                        <p:tgtEl>
+                                          <p:spTgt spid="12"/>
+                                        </p:tgtEl>
+                                      </p:cBhvr>
+                                    </p:animEffect>
+                                  </p:childTnLst>
+                                </p:cTn>
+                              </p:par>
+                            </p:childTnLst>
+                          </p:cTn>
+                        </p:par>
+                        <p:par>
+                          <p:cTn id="8" fill="hold">
+                            <p:stCondLst>
+                              <p:cond delay="500"/>
+                            </p:stCondLst>
+                            <p:childTnLst>
+                              <p:par>
+                                <p:cTn id="9" presetID="26" presetClass="emph" presetSubtype="0" repeatCount="3000" fill="hold" grpId="1" nodeType="afterEffect">
+                                  <p:stCondLst>
+                                    <p:cond delay="0"/>
+                                  </p:stCondLst>
+                                  <p:childTnLst>
+                                    <p:animEffect transition="out" filter="fade">
+                                      <p:cBhvr>
+                                        <p:cTn id="10" dur="500" tmFilter="0, 0; .2, .5; .8, .5; 1, 0"/>
+                                        <p:tgtEl>
+                                          <p:spTgt spid="12"/>
+                                        </p:tgtEl>
+                                      </p:cBhvr>
+                                    </p:animEffect>
+                                    <p:animScale>
+                                      <p:cBhvr>
+                                        <p:cTn id="11" dur="250" autoRev="1" fill="hold"/>
+                                        <p:tgtEl>
+                                          <p:spTgt spid="12"/>
+                                        </p:tgtEl>
+                                      </p:cBhvr>
+                                      <p:by x="105000" y="105000"/>
+                                    </p:animScale>
+                                  </p:childTnLst>
+                                </p:cTn>
+                              </p:par>
+                            </p:childTnLst>
+                          </p:cTn>
+                        </p:par>
+                      </p:childTnLst>
+                    </p:cTn>
+                  </p:par>
+                </p:childTnLst>
+              </p:cTn>
+              <p:prevCondLst>
+                <p:cond evt="onPrev" delay="0">
+                  <p:tgtEl>
+                    <p:sldTgt/>
+                  </p:tgtEl>
+                </p:cond>
+              </p:prevCondLst>
+              <p:nextCondLst>
+                <p:cond evt="onNext" delay="0">
+                  <p:tgtEl>
+                    <p:sldTgt/>
+                  </p:tgtEl>
+                </p:cond>
+              </p:nextCondLst>
+            </p:seq>
+          </p:childTnLst>
+        </p:cTn>
+      </p:par>
+    </p:tnLst>
+    <p:bldLst>
+      <p:bldP spid="12" grpId="0"/>
+      <p:bldP spid="12" grpId="1"/>
+    </p:bldLst>
+  </p:timing>
+</p:sld>
+</file>
+
+<file path=ppt/slides/slide4.xml><?xml version="1.0" encoding="utf-8"?>
+<p:sld xmlns:a="http://schemas.openxmlformats.org/drawingml/2006/main" xmlns:r="http://schemas.openxmlformats.org/officeDocument/2006/relationships" xmlns:p="http://schemas.openxmlformats.org/presentationml/2006/main">
+  <p:cSld>
+    <p:bg>
+      <p:bgPr>
+        <a:solidFill>
+          <a:schemeClr val="tx1">
+            <a:lumMod val="75000"/>
+            <a:lumOff val="25000"/>
+          </a:schemeClr>
+        </a:solidFill>
+        <a:effectLst/>
+      </p:bgPr>
+    </p:bg>
+    <p:spTree>
+      <p:nvGrpSpPr>
+        <p:cNvPr id="1" name=""/>
+        <p:cNvGrpSpPr/>
+        <p:nvPr/>
+      </p:nvGrpSpPr>
+      <p:grpSpPr>
+        <a:xfrm>
+          <a:off x="0" y="0"/>
+          <a:ext cx="0" cy="0"/>
+          <a:chOff x="0" y="0"/>
+          <a:chExt cx="0" cy="0"/>
+        </a:xfrm>
+      </p:grpSpPr>
+      <p:grpSp>
+        <p:nvGrpSpPr>
+          <p:cNvPr id="4" name="Group 3">
+            <a:extLst>
+              <a:ext uri="{FF2B5EF4-FFF2-40B4-BE49-F238E27FC236}">
+                <a16:creationId xmlns:a16="http://schemas.microsoft.com/office/drawing/2014/main" id="{F0D74D79-1CEF-4D7D-B8CA-2740F68B4A31}"/>
+              </a:ext>
+            </a:extLst>
+          </p:cNvPr>
+          <p:cNvGrpSpPr/>
+          <p:nvPr/>
+        </p:nvGrpSpPr>
+        <p:grpSpPr>
+          <a:xfrm>
+            <a:off x="-70281" y="0"/>
+            <a:ext cx="17946806" cy="10106162"/>
+            <a:chOff x="-70281" y="0"/>
+            <a:chExt cx="17946806" cy="10106162"/>
+          </a:xfrm>
+        </p:grpSpPr>
+        <p:sp>
+          <p:nvSpPr>
+            <p:cNvPr id="5" name="Rectangle 4">
+              <a:extLst>
+                <a:ext uri="{FF2B5EF4-FFF2-40B4-BE49-F238E27FC236}">
+                  <a16:creationId xmlns:a16="http://schemas.microsoft.com/office/drawing/2014/main" id="{73AA72A7-BD4A-48EB-9AFA-8268967C21AD}"/>
+                </a:ext>
+              </a:extLst>
+            </p:cNvPr>
+            <p:cNvSpPr/>
+            <p:nvPr/>
+          </p:nvSpPr>
+          <p:spPr>
+            <a:xfrm>
+              <a:off x="-70281" y="5381761"/>
+              <a:ext cx="17881600" cy="1669143"/>
+            </a:xfrm>
+            <a:prstGeom prst="rect">
+              <a:avLst/>
+            </a:prstGeom>
+            <a:solidFill>
+              <a:schemeClr val="bg1">
+                <a:alpha val="25000"/>
+              </a:schemeClr>
+            </a:solidFill>
+            <a:ln>
+              <a:noFill/>
+            </a:ln>
+          </p:spPr>
+          <p:style>
+            <a:lnRef idx="2">
+              <a:schemeClr val="accent1">
+                <a:shade val="50000"/>
+              </a:schemeClr>
+            </a:lnRef>
+            <a:fillRef idx="1">
+              <a:schemeClr val="accent1"/>
+            </a:fillRef>
+            <a:effectRef idx="0">
+              <a:schemeClr val="accent1"/>
+            </a:effectRef>
+            <a:fontRef idx="minor">
+              <a:schemeClr val="lt1"/>
+            </a:fontRef>
+          </p:style>
+          <p:txBody>
+            <a:bodyPr rot="0" spcFirstLastPara="0" vertOverflow="overflow" horzOverflow="overflow" vert="horz" wrap="square" lIns="91440" tIns="45720" rIns="91440" bIns="45720" numCol="1" spcCol="0" rtlCol="0" fromWordArt="0" anchor="ctr" anchorCtr="0" forceAA="0" compatLnSpc="1">
+              <a:prstTxWarp prst="textNoShape">
+                <a:avLst/>
+              </a:prstTxWarp>
+              <a:noAutofit/>
+            </a:bodyPr>
+            <a:lstStyle/>
+            <a:p>
+              <a:pPr algn="ctr"/>
+              <a:endParaRPr lang="en-US"/>
+            </a:p>
+          </p:txBody>
+        </p:sp>
+        <p:sp>
+          <p:nvSpPr>
+            <p:cNvPr id="6" name="Isosceles Triangle 5">
+              <a:extLst>
+                <a:ext uri="{FF2B5EF4-FFF2-40B4-BE49-F238E27FC236}">
+                  <a16:creationId xmlns:a16="http://schemas.microsoft.com/office/drawing/2014/main" id="{5679006F-CD38-478B-870E-A6D69BEB1203}"/>
+                </a:ext>
+              </a:extLst>
+            </p:cNvPr>
+            <p:cNvSpPr/>
+            <p:nvPr/>
+          </p:nvSpPr>
+          <p:spPr>
+            <a:xfrm rot="16200000">
+              <a:off x="11678925" y="3908562"/>
+              <a:ext cx="6110514" cy="6284686"/>
+            </a:xfrm>
+            <a:prstGeom prst="triangle">
+              <a:avLst>
+                <a:gd name="adj" fmla="val 0"/>
+              </a:avLst>
+            </a:prstGeom>
+            <a:solidFill>
+              <a:schemeClr val="bg1">
+                <a:lumMod val="50000"/>
+                <a:alpha val="25000"/>
+              </a:schemeClr>
+            </a:solidFill>
+            <a:ln>
+              <a:noFill/>
+            </a:ln>
+          </p:spPr>
+          <p:style>
+            <a:lnRef idx="2">
+              <a:schemeClr val="accent1">
+                <a:shade val="50000"/>
+              </a:schemeClr>
+            </a:lnRef>
+            <a:fillRef idx="1">
+              <a:schemeClr val="accent1"/>
+            </a:fillRef>
+            <a:effectRef idx="0">
+              <a:schemeClr val="accent1"/>
+            </a:effectRef>
+            <a:fontRef idx="minor">
+              <a:schemeClr val="lt1"/>
+            </a:fontRef>
+          </p:style>
+          <p:txBody>
+            <a:bodyPr rot="0" spcFirstLastPara="0" vertOverflow="overflow" horzOverflow="overflow" vert="horz" wrap="square" lIns="91440" tIns="45720" rIns="91440" bIns="45720" numCol="1" spcCol="0" rtlCol="0" fromWordArt="0" anchor="ctr" anchorCtr="0" forceAA="0" compatLnSpc="1">
+              <a:prstTxWarp prst="textNoShape">
+                <a:avLst/>
+              </a:prstTxWarp>
+              <a:noAutofit/>
+            </a:bodyPr>
+            <a:lstStyle/>
+            <a:p>
+              <a:pPr algn="ctr"/>
+              <a:endParaRPr lang="en-US"/>
+            </a:p>
+          </p:txBody>
+        </p:sp>
+        <p:sp>
+          <p:nvSpPr>
+            <p:cNvPr id="8" name="Isosceles Triangle 7">
+              <a:extLst>
+                <a:ext uri="{FF2B5EF4-FFF2-40B4-BE49-F238E27FC236}">
+                  <a16:creationId xmlns:a16="http://schemas.microsoft.com/office/drawing/2014/main" id="{64A875DD-352C-4AA0-BDB3-8233320F3FF0}"/>
+                </a:ext>
+              </a:extLst>
+            </p:cNvPr>
+            <p:cNvSpPr/>
+            <p:nvPr/>
+          </p:nvSpPr>
+          <p:spPr>
+            <a:xfrm rot="5400000">
+              <a:off x="87086" y="-87086"/>
+              <a:ext cx="6110514" cy="6284686"/>
+            </a:xfrm>
+            <a:prstGeom prst="triangle">
+              <a:avLst>
+                <a:gd name="adj" fmla="val 0"/>
+              </a:avLst>
+            </a:prstGeom>
+            <a:solidFill>
+              <a:schemeClr val="bg1">
+                <a:lumMod val="50000"/>
+                <a:alpha val="25000"/>
+              </a:schemeClr>
+            </a:solidFill>
+            <a:ln>
+              <a:noFill/>
+            </a:ln>
+          </p:spPr>
+          <p:style>
+            <a:lnRef idx="2">
+              <a:schemeClr val="accent1">
+                <a:shade val="50000"/>
+              </a:schemeClr>
+            </a:lnRef>
+            <a:fillRef idx="1">
+              <a:schemeClr val="accent1"/>
+            </a:fillRef>
+            <a:effectRef idx="0">
+              <a:schemeClr val="accent1"/>
+            </a:effectRef>
+            <a:fontRef idx="minor">
+              <a:schemeClr val="lt1"/>
+            </a:fontRef>
+          </p:style>
+          <p:txBody>
+            <a:bodyPr rot="0" spcFirstLastPara="0" vertOverflow="overflow" horzOverflow="overflow" vert="horz" wrap="square" lIns="91440" tIns="45720" rIns="91440" bIns="45720" numCol="1" spcCol="0" rtlCol="0" fromWordArt="0" anchor="ctr" anchorCtr="0" forceAA="0" compatLnSpc="1">
+              <a:prstTxWarp prst="textNoShape">
+                <a:avLst/>
+              </a:prstTxWarp>
+              <a:noAutofit/>
+            </a:bodyPr>
+            <a:lstStyle/>
+            <a:p>
+              <a:pPr algn="ctr"/>
+              <a:endParaRPr lang="en-US"/>
+            </a:p>
+          </p:txBody>
+        </p:sp>
+      </p:grpSp>
+      <p:sp>
+        <p:nvSpPr>
+          <p:cNvPr id="7" name="Rectangle 6"/>
+          <p:cNvSpPr/>
+          <p:nvPr/>
+        </p:nvSpPr>
+        <p:spPr>
+          <a:xfrm>
+            <a:off x="2187958" y="2507208"/>
+            <a:ext cx="13930048" cy="5411225"/>
+          </a:xfrm>
+          <a:prstGeom prst="rect">
+            <a:avLst/>
+          </a:prstGeom>
+          <a:noFill/>
+        </p:spPr>
+        <p:txBody>
+          <a:bodyPr wrap="square" lIns="91440" tIns="45720" rIns="91440" bIns="45720">
+            <a:spAutoFit/>
+          </a:bodyPr>
+          <a:lstStyle/>
+          <a:p>
+            <a:pPr>
+              <a:lnSpc>
+                <a:spcPct val="150000"/>
+              </a:lnSpc>
+            </a:pPr>
+            <a:r>
+              <a:rPr lang="en-US" sz="7200" dirty="0">
+                <a:ln w="0"/>
+                <a:solidFill>
+                  <a:schemeClr val="bg1"/>
+                </a:solidFill>
+                <a:effectLst/>
+                <a:latin typeface="Century Gothic" panose="020B0502020202020204" pitchFamily="34" charset="0"/>
+              </a:rPr>
+              <a:t>SHIPPING LABELS</a:t>
+            </a:r>
+          </a:p>
+          <a:p>
+            <a:pPr>
+              <a:lnSpc>
+                <a:spcPct val="150000"/>
+              </a:lnSpc>
+            </a:pPr>
+            <a:r>
+              <a:rPr lang="en-US" sz="5400" dirty="0">
+                <a:ln w="0"/>
+                <a:solidFill>
+                  <a:srgbClr val="B2B2B2"/>
+                </a:solidFill>
+                <a:effectLst/>
+                <a:latin typeface="Century Gothic" panose="020B0502020202020204" pitchFamily="34" charset="0"/>
+              </a:rPr>
+              <a:t>WHEN </a:t>
+            </a:r>
+            <a:r>
+              <a:rPr lang="en-US" sz="5400" dirty="0">
+                <a:ln w="0"/>
+                <a:solidFill>
+                  <a:srgbClr val="92D050"/>
+                </a:solidFill>
+                <a:effectLst/>
+                <a:latin typeface="Century Gothic" panose="020B0502020202020204" pitchFamily="34" charset="0"/>
+              </a:rPr>
+              <a:t>PRINTING LABELS</a:t>
+            </a:r>
+            <a:r>
+              <a:rPr lang="en-US" sz="5400" dirty="0">
+                <a:ln w="0"/>
+                <a:solidFill>
+                  <a:prstClr val="white"/>
+                </a:solidFill>
+                <a:effectLst/>
+                <a:latin typeface="Century Gothic" panose="020B0502020202020204" pitchFamily="34" charset="0"/>
+              </a:rPr>
+              <a:t> </a:t>
+            </a:r>
+          </a:p>
+          <a:p>
+            <a:pPr>
+              <a:lnSpc>
+                <a:spcPct val="150000"/>
+              </a:lnSpc>
+            </a:pPr>
+            <a:r>
+              <a:rPr lang="en-US" sz="6600" b="1" dirty="0">
+                <a:ln w="0"/>
+                <a:solidFill>
+                  <a:prstClr val="white"/>
+                </a:solidFill>
+                <a:effectLst>
+                  <a:outerShdw blurRad="50800" dist="38100" dir="5400000" algn="t" rotWithShape="0">
+                    <a:prstClr val="black">
+                      <a:alpha val="40000"/>
+                    </a:prstClr>
+                  </a:outerShdw>
+                </a:effectLst>
+                <a:latin typeface="Century Gothic" panose="020B0502020202020204" pitchFamily="34" charset="0"/>
+              </a:rPr>
+              <a:t>ALWAYS</a:t>
+            </a:r>
+            <a:r>
+              <a:rPr lang="en-US" sz="6600" dirty="0">
+                <a:ln w="0"/>
+                <a:solidFill>
+                  <a:prstClr val="white"/>
+                </a:solidFill>
+                <a:effectLst/>
+                <a:latin typeface="Century Gothic" panose="020B0502020202020204" pitchFamily="34" charset="0"/>
+              </a:rPr>
+              <a:t> </a:t>
+            </a:r>
+            <a:r>
+              <a:rPr lang="en-US" sz="5400" dirty="0">
+                <a:ln w="0"/>
+                <a:solidFill>
+                  <a:schemeClr val="accent4">
+                    <a:lumMod val="60000"/>
+                    <a:lumOff val="40000"/>
+                  </a:schemeClr>
+                </a:solidFill>
+                <a:effectLst/>
+                <a:latin typeface="Century Gothic" panose="020B0502020202020204" pitchFamily="34" charset="0"/>
+              </a:rPr>
+              <a:t>USE A BLANK TEMPLATE</a:t>
+            </a:r>
+            <a:r>
+              <a:rPr lang="en-US" sz="5400" dirty="0">
+                <a:ln w="0"/>
+                <a:solidFill>
+                  <a:prstClr val="white"/>
+                </a:solidFill>
+                <a:effectLst/>
+                <a:latin typeface="Century Gothic" panose="020B0502020202020204" pitchFamily="34" charset="0"/>
+              </a:rPr>
+              <a:t> </a:t>
+            </a:r>
+          </a:p>
+          <a:p>
+            <a:pPr>
+              <a:lnSpc>
+                <a:spcPct val="150000"/>
+              </a:lnSpc>
+            </a:pPr>
+            <a:r>
+              <a:rPr lang="en-US" sz="4400" dirty="0">
+                <a:ln w="0"/>
+                <a:solidFill>
+                  <a:srgbClr val="B2B2B2"/>
+                </a:solidFill>
+                <a:effectLst/>
+                <a:latin typeface="Century Gothic" panose="020B0502020202020204" pitchFamily="34" charset="0"/>
+              </a:rPr>
+              <a:t>AND COMPARE INFORMATION ON </a:t>
+            </a:r>
+            <a:r>
+              <a:rPr lang="en-US" sz="4400" dirty="0">
+                <a:ln w="0"/>
+                <a:solidFill>
+                  <a:schemeClr val="accent4">
+                    <a:lumMod val="60000"/>
+                    <a:lumOff val="40000"/>
+                  </a:schemeClr>
+                </a:solidFill>
+                <a:effectLst/>
+                <a:latin typeface="Century Gothic" panose="020B0502020202020204" pitchFamily="34" charset="0"/>
+              </a:rPr>
+              <a:t>SALES ORDER</a:t>
+            </a:r>
+            <a:endParaRPr lang="en-US" sz="3600" dirty="0">
+              <a:ln w="0"/>
+              <a:solidFill>
+                <a:schemeClr val="accent4">
+                  <a:lumMod val="60000"/>
+                  <a:lumOff val="40000"/>
+                </a:schemeClr>
+              </a:solidFill>
+              <a:effectLst/>
+              <a:latin typeface="Century Gothic" panose="020B0502020202020204" pitchFamily="34" charset="0"/>
+            </a:endParaRPr>
+          </a:p>
+        </p:txBody>
+      </p:sp>
+      <p:pic>
+        <p:nvPicPr>
+          <p:cNvPr id="13" name="Picture 6" descr="Image result for document png icon"/>
+          <p:cNvPicPr>
+            <a:picLocks noChangeAspect="1" noChangeArrowheads="1"/>
+          </p:cNvPicPr>
+          <p:nvPr/>
+        </p:nvPicPr>
+        <p:blipFill>
+          <a:blip r:embed="rId2" cstate="print">
+            <a:lum bright="70000" contrast="-70000"/>
+            <a:extLst>
+              <a:ext uri="{28A0092B-C50C-407E-A947-70E740481C1C}">
+                <a14:useLocalDpi xmlns:a14="http://schemas.microsoft.com/office/drawing/2010/main" val="0"/>
+              </a:ext>
+            </a:extLst>
+          </a:blip>
+          <a:srcRect/>
+          <a:stretch>
+            <a:fillRect/>
+          </a:stretch>
+        </p:blipFill>
+        <p:spPr bwMode="auto">
+          <a:xfrm>
+            <a:off x="13280788" y="2711924"/>
+            <a:ext cx="3695700" cy="3695700"/>
+          </a:xfrm>
+          <a:prstGeom prst="rect">
+            <a:avLst/>
+          </a:prstGeom>
+          <a:noFill/>
+          <a:extLst>
+            <a:ext uri="{909E8E84-426E-40DD-AFC4-6F175D3DCCD1}">
+              <a14:hiddenFill xmlns:a14="http://schemas.microsoft.com/office/drawing/2010/main">
+                <a:solidFill>
+                  <a:srgbClr val="FFFFFF"/>
+                </a:solidFill>
+              </a14:hiddenFill>
+            </a:ext>
+          </a:extLst>
+        </p:spPr>
+      </p:pic>
+    </p:spTree>
+    <p:extLst>
+      <p:ext uri="{BB962C8B-B14F-4D97-AF65-F5344CB8AC3E}">
+        <p14:creationId xmlns:p14="http://schemas.microsoft.com/office/powerpoint/2010/main" val="305917938"/>
+      </p:ext>
+    </p:extLst>
+  </p:cSld>
+  <p:clrMapOvr>
+    <a:masterClrMapping/>
+  </p:clrMapOvr>
+  <mc:AlternateContent xmlns:mc="http://schemas.openxmlformats.org/markup-compatibility/2006" xmlns:p14="http://schemas.microsoft.com/office/powerpoint/2010/main">
+    <mc:Choice Requires="p14">
+      <p:transition spd="slow" p14:dur="1250" advTm="6000">
+        <p14:flip dir="r"/>
+      </p:transition>
+    </mc:Choice>
+    <mc:Fallback xmlns="">
+      <p:transition spd="slow" advTm="6000">
+        <p:fade/>
+      </p:transition>
+    </mc:Fallback>
+  </mc:AlternateContent>
+  <p:timing>
+    <p:tnLst>
+      <p:par>
+        <p:cTn id="1" dur="indefinite" restart="never" nodeType="tmRoot">
+          <p:childTnLst>
+            <p:seq concurrent="1" nextAc="seek">
+              <p:cTn id="2" dur="indefinite" nodeType="mainSeq">
+                <p:childTnLst>
+                  <p:par>
+                    <p:cTn id="3" fill="hold">
+                      <p:stCondLst>
+                        <p:cond delay="indefinite"/>
+                        <p:cond evt="onBegin" delay="0">
+                          <p:tn val="2"/>
+                        </p:cond>
+                      </p:stCondLst>
+                      <p:childTnLst>
+                        <p:par>
+                          <p:cTn id="4" fill="hold">
+                            <p:stCondLst>
+                              <p:cond delay="0"/>
+                            </p:stCondLst>
+                            <p:childTnLst>
+                              <p:par>
+                                <p:cTn id="5" presetID="10" presetClass="entr" presetSubtype="0" fill="hold" grpId="0" nodeType="withEffect">
+                                  <p:stCondLst>
+                                    <p:cond delay="0"/>
+                                  </p:stCondLst>
+                                  <p:childTnLst>
+                                    <p:set>
+                                      <p:cBhvr>
+                                        <p:cTn id="6" dur="1" fill="hold">
+                                          <p:stCondLst>
+                                            <p:cond delay="0"/>
+                                          </p:stCondLst>
+                                        </p:cTn>
+                                        <p:tgtEl>
+                                          <p:spTgt spid="7"/>
+                                        </p:tgtEl>
+                                        <p:attrNameLst>
+                                          <p:attrName>style.visibility</p:attrName>
+                                        </p:attrNameLst>
+                                      </p:cBhvr>
+                                      <p:to>
+                                        <p:strVal val="visible"/>
+                                      </p:to>
+                                    </p:set>
+                                    <p:animEffect transition="in" filter="fade">
+                                      <p:cBhvr>
+                                        <p:cTn id="7" dur="500"/>
+                                        <p:tgtEl>
+                                          <p:spTgt spid="7"/>
+                                        </p:tgtEl>
+                                      </p:cBhvr>
+                                    </p:animEffect>
+                                  </p:childTnLst>
+                                </p:cTn>
+                              </p:par>
+                            </p:childTnLst>
+                          </p:cTn>
+                        </p:par>
+                        <p:par>
+                          <p:cTn id="8" fill="hold">
+                            <p:stCondLst>
+                              <p:cond delay="500"/>
+                            </p:stCondLst>
+                            <p:childTnLst>
+                              <p:par>
+                                <p:cTn id="9" presetID="26" presetClass="emph" presetSubtype="0" repeatCount="3000" fill="hold" grpId="1" nodeType="afterEffect">
+                                  <p:stCondLst>
+                                    <p:cond delay="0"/>
+                                  </p:stCondLst>
+                                  <p:childTnLst>
+                                    <p:animEffect transition="out" filter="fade">
+                                      <p:cBhvr>
+                                        <p:cTn id="10" dur="500" tmFilter="0, 0; .2, .5; .8, .5; 1, 0"/>
+                                        <p:tgtEl>
+                                          <p:spTgt spid="7"/>
+                                        </p:tgtEl>
+                                      </p:cBhvr>
+                                    </p:animEffect>
+                                    <p:animScale>
+                                      <p:cBhvr>
+                                        <p:cTn id="11" dur="250" autoRev="1" fill="hold"/>
+                                        <p:tgtEl>
+                                          <p:spTgt spid="7"/>
+                                        </p:tgtEl>
+                                      </p:cBhvr>
+                                      <p:by x="105000" y="105000"/>
+                                    </p:animScale>
+                                  </p:childTnLst>
+                                </p:cTn>
+                              </p:par>
+                            </p:childTnLst>
+                          </p:cTn>
+                        </p:par>
+                      </p:childTnLst>
+                    </p:cTn>
+                  </p:par>
+                </p:childTnLst>
+              </p:cTn>
+              <p:prevCondLst>
+                <p:cond evt="onPrev" delay="0">
+                  <p:tgtEl>
+                    <p:sldTgt/>
+                  </p:tgtEl>
+                </p:cond>
+              </p:prevCondLst>
+              <p:nextCondLst>
+                <p:cond evt="onNext" delay="0">
+                  <p:tgtEl>
+                    <p:sldTgt/>
+                  </p:tgtEl>
+                </p:cond>
+              </p:nextCondLst>
+            </p:seq>
+          </p:childTnLst>
+        </p:cTn>
+      </p:par>
+    </p:tnLst>
+    <p:bldLst>
+      <p:bldP spid="7" grpId="0"/>
+      <p:bldP spid="7" grpId="1"/>
+    </p:bldLst>
+  </p:timing>
+</p:sld>
+</file>
+
+<file path=ppt/slides/slide5.xml><?xml version="1.0" encoding="utf-8"?>
+<p:sld xmlns:a="http://schemas.openxmlformats.org/drawingml/2006/main" xmlns:r="http://schemas.openxmlformats.org/officeDocument/2006/relationships" xmlns:p="http://schemas.openxmlformats.org/presentationml/2006/main">
+  <p:cSld>
+    <p:bg>
+      <p:bgPr>
+        <a:solidFill>
+          <a:schemeClr val="tx1">
+            <a:lumMod val="75000"/>
+            <a:lumOff val="25000"/>
+          </a:schemeClr>
+        </a:solidFill>
+        <a:effectLst/>
+      </p:bgPr>
+    </p:bg>
+    <p:spTree>
+      <p:nvGrpSpPr>
+        <p:cNvPr id="1" name=""/>
+        <p:cNvGrpSpPr/>
+        <p:nvPr/>
+      </p:nvGrpSpPr>
+      <p:grpSpPr>
+        <a:xfrm>
+          <a:off x="0" y="0"/>
+          <a:ext cx="0" cy="0"/>
+          <a:chOff x="0" y="0"/>
+          <a:chExt cx="0" cy="0"/>
+        </a:xfrm>
+      </p:grpSpPr>
+      <p:grpSp>
+        <p:nvGrpSpPr>
+          <p:cNvPr id="9" name="Group 8">
+            <a:extLst>
+              <a:ext uri="{FF2B5EF4-FFF2-40B4-BE49-F238E27FC236}">
+                <a16:creationId xmlns:a16="http://schemas.microsoft.com/office/drawing/2014/main" id="{8127244F-DBBC-41D5-8AB2-44A9A0E95BB3}"/>
+              </a:ext>
+            </a:extLst>
+          </p:cNvPr>
+          <p:cNvGrpSpPr/>
+          <p:nvPr/>
+        </p:nvGrpSpPr>
+        <p:grpSpPr>
+          <a:xfrm>
+            <a:off x="0" y="0"/>
+            <a:ext cx="17881600" cy="10106162"/>
+            <a:chOff x="0" y="0"/>
+            <a:chExt cx="17881600" cy="10106162"/>
+          </a:xfrm>
+        </p:grpSpPr>
+        <p:sp>
+          <p:nvSpPr>
+            <p:cNvPr id="10" name="Rectangle 9">
+              <a:extLst>
+                <a:ext uri="{FF2B5EF4-FFF2-40B4-BE49-F238E27FC236}">
+                  <a16:creationId xmlns:a16="http://schemas.microsoft.com/office/drawing/2014/main" id="{9FBA2FBF-5664-44C1-8EB0-72E03B9A17C7}"/>
+                </a:ext>
+              </a:extLst>
+            </p:cNvPr>
+            <p:cNvSpPr/>
+            <p:nvPr/>
+          </p:nvSpPr>
+          <p:spPr>
+            <a:xfrm>
+              <a:off x="0" y="2330267"/>
+              <a:ext cx="17881600" cy="4524314"/>
+            </a:xfrm>
+            <a:prstGeom prst="rect">
+              <a:avLst/>
+            </a:prstGeom>
+            <a:solidFill>
+              <a:schemeClr val="bg1">
+                <a:alpha val="25000"/>
+              </a:schemeClr>
+            </a:solidFill>
+            <a:ln>
+              <a:noFill/>
+            </a:ln>
+          </p:spPr>
+          <p:style>
+            <a:lnRef idx="2">
+              <a:schemeClr val="accent1">
+                <a:shade val="50000"/>
+              </a:schemeClr>
+            </a:lnRef>
+            <a:fillRef idx="1">
+              <a:schemeClr val="accent1"/>
+            </a:fillRef>
+            <a:effectRef idx="0">
+              <a:schemeClr val="accent1"/>
+            </a:effectRef>
+            <a:fontRef idx="minor">
+              <a:schemeClr val="lt1"/>
+            </a:fontRef>
+          </p:style>
+          <p:txBody>
+            <a:bodyPr rot="0" spcFirstLastPara="0" vertOverflow="overflow" horzOverflow="overflow" vert="horz" wrap="square" lIns="91440" tIns="45720" rIns="91440" bIns="45720" numCol="1" spcCol="0" rtlCol="0" fromWordArt="0" anchor="ctr" anchorCtr="0" forceAA="0" compatLnSpc="1">
+              <a:prstTxWarp prst="textNoShape">
+                <a:avLst/>
+              </a:prstTxWarp>
+              <a:noAutofit/>
+            </a:bodyPr>
+            <a:lstStyle/>
+            <a:p>
+              <a:pPr algn="ctr"/>
+              <a:endParaRPr lang="en-US"/>
+            </a:p>
+          </p:txBody>
+        </p:sp>
+        <p:sp>
+          <p:nvSpPr>
+            <p:cNvPr id="11" name="Isosceles Triangle 10">
+              <a:extLst>
+                <a:ext uri="{FF2B5EF4-FFF2-40B4-BE49-F238E27FC236}">
+                  <a16:creationId xmlns:a16="http://schemas.microsoft.com/office/drawing/2014/main" id="{3B11E883-6124-4604-B1C4-8843CD884991}"/>
+                </a:ext>
+              </a:extLst>
+            </p:cNvPr>
+            <p:cNvSpPr/>
+            <p:nvPr/>
+          </p:nvSpPr>
+          <p:spPr>
+            <a:xfrm rot="16200000">
+              <a:off x="11678925" y="3908562"/>
+              <a:ext cx="6110514" cy="6284686"/>
+            </a:xfrm>
+            <a:prstGeom prst="triangle">
+              <a:avLst>
+                <a:gd name="adj" fmla="val 0"/>
+              </a:avLst>
+            </a:prstGeom>
+            <a:solidFill>
+              <a:schemeClr val="bg1">
+                <a:lumMod val="50000"/>
+                <a:alpha val="25000"/>
+              </a:schemeClr>
+            </a:solidFill>
+            <a:ln>
+              <a:noFill/>
+            </a:ln>
+          </p:spPr>
+          <p:style>
+            <a:lnRef idx="2">
+              <a:schemeClr val="accent1">
+                <a:shade val="50000"/>
+              </a:schemeClr>
+            </a:lnRef>
+            <a:fillRef idx="1">
+              <a:schemeClr val="accent1"/>
+            </a:fillRef>
+            <a:effectRef idx="0">
+              <a:schemeClr val="accent1"/>
+            </a:effectRef>
+            <a:fontRef idx="minor">
+              <a:schemeClr val="lt1"/>
+            </a:fontRef>
+          </p:style>
+          <p:txBody>
+            <a:bodyPr rot="0" spcFirstLastPara="0" vertOverflow="overflow" horzOverflow="overflow" vert="horz" wrap="square" lIns="91440" tIns="45720" rIns="91440" bIns="45720" numCol="1" spcCol="0" rtlCol="0" fromWordArt="0" anchor="ctr" anchorCtr="0" forceAA="0" compatLnSpc="1">
+              <a:prstTxWarp prst="textNoShape">
+                <a:avLst/>
+              </a:prstTxWarp>
+              <a:noAutofit/>
+            </a:bodyPr>
+            <a:lstStyle/>
+            <a:p>
+              <a:pPr algn="ctr"/>
+              <a:endParaRPr lang="en-US"/>
+            </a:p>
+          </p:txBody>
+        </p:sp>
+        <p:sp>
+          <p:nvSpPr>
+            <p:cNvPr id="12" name="Isosceles Triangle 11">
+              <a:extLst>
+                <a:ext uri="{FF2B5EF4-FFF2-40B4-BE49-F238E27FC236}">
+                  <a16:creationId xmlns:a16="http://schemas.microsoft.com/office/drawing/2014/main" id="{F65A6F6D-7A5E-403E-9DF2-00B01C7C34F9}"/>
+                </a:ext>
+              </a:extLst>
+            </p:cNvPr>
+            <p:cNvSpPr/>
+            <p:nvPr/>
+          </p:nvSpPr>
+          <p:spPr>
+            <a:xfrm rot="5400000">
+              <a:off x="87086" y="-87086"/>
+              <a:ext cx="6110514" cy="6284686"/>
+            </a:xfrm>
+            <a:prstGeom prst="triangle">
+              <a:avLst>
+                <a:gd name="adj" fmla="val 0"/>
+              </a:avLst>
+            </a:prstGeom>
+            <a:solidFill>
+              <a:schemeClr val="bg1">
+                <a:lumMod val="50000"/>
+                <a:alpha val="25000"/>
+              </a:schemeClr>
+            </a:solidFill>
+            <a:ln>
+              <a:noFill/>
+            </a:ln>
+          </p:spPr>
+          <p:style>
+            <a:lnRef idx="2">
+              <a:schemeClr val="accent1">
+                <a:shade val="50000"/>
+              </a:schemeClr>
+            </a:lnRef>
+            <a:fillRef idx="1">
+              <a:schemeClr val="accent1"/>
+            </a:fillRef>
+            <a:effectRef idx="0">
+              <a:schemeClr val="accent1"/>
+            </a:effectRef>
+            <a:fontRef idx="minor">
+              <a:schemeClr val="lt1"/>
+            </a:fontRef>
+          </p:style>
+          <p:txBody>
+            <a:bodyPr rot="0" spcFirstLastPara="0" vertOverflow="overflow" horzOverflow="overflow" vert="horz" wrap="square" lIns="91440" tIns="45720" rIns="91440" bIns="45720" numCol="1" spcCol="0" rtlCol="0" fromWordArt="0" anchor="ctr" anchorCtr="0" forceAA="0" compatLnSpc="1">
+              <a:prstTxWarp prst="textNoShape">
+                <a:avLst/>
+              </a:prstTxWarp>
+              <a:noAutofit/>
+            </a:bodyPr>
+            <a:lstStyle/>
+            <a:p>
+              <a:pPr algn="ctr"/>
+              <a:endParaRPr lang="en-US"/>
+            </a:p>
+          </p:txBody>
+        </p:sp>
+      </p:grpSp>
+      <p:sp>
+        <p:nvSpPr>
+          <p:cNvPr id="6" name="Rectangle 5"/>
+          <p:cNvSpPr/>
+          <p:nvPr/>
+        </p:nvSpPr>
+        <p:spPr>
+          <a:xfrm>
+            <a:off x="2263738" y="2330266"/>
+            <a:ext cx="9663858" cy="5186035"/>
+          </a:xfrm>
+          <a:prstGeom prst="rect">
+            <a:avLst/>
+          </a:prstGeom>
+          <a:noFill/>
+          <a:effectLst/>
+        </p:spPr>
+        <p:txBody>
+          <a:bodyPr wrap="square" lIns="91440" tIns="45720" rIns="91440" bIns="45720">
+            <a:spAutoFit/>
+          </a:bodyPr>
+          <a:lstStyle/>
+          <a:p>
+            <a:r>
+              <a:rPr lang="en-US" sz="6600" dirty="0">
+                <a:ln w="0"/>
+                <a:solidFill>
+                  <a:schemeClr val="bg1"/>
+                </a:solidFill>
+                <a:latin typeface="Century Gothic" panose="020B0502020202020204" pitchFamily="34" charset="0"/>
+              </a:rPr>
+              <a:t>DO</a:t>
+            </a:r>
+            <a:r>
+              <a:rPr lang="en-US" sz="6600" dirty="0">
+                <a:ln w="0"/>
+                <a:solidFill>
+                  <a:srgbClr val="B2B2B2"/>
+                </a:solidFill>
+                <a:latin typeface="Century Gothic" panose="020B0502020202020204" pitchFamily="34" charset="0"/>
+              </a:rPr>
+              <a:t> </a:t>
+            </a:r>
+            <a:r>
+              <a:rPr lang="en-US" sz="7200" dirty="0">
+                <a:ln w="0"/>
+                <a:solidFill>
+                  <a:schemeClr val="bg1"/>
+                </a:solidFill>
+                <a:effectLst>
+                  <a:outerShdw blurRad="50800" dist="38100" dir="5400000" algn="t" rotWithShape="0">
+                    <a:prstClr val="black">
+                      <a:alpha val="40000"/>
+                    </a:prstClr>
+                  </a:outerShdw>
+                </a:effectLst>
+                <a:latin typeface="Century Gothic" panose="020B0502020202020204" pitchFamily="34" charset="0"/>
+              </a:rPr>
+              <a:t>NOT</a:t>
+            </a:r>
+            <a:r>
+              <a:rPr lang="en-US" sz="7200" dirty="0">
+                <a:ln w="0"/>
+                <a:solidFill>
+                  <a:srgbClr val="B2B2B2"/>
+                </a:solidFill>
+                <a:effectLst>
+                  <a:outerShdw blurRad="50800" dist="38100" dir="5400000" algn="t" rotWithShape="0">
+                    <a:prstClr val="black">
+                      <a:alpha val="40000"/>
+                    </a:prstClr>
+                  </a:outerShdw>
+                </a:effectLst>
+                <a:latin typeface="Century Gothic" panose="020B0502020202020204" pitchFamily="34" charset="0"/>
+              </a:rPr>
+              <a:t> </a:t>
+            </a:r>
+            <a:r>
+              <a:rPr lang="en-US" sz="7200" b="1" dirty="0">
+                <a:ln w="0"/>
+                <a:solidFill>
+                  <a:srgbClr val="FFC000"/>
+                </a:solidFill>
+                <a:effectLst>
+                  <a:outerShdw blurRad="50800" dist="38100" dir="5400000" algn="t" rotWithShape="0">
+                    <a:prstClr val="black">
+                      <a:alpha val="40000"/>
+                    </a:prstClr>
+                  </a:outerShdw>
+                </a:effectLst>
+                <a:latin typeface="Century Gothic" panose="020B0502020202020204" pitchFamily="34" charset="0"/>
+              </a:rPr>
+              <a:t>PACK</a:t>
+            </a:r>
+            <a:r>
+              <a:rPr lang="en-US" sz="6600" dirty="0">
+                <a:ln w="0"/>
+                <a:solidFill>
+                  <a:schemeClr val="bg1"/>
+                </a:solidFill>
+                <a:effectLst>
+                  <a:outerShdw blurRad="50800" dist="38100" dir="5400000" algn="t" rotWithShape="0">
+                    <a:prstClr val="black">
+                      <a:alpha val="40000"/>
+                    </a:prstClr>
+                  </a:outerShdw>
+                </a:effectLst>
+                <a:latin typeface="Century Gothic" panose="020B0502020202020204" pitchFamily="34" charset="0"/>
+              </a:rPr>
+              <a:t> </a:t>
+            </a:r>
+            <a:r>
+              <a:rPr lang="en-US" sz="6600" dirty="0">
+                <a:ln w="0"/>
+                <a:solidFill>
+                  <a:srgbClr val="B2B2B2"/>
+                </a:solidFill>
+                <a:latin typeface="Century Gothic" panose="020B0502020202020204" pitchFamily="34" charset="0"/>
+              </a:rPr>
+              <a:t>ANY </a:t>
+            </a:r>
+          </a:p>
+          <a:p>
+            <a:r>
+              <a:rPr lang="en-US" sz="7200" dirty="0">
+                <a:ln w="0"/>
+                <a:solidFill>
+                  <a:srgbClr val="B2B2B2"/>
+                </a:solidFill>
+                <a:latin typeface="Century Gothic" panose="020B0502020202020204" pitchFamily="34" charset="0"/>
+              </a:rPr>
+              <a:t>PRODUCT</a:t>
+            </a:r>
+            <a:endParaRPr lang="en-US" sz="5400" dirty="0">
+              <a:ln w="0"/>
+              <a:solidFill>
+                <a:srgbClr val="B2B2B2"/>
+              </a:solidFill>
+              <a:latin typeface="Century Gothic" panose="020B0502020202020204" pitchFamily="34" charset="0"/>
+            </a:endParaRPr>
+          </a:p>
+          <a:p>
+            <a:r>
+              <a:rPr lang="en-US" sz="7200" b="1" dirty="0">
+                <a:ln w="0"/>
+                <a:solidFill>
+                  <a:srgbClr val="FFC000"/>
+                </a:solidFill>
+                <a:effectLst>
+                  <a:outerShdw blurRad="50800" dist="38100" dir="5400000" algn="t" rotWithShape="0">
+                    <a:prstClr val="black">
+                      <a:alpha val="40000"/>
+                    </a:prstClr>
+                  </a:outerShdw>
+                </a:effectLst>
+                <a:latin typeface="Century Gothic" panose="020B0502020202020204" pitchFamily="34" charset="0"/>
+              </a:rPr>
+              <a:t>WITHOUT</a:t>
+            </a:r>
+            <a:r>
+              <a:rPr lang="en-US" sz="6600" dirty="0">
+                <a:ln w="0"/>
+                <a:solidFill>
+                  <a:schemeClr val="bg1"/>
+                </a:solidFill>
+                <a:latin typeface="Century Gothic" panose="020B0502020202020204" pitchFamily="34" charset="0"/>
+              </a:rPr>
+              <a:t> A PROPER </a:t>
+            </a:r>
+            <a:r>
+              <a:rPr lang="en-US" sz="11500" b="1" dirty="0">
+                <a:ln w="0"/>
+                <a:solidFill>
+                  <a:srgbClr val="92D050"/>
+                </a:solidFill>
+                <a:effectLst>
+                  <a:outerShdw blurRad="50800" dist="38100" dir="5400000" algn="t" rotWithShape="0">
+                    <a:prstClr val="black">
+                      <a:alpha val="40000"/>
+                    </a:prstClr>
+                  </a:outerShdw>
+                </a:effectLst>
+                <a:latin typeface="Century Gothic" panose="020B0502020202020204" pitchFamily="34" charset="0"/>
+              </a:rPr>
+              <a:t>QC</a:t>
+            </a:r>
+            <a:endParaRPr lang="en-US" sz="7200" b="1" dirty="0">
+              <a:ln w="0"/>
+              <a:solidFill>
+                <a:srgbClr val="92D050"/>
+              </a:solidFill>
+              <a:effectLst>
+                <a:outerShdw blurRad="50800" dist="38100" dir="5400000" algn="t" rotWithShape="0">
+                  <a:prstClr val="black">
+                    <a:alpha val="40000"/>
+                  </a:prstClr>
+                </a:outerShdw>
+              </a:effectLst>
+              <a:latin typeface="Century Gothic" panose="020B0502020202020204" pitchFamily="34" charset="0"/>
+            </a:endParaRPr>
+          </a:p>
+        </p:txBody>
+      </p:sp>
+      <p:pic>
+        <p:nvPicPr>
+          <p:cNvPr id="13314" name="Picture 2" descr="Image result for BOX PNG ICON"/>
+          <p:cNvPicPr>
+            <a:picLocks noChangeAspect="1" noChangeArrowheads="1"/>
+          </p:cNvPicPr>
+          <p:nvPr/>
+        </p:nvPicPr>
+        <p:blipFill>
+          <a:blip r:embed="rId2" cstate="print">
+            <a:duotone>
+              <a:schemeClr val="accent4">
+                <a:shade val="45000"/>
+                <a:satMod val="135000"/>
+              </a:schemeClr>
+              <a:prstClr val="white"/>
+            </a:duotone>
+            <a:extLst>
+              <a:ext uri="{28A0092B-C50C-407E-A947-70E740481C1C}">
+                <a14:useLocalDpi xmlns:a14="http://schemas.microsoft.com/office/drawing/2010/main" val="0"/>
+              </a:ext>
+            </a:extLst>
+          </a:blip>
+          <a:srcRect/>
+          <a:stretch>
+            <a:fillRect/>
+          </a:stretch>
+        </p:blipFill>
+        <p:spPr bwMode="auto">
+          <a:xfrm>
+            <a:off x="12341391" y="4922012"/>
+            <a:ext cx="3698709" cy="3574288"/>
+          </a:xfrm>
+          <a:prstGeom prst="rect">
+            <a:avLst/>
+          </a:prstGeom>
+          <a:noFill/>
+          <a:extLst>
+            <a:ext uri="{909E8E84-426E-40DD-AFC4-6F175D3DCCD1}">
+              <a14:hiddenFill xmlns:a14="http://schemas.microsoft.com/office/drawing/2010/main">
+                <a:solidFill>
+                  <a:srgbClr val="FFFFFF"/>
+                </a:solidFill>
+              </a14:hiddenFill>
+            </a:ext>
+          </a:extLst>
+        </p:spPr>
+      </p:pic>
+      <p:pic>
+        <p:nvPicPr>
+          <p:cNvPr id="13316" name="Picture 4" descr="Image result for LAPTOP PNG ICON"/>
+          <p:cNvPicPr>
+            <a:picLocks noChangeAspect="1" noChangeArrowheads="1"/>
+          </p:cNvPicPr>
+          <p:nvPr/>
+        </p:nvPicPr>
+        <p:blipFill>
+          <a:blip r:embed="rId3" cstate="print">
             <a:duotone>
               <a:schemeClr val="bg2">
                 <a:shade val="45000"/>
@@ -7579,20 +10082,184 @@
         </p:blipFill>
         <p:spPr bwMode="auto">
           <a:xfrm>
-            <a:off x="4244846" y="491214"/>
-            <a:ext cx="9391907" cy="9075971"/>
+            <a:off x="13119254" y="2818271"/>
+            <a:ext cx="1829929" cy="1829929"/>
           </a:xfrm>
           <a:prstGeom prst="rect">
             <a:avLst/>
           </a:prstGeom>
           <a:noFill/>
-          <a:effectLst>
-            <a:innerShdw blurRad="63500" dist="88900" dir="16200000">
-              <a:prstClr val="black">
-                <a:alpha val="50000"/>
-              </a:prstClr>
-            </a:innerShdw>
-          </a:effectLst>
+          <a:extLst>
+            <a:ext uri="{909E8E84-426E-40DD-AFC4-6F175D3DCCD1}">
+              <a14:hiddenFill xmlns:a14="http://schemas.microsoft.com/office/drawing/2010/main">
+                <a:solidFill>
+                  <a:srgbClr val="FFFFFF"/>
+                </a:solidFill>
+              </a14:hiddenFill>
+            </a:ext>
+          </a:extLst>
+        </p:spPr>
+      </p:pic>
+      <p:pic>
+        <p:nvPicPr>
+          <p:cNvPr id="13318" name="Picture 6" descr="Image result for MONITOR PNG ICON"/>
+          <p:cNvPicPr>
+            <a:picLocks noChangeAspect="1" noChangeArrowheads="1"/>
+          </p:cNvPicPr>
+          <p:nvPr/>
+        </p:nvPicPr>
+        <p:blipFill>
+          <a:blip r:embed="rId4" cstate="print">
+            <a:lum bright="70000" contrast="-70000"/>
+            <a:extLst>
+              <a:ext uri="{28A0092B-C50C-407E-A947-70E740481C1C}">
+                <a14:useLocalDpi xmlns:a14="http://schemas.microsoft.com/office/drawing/2010/main" val="0"/>
+              </a:ext>
+            </a:extLst>
+          </a:blip>
+          <a:srcRect/>
+          <a:stretch>
+            <a:fillRect/>
+          </a:stretch>
+        </p:blipFill>
+        <p:spPr bwMode="auto">
+          <a:xfrm>
+            <a:off x="11414331" y="1943100"/>
+            <a:ext cx="1482856" cy="1482856"/>
+          </a:xfrm>
+          <a:prstGeom prst="rect">
+            <a:avLst/>
+          </a:prstGeom>
+          <a:noFill/>
+          <a:extLst>
+            <a:ext uri="{909E8E84-426E-40DD-AFC4-6F175D3DCCD1}">
+              <a14:hiddenFill xmlns:a14="http://schemas.microsoft.com/office/drawing/2010/main">
+                <a:solidFill>
+                  <a:srgbClr val="FFFFFF"/>
+                </a:solidFill>
+              </a14:hiddenFill>
+            </a:ext>
+          </a:extLst>
+        </p:spPr>
+      </p:pic>
+      <p:pic>
+        <p:nvPicPr>
+          <p:cNvPr id="13322" name="Picture 10" descr="Related image"/>
+          <p:cNvPicPr>
+            <a:picLocks noChangeAspect="1" noChangeArrowheads="1"/>
+          </p:cNvPicPr>
+          <p:nvPr/>
+        </p:nvPicPr>
+        <p:blipFill>
+          <a:blip r:embed="rId5">
+            <a:duotone>
+              <a:schemeClr val="bg2">
+                <a:shade val="45000"/>
+                <a:satMod val="135000"/>
+              </a:schemeClr>
+              <a:prstClr val="white"/>
+            </a:duotone>
+            <a:extLst>
+              <a:ext uri="{28A0092B-C50C-407E-A947-70E740481C1C}">
+                <a14:useLocalDpi xmlns:a14="http://schemas.microsoft.com/office/drawing/2010/main" val="0"/>
+              </a:ext>
+            </a:extLst>
+          </a:blip>
+          <a:srcRect/>
+          <a:stretch>
+            <a:fillRect/>
+          </a:stretch>
+        </p:blipFill>
+        <p:spPr bwMode="auto">
+          <a:xfrm>
+            <a:off x="13310983" y="1324596"/>
+            <a:ext cx="1071767" cy="1071767"/>
+          </a:xfrm>
+          <a:prstGeom prst="rect">
+            <a:avLst/>
+          </a:prstGeom>
+          <a:noFill/>
+          <a:extLst>
+            <a:ext uri="{909E8E84-426E-40DD-AFC4-6F175D3DCCD1}">
+              <a14:hiddenFill xmlns:a14="http://schemas.microsoft.com/office/drawing/2010/main">
+                <a:solidFill>
+                  <a:srgbClr val="FFFFFF"/>
+                </a:solidFill>
+              </a14:hiddenFill>
+            </a:ext>
+          </a:extLst>
+        </p:spPr>
+      </p:pic>
+      <p:sp>
+        <p:nvSpPr>
+          <p:cNvPr id="2" name="AutoShape 12" descr="Image result for LOCK CABLE png icon"/>
+          <p:cNvSpPr>
+            <a:spLocks noChangeAspect="1" noChangeArrowheads="1"/>
+          </p:cNvSpPr>
+          <p:nvPr/>
+        </p:nvSpPr>
+        <p:spPr bwMode="auto">
+          <a:xfrm>
+            <a:off x="155575" y="-144463"/>
+            <a:ext cx="304800" cy="304801"/>
+          </a:xfrm>
+          <a:prstGeom prst="rect">
+            <a:avLst/>
+          </a:prstGeom>
+          <a:noFill/>
+          <a:extLst>
+            <a:ext uri="{909E8E84-426E-40DD-AFC4-6F175D3DCCD1}">
+              <a14:hiddenFill xmlns:a14="http://schemas.microsoft.com/office/drawing/2010/main">
+                <a:solidFill>
+                  <a:srgbClr val="FFFFFF"/>
+                </a:solidFill>
+              </a14:hiddenFill>
+            </a:ext>
+          </a:extLst>
+        </p:spPr>
+        <p:txBody>
+          <a:bodyPr vert="horz" wrap="square" lIns="91440" tIns="45720" rIns="91440" bIns="45720" numCol="1" anchor="t" anchorCtr="0" compatLnSpc="1">
+            <a:prstTxWarp prst="textNoShape">
+              <a:avLst/>
+            </a:prstTxWarp>
+          </a:bodyPr>
+          <a:lstStyle/>
+          <a:p>
+            <a:endParaRPr lang="en-US"/>
+          </a:p>
+        </p:txBody>
+      </p:sp>
+      <p:pic>
+        <p:nvPicPr>
+          <p:cNvPr id="13338" name="Picture 26" descr="Image result for LOCK png icon"/>
+          <p:cNvPicPr>
+            <a:picLocks noChangeAspect="1" noChangeArrowheads="1"/>
+          </p:cNvPicPr>
+          <p:nvPr/>
+        </p:nvPicPr>
+        <p:blipFill>
+          <a:blip r:embed="rId6" cstate="print">
+            <a:lum bright="70000" contrast="-70000"/>
+            <a:extLst>
+              <a:ext uri="{28A0092B-C50C-407E-A947-70E740481C1C}">
+                <a14:useLocalDpi xmlns:a14="http://schemas.microsoft.com/office/drawing/2010/main" val="0"/>
+              </a:ext>
+            </a:extLst>
+          </a:blip>
+          <a:srcRect/>
+          <a:stretch>
+            <a:fillRect/>
+          </a:stretch>
+        </p:blipFill>
+        <p:spPr bwMode="auto">
+          <a:xfrm>
+            <a:off x="14917633" y="1769033"/>
+            <a:ext cx="1122467" cy="1122467"/>
+          </a:xfrm>
+          <a:prstGeom prst="rect">
+            <a:avLst/>
+          </a:prstGeom>
+          <a:noFill/>
           <a:extLst>
             <a:ext uri="{909E8E84-426E-40DD-AFC4-6F175D3DCCD1}">
               <a14:hiddenFill xmlns:a14="http://schemas.microsoft.com/office/drawing/2010/main">
@@ -7607,12 +10274,12 @@
     </p:spTree>
     <p:extLst>
       <p:ext uri="{BB962C8B-B14F-4D97-AF65-F5344CB8AC3E}">
-        <p14:creationId xmlns:p14="http://schemas.microsoft.com/office/powerpoint/2010/main" val="1635384311"/>
+        <p14:creationId xmlns:p14="http://schemas.microsoft.com/office/powerpoint/2010/main" val="893894349"/>
       </p:ext>
     </p:extLst>
   </p:cSld>
   <p:clrMapOvr>
-    <a:overrideClrMapping bg1="lt1" tx1="dk1" bg2="lt2" tx2="dk2" accent1="accent1" accent2="accent2" accent3="accent3" accent4="accent4" accent5="accent5" accent6="accent6" hlink="hlink" folHlink="folHlink"/>
+    <a:masterClrMapping/>
   </p:clrMapOvr>
   <mc:AlternateContent xmlns:mc="http://schemas.openxmlformats.org/markup-compatibility/2006" xmlns:p14="http://schemas.microsoft.com/office/powerpoint/2010/main">
     <mc:Choice Requires="p14">
@@ -7629,21 +10296,131 @@
   <p:timing>
     <p:tnLst>
       <p:par>
-        <p:cTn id="1" dur="indefinite" restart="never" nodeType="tmRoot"/>
+        <p:cTn id="1" dur="indefinite" restart="never" nodeType="tmRoot">
+          <p:childTnLst>
+            <p:seq concurrent="1" nextAc="seek">
+              <p:cTn id="2" dur="indefinite" nodeType="mainSeq">
+                <p:childTnLst>
+                  <p:par>
+                    <p:cTn id="3" fill="hold">
+                      <p:stCondLst>
+                        <p:cond delay="indefinite"/>
+                        <p:cond evt="onBegin" delay="0">
+                          <p:tn val="2"/>
+                        </p:cond>
+                      </p:stCondLst>
+                      <p:childTnLst>
+                        <p:par>
+                          <p:cTn id="4" fill="hold">
+                            <p:stCondLst>
+                              <p:cond delay="0"/>
+                            </p:stCondLst>
+                            <p:childTnLst>
+                              <p:par>
+                                <p:cTn id="5" presetID="10" presetClass="entr" presetSubtype="0" fill="hold" grpId="0" nodeType="withEffect">
+                                  <p:stCondLst>
+                                    <p:cond delay="0"/>
+                                  </p:stCondLst>
+                                  <p:childTnLst>
+                                    <p:set>
+                                      <p:cBhvr>
+                                        <p:cTn id="6" dur="1" fill="hold">
+                                          <p:stCondLst>
+                                            <p:cond delay="0"/>
+                                          </p:stCondLst>
+                                        </p:cTn>
+                                        <p:tgtEl>
+                                          <p:spTgt spid="6"/>
+                                        </p:tgtEl>
+                                        <p:attrNameLst>
+                                          <p:attrName>style.visibility</p:attrName>
+                                        </p:attrNameLst>
+                                      </p:cBhvr>
+                                      <p:to>
+                                        <p:strVal val="visible"/>
+                                      </p:to>
+                                    </p:set>
+                                    <p:animEffect transition="in" filter="fade">
+                                      <p:cBhvr>
+                                        <p:cTn id="7" dur="500"/>
+                                        <p:tgtEl>
+                                          <p:spTgt spid="6"/>
+                                        </p:tgtEl>
+                                      </p:cBhvr>
+                                    </p:animEffect>
+                                  </p:childTnLst>
+                                </p:cTn>
+                              </p:par>
+                              <p:par>
+                                <p:cTn id="8" presetID="26" presetClass="emph" presetSubtype="0" repeatCount="3000" fill="hold" grpId="1" nodeType="withEffect">
+                                  <p:stCondLst>
+                                    <p:cond delay="0"/>
+                                  </p:stCondLst>
+                                  <p:childTnLst>
+                                    <p:animEffect transition="out" filter="fade">
+                                      <p:cBhvr>
+                                        <p:cTn id="9" dur="500" tmFilter="0, 0; .2, .5; .8, .5; 1, 0"/>
+                                        <p:tgtEl>
+                                          <p:spTgt spid="6"/>
+                                        </p:tgtEl>
+                                      </p:cBhvr>
+                                    </p:animEffect>
+                                    <p:animScale>
+                                      <p:cBhvr>
+                                        <p:cTn id="10" dur="250" autoRev="1" fill="hold"/>
+                                        <p:tgtEl>
+                                          <p:spTgt spid="6"/>
+                                        </p:tgtEl>
+                                      </p:cBhvr>
+                                      <p:by x="105000" y="105000"/>
+                                    </p:animScale>
+                                  </p:childTnLst>
+                                </p:cTn>
+                              </p:par>
+                            </p:childTnLst>
+                          </p:cTn>
+                        </p:par>
+                      </p:childTnLst>
+                    </p:cTn>
+                  </p:par>
+                </p:childTnLst>
+              </p:cTn>
+              <p:prevCondLst>
+                <p:cond evt="onPrev" delay="0">
+                  <p:tgtEl>
+                    <p:sldTgt/>
+                  </p:tgtEl>
+                </p:cond>
+              </p:prevCondLst>
+              <p:nextCondLst>
+                <p:cond evt="onNext" delay="0">
+                  <p:tgtEl>
+                    <p:sldTgt/>
+                  </p:tgtEl>
+                </p:cond>
+              </p:nextCondLst>
+            </p:seq>
+          </p:childTnLst>
+        </p:cTn>
       </p:par>
     </p:tnLst>
+    <p:bldLst>
+      <p:bldP spid="6" grpId="0"/>
+      <p:bldP spid="6" grpId="1"/>
+    </p:bldLst>
   </p:timing>
 </p:sld>
 </file>
 
-<file path=ppt/slides/slide11.xml><?xml version="1.0" encoding="utf-8"?>
+<file path=ppt/slides/slide6.xml><?xml version="1.0" encoding="utf-8"?>
 <p:sld xmlns:a="http://schemas.openxmlformats.org/drawingml/2006/main" xmlns:r="http://schemas.openxmlformats.org/officeDocument/2006/relationships" xmlns:p="http://schemas.openxmlformats.org/presentationml/2006/main">
   <p:cSld>
     <p:bg>
       <p:bgPr>
         <a:solidFill>
-          <a:schemeClr val="bg1">
-            <a:lumMod val="50000"/>
+          <a:schemeClr val="tx1">
+            <a:lumMod val="75000"/>
+            <a:lumOff val="25000"/>
           </a:schemeClr>
         </a:solidFill>
         <a:effectLst/>
@@ -7663,6 +10440,210 @@
           <a:chExt cx="0" cy="0"/>
         </a:xfrm>
       </p:grpSpPr>
+      <p:grpSp>
+        <p:nvGrpSpPr>
+          <p:cNvPr id="20" name="Group 19">
+            <a:extLst>
+              <a:ext uri="{FF2B5EF4-FFF2-40B4-BE49-F238E27FC236}">
+                <a16:creationId xmlns:a16="http://schemas.microsoft.com/office/drawing/2014/main" id="{789587A7-A663-43C6-87AE-0D11F1F38FD1}"/>
+              </a:ext>
+            </a:extLst>
+          </p:cNvPr>
+          <p:cNvGrpSpPr/>
+          <p:nvPr/>
+        </p:nvGrpSpPr>
+        <p:grpSpPr>
+          <a:xfrm>
+            <a:off x="-286514" y="0"/>
+            <a:ext cx="18168114" cy="10106162"/>
+            <a:chOff x="-286514" y="0"/>
+            <a:chExt cx="18168114" cy="10106162"/>
+          </a:xfrm>
+        </p:grpSpPr>
+        <p:sp>
+          <p:nvSpPr>
+            <p:cNvPr id="21" name="Rectangle 20">
+              <a:extLst>
+                <a:ext uri="{FF2B5EF4-FFF2-40B4-BE49-F238E27FC236}">
+                  <a16:creationId xmlns:a16="http://schemas.microsoft.com/office/drawing/2014/main" id="{440391EA-972E-47C4-BAB3-757144FF063E}"/>
+                </a:ext>
+              </a:extLst>
+            </p:cNvPr>
+            <p:cNvSpPr/>
+            <p:nvPr/>
+          </p:nvSpPr>
+          <p:spPr>
+            <a:xfrm>
+              <a:off x="-286514" y="3241684"/>
+              <a:ext cx="18168114" cy="1936980"/>
+            </a:xfrm>
+            <a:prstGeom prst="rect">
+              <a:avLst/>
+            </a:prstGeom>
+            <a:solidFill>
+              <a:schemeClr val="bg1">
+                <a:alpha val="25000"/>
+              </a:schemeClr>
+            </a:solidFill>
+            <a:ln>
+              <a:noFill/>
+            </a:ln>
+          </p:spPr>
+          <p:style>
+            <a:lnRef idx="2">
+              <a:schemeClr val="accent1">
+                <a:shade val="50000"/>
+              </a:schemeClr>
+            </a:lnRef>
+            <a:fillRef idx="1">
+              <a:schemeClr val="accent1"/>
+            </a:fillRef>
+            <a:effectRef idx="0">
+              <a:schemeClr val="accent1"/>
+            </a:effectRef>
+            <a:fontRef idx="minor">
+              <a:schemeClr val="lt1"/>
+            </a:fontRef>
+          </p:style>
+          <p:txBody>
+            <a:bodyPr rot="0" spcFirstLastPara="0" vertOverflow="overflow" horzOverflow="overflow" vert="horz" wrap="square" lIns="91440" tIns="45720" rIns="91440" bIns="45720" numCol="1" spcCol="0" rtlCol="0" fromWordArt="0" anchor="ctr" anchorCtr="0" forceAA="0" compatLnSpc="1">
+              <a:prstTxWarp prst="textNoShape">
+                <a:avLst/>
+              </a:prstTxWarp>
+              <a:noAutofit/>
+            </a:bodyPr>
+            <a:lstStyle/>
+            <a:p>
+              <a:pPr algn="ctr"/>
+              <a:endParaRPr lang="en-US" dirty="0"/>
+            </a:p>
+          </p:txBody>
+        </p:sp>
+        <p:sp>
+          <p:nvSpPr>
+            <p:cNvPr id="22" name="Isosceles Triangle 21">
+              <a:extLst>
+                <a:ext uri="{FF2B5EF4-FFF2-40B4-BE49-F238E27FC236}">
+                  <a16:creationId xmlns:a16="http://schemas.microsoft.com/office/drawing/2014/main" id="{1A6206BC-867C-43E5-89E3-C3558819F7EE}"/>
+                </a:ext>
+              </a:extLst>
+            </p:cNvPr>
+            <p:cNvSpPr/>
+            <p:nvPr/>
+          </p:nvSpPr>
+          <p:spPr>
+            <a:xfrm rot="16200000">
+              <a:off x="11678925" y="3908562"/>
+              <a:ext cx="6110514" cy="6284686"/>
+            </a:xfrm>
+            <a:prstGeom prst="triangle">
+              <a:avLst>
+                <a:gd name="adj" fmla="val 0"/>
+              </a:avLst>
+            </a:prstGeom>
+            <a:solidFill>
+              <a:schemeClr val="bg1">
+                <a:lumMod val="50000"/>
+                <a:alpha val="25000"/>
+              </a:schemeClr>
+            </a:solidFill>
+            <a:ln>
+              <a:noFill/>
+            </a:ln>
+          </p:spPr>
+          <p:style>
+            <a:lnRef idx="2">
+              <a:schemeClr val="accent1">
+                <a:shade val="50000"/>
+              </a:schemeClr>
+            </a:lnRef>
+            <a:fillRef idx="1">
+              <a:schemeClr val="accent1"/>
+            </a:fillRef>
+            <a:effectRef idx="0">
+              <a:schemeClr val="accent1"/>
+            </a:effectRef>
+            <a:fontRef idx="minor">
+              <a:schemeClr val="lt1"/>
+            </a:fontRef>
+          </p:style>
+          <p:txBody>
+            <a:bodyPr rot="0" spcFirstLastPara="0" vertOverflow="overflow" horzOverflow="overflow" vert="horz" wrap="square" lIns="91440" tIns="45720" rIns="91440" bIns="45720" numCol="1" spcCol="0" rtlCol="0" fromWordArt="0" anchor="ctr" anchorCtr="0" forceAA="0" compatLnSpc="1">
+              <a:prstTxWarp prst="textNoShape">
+                <a:avLst/>
+              </a:prstTxWarp>
+              <a:noAutofit/>
+            </a:bodyPr>
+            <a:lstStyle/>
+            <a:p>
+              <a:pPr algn="ctr"/>
+              <a:endParaRPr lang="en-US"/>
+            </a:p>
+          </p:txBody>
+        </p:sp>
+        <p:sp>
+          <p:nvSpPr>
+            <p:cNvPr id="23" name="Isosceles Triangle 22">
+              <a:extLst>
+                <a:ext uri="{FF2B5EF4-FFF2-40B4-BE49-F238E27FC236}">
+                  <a16:creationId xmlns:a16="http://schemas.microsoft.com/office/drawing/2014/main" id="{B55584B2-469F-467C-B5D3-5A6EA640685F}"/>
+                </a:ext>
+              </a:extLst>
+            </p:cNvPr>
+            <p:cNvSpPr/>
+            <p:nvPr/>
+          </p:nvSpPr>
+          <p:spPr>
+            <a:xfrm rot="5400000">
+              <a:off x="87086" y="-87086"/>
+              <a:ext cx="6110514" cy="6284686"/>
+            </a:xfrm>
+            <a:prstGeom prst="triangle">
+              <a:avLst>
+                <a:gd name="adj" fmla="val 0"/>
+              </a:avLst>
+            </a:prstGeom>
+            <a:solidFill>
+              <a:schemeClr val="bg1">
+                <a:lumMod val="50000"/>
+                <a:alpha val="25000"/>
+              </a:schemeClr>
+            </a:solidFill>
+            <a:ln>
+              <a:noFill/>
+            </a:ln>
+          </p:spPr>
+          <p:style>
+            <a:lnRef idx="2">
+              <a:schemeClr val="accent1">
+                <a:shade val="50000"/>
+              </a:schemeClr>
+            </a:lnRef>
+            <a:fillRef idx="1">
+              <a:schemeClr val="accent1"/>
+            </a:fillRef>
+            <a:effectRef idx="0">
+              <a:schemeClr val="accent1"/>
+            </a:effectRef>
+            <a:fontRef idx="minor">
+              <a:schemeClr val="lt1"/>
+            </a:fontRef>
+          </p:style>
+          <p:txBody>
+            <a:bodyPr rot="0" spcFirstLastPara="0" vertOverflow="overflow" horzOverflow="overflow" vert="horz" wrap="square" lIns="91440" tIns="45720" rIns="91440" bIns="45720" numCol="1" spcCol="0" rtlCol="0" fromWordArt="0" anchor="ctr" anchorCtr="0" forceAA="0" compatLnSpc="1">
+              <a:prstTxWarp prst="textNoShape">
+                <a:avLst/>
+              </a:prstTxWarp>
+              <a:noAutofit/>
+            </a:bodyPr>
+            <a:lstStyle/>
+            <a:p>
+              <a:pPr algn="ctr"/>
+              <a:endParaRPr lang="en-US"/>
+            </a:p>
+          </p:txBody>
+        </p:sp>
+      </p:grpSp>
       <p:sp>
         <p:nvSpPr>
           <p:cNvPr id="5" name="TextBox 4"/>
@@ -7671,8 +10652,8 @@
         </p:nvSpPr>
         <p:spPr>
           <a:xfrm>
-            <a:off x="3448051" y="1048744"/>
-            <a:ext cx="14681200" cy="1323439"/>
+            <a:off x="2947106" y="1466566"/>
+            <a:ext cx="11414361" cy="1323439"/>
           </a:xfrm>
           <a:prstGeom prst="rect">
             <a:avLst/>
@@ -7738,7 +10719,7 @@
         </p:nvSpPr>
         <p:spPr>
           <a:xfrm>
-            <a:off x="9133278" y="2223897"/>
+            <a:off x="12042047" y="3543689"/>
             <a:ext cx="6414719" cy="1200329"/>
           </a:xfrm>
           <a:prstGeom prst="rect">
@@ -7780,7 +10761,7 @@
         </p:nvGrpSpPr>
         <p:grpSpPr>
           <a:xfrm>
-            <a:off x="3695365" y="2679399"/>
+            <a:off x="3053921" y="3378299"/>
             <a:ext cx="7337990" cy="5347652"/>
             <a:chOff x="3695365" y="2679399"/>
             <a:chExt cx="7337990" cy="5347652"/>
@@ -8148,7 +11129,7 @@
         </p:blipFill>
         <p:spPr bwMode="auto">
           <a:xfrm>
-            <a:off x="12517502" y="3424226"/>
+            <a:off x="12268045" y="4505417"/>
             <a:ext cx="1838180" cy="1838181"/>
           </a:xfrm>
           <a:prstGeom prst="rect">
@@ -8190,7 +11171,7 @@
         </p:blipFill>
         <p:spPr bwMode="auto">
           <a:xfrm>
-            <a:off x="10713559" y="5505761"/>
+            <a:off x="10464102" y="6586952"/>
             <a:ext cx="1886342" cy="1886342"/>
           </a:xfrm>
           <a:prstGeom prst="rect">
@@ -8232,7 +11213,7 @@
         </p:blipFill>
         <p:spPr bwMode="auto">
           <a:xfrm>
-            <a:off x="14355682" y="5714086"/>
+            <a:off x="14106225" y="6795277"/>
             <a:ext cx="1976510" cy="1678017"/>
           </a:xfrm>
           <a:prstGeom prst="rect">
@@ -8487,3181 +11468,6 @@
     <p:bldLst>
       <p:bldP spid="5" grpId="0"/>
       <p:bldP spid="6" grpId="0"/>
-    </p:bldLst>
-  </p:timing>
-</p:sld>
-</file>
-
-<file path=ppt/slides/slide12.xml><?xml version="1.0" encoding="utf-8"?>
-<p:sld xmlns:a="http://schemas.openxmlformats.org/drawingml/2006/main" xmlns:r="http://schemas.openxmlformats.org/officeDocument/2006/relationships" xmlns:p="http://schemas.openxmlformats.org/presentationml/2006/main">
-  <p:cSld>
-    <p:bg>
-      <p:bgPr>
-        <a:gradFill flip="none" rotWithShape="1">
-          <a:gsLst>
-            <a:gs pos="0">
-              <a:srgbClr val="B8F34F"/>
-            </a:gs>
-            <a:gs pos="100000">
-              <a:srgbClr val="24BACE"/>
-            </a:gs>
-          </a:gsLst>
-          <a:lin ang="16200000" scaled="1"/>
-          <a:tileRect/>
-        </a:gradFill>
-        <a:effectLst/>
-      </p:bgPr>
-    </p:bg>
-    <p:spTree>
-      <p:nvGrpSpPr>
-        <p:cNvPr id="1" name=""/>
-        <p:cNvGrpSpPr/>
-        <p:nvPr/>
-      </p:nvGrpSpPr>
-      <p:grpSpPr>
-        <a:xfrm>
-          <a:off x="0" y="0"/>
-          <a:ext cx="0" cy="0"/>
-          <a:chOff x="0" y="0"/>
-          <a:chExt cx="0" cy="0"/>
-        </a:xfrm>
-      </p:grpSpPr>
-      <p:pic>
-        <p:nvPicPr>
-          <p:cNvPr id="11266" name="Picture 2" descr="Image result for CONTACT PNG ICON"/>
-          <p:cNvPicPr>
-            <a:picLocks noChangeAspect="1" noChangeArrowheads="1"/>
-          </p:cNvPicPr>
-          <p:nvPr/>
-        </p:nvPicPr>
-        <p:blipFill>
-          <a:blip r:embed="rId3">
-            <a:duotone>
-              <a:schemeClr val="bg2">
-                <a:shade val="45000"/>
-                <a:satMod val="135000"/>
-              </a:schemeClr>
-              <a:prstClr val="white"/>
-            </a:duotone>
-            <a:extLst>
-              <a:ext uri="{28A0092B-C50C-407E-A947-70E740481C1C}">
-                <a14:useLocalDpi xmlns:a14="http://schemas.microsoft.com/office/drawing/2010/main" val="0"/>
-              </a:ext>
-            </a:extLst>
-          </a:blip>
-          <a:srcRect/>
-          <a:stretch>
-            <a:fillRect/>
-          </a:stretch>
-        </p:blipFill>
-        <p:spPr bwMode="auto">
-          <a:xfrm>
-            <a:off x="4198034" y="286434"/>
-            <a:ext cx="9485532" cy="9485532"/>
-          </a:xfrm>
-          <a:prstGeom prst="rect">
-            <a:avLst/>
-          </a:prstGeom>
-          <a:noFill/>
-          <a:effectLst>
-            <a:innerShdw blurRad="63500" dist="88900" dir="16200000">
-              <a:prstClr val="black">
-                <a:alpha val="50000"/>
-              </a:prstClr>
-            </a:innerShdw>
-          </a:effectLst>
-          <a:extLst>
-            <a:ext uri="{909E8E84-426E-40DD-AFC4-6F175D3DCCD1}">
-              <a14:hiddenFill xmlns:a14="http://schemas.microsoft.com/office/drawing/2010/main">
-                <a:solidFill>
-                  <a:srgbClr val="FFFFFF"/>
-                </a:solidFill>
-              </a14:hiddenFill>
-            </a:ext>
-          </a:extLst>
-        </p:spPr>
-      </p:pic>
-    </p:spTree>
-    <p:extLst>
-      <p:ext uri="{BB962C8B-B14F-4D97-AF65-F5344CB8AC3E}">
-        <p14:creationId xmlns:p14="http://schemas.microsoft.com/office/powerpoint/2010/main" val="1395456437"/>
-      </p:ext>
-    </p:extLst>
-  </p:cSld>
-  <p:clrMapOvr>
-    <a:overrideClrMapping bg1="lt1" tx1="dk1" bg2="lt2" tx2="dk2" accent1="accent1" accent2="accent2" accent3="accent3" accent4="accent4" accent5="accent5" accent6="accent6" hlink="hlink" folHlink="folHlink"/>
-  </p:clrMapOvr>
-  <mc:AlternateContent xmlns:mc="http://schemas.openxmlformats.org/markup-compatibility/2006" xmlns:p14="http://schemas.microsoft.com/office/powerpoint/2010/main">
-    <mc:Choice Requires="p14">
-      <p:transition spd="slow" p14:dur="1250" advTm="6000">
-        <p14:flip dir="r"/>
-      </p:transition>
-    </mc:Choice>
-    <mc:Fallback xmlns="">
-      <p:transition spd="slow" advTm="6000">
-        <p:fade/>
-      </p:transition>
-    </mc:Fallback>
-  </mc:AlternateContent>
-  <p:timing>
-    <p:tnLst>
-      <p:par>
-        <p:cTn id="1" dur="indefinite" restart="never" nodeType="tmRoot"/>
-      </p:par>
-    </p:tnLst>
-  </p:timing>
-</p:sld>
-</file>
-
-<file path=ppt/slides/slide13.xml><?xml version="1.0" encoding="utf-8"?>
-<p:sld xmlns:a="http://schemas.openxmlformats.org/drawingml/2006/main" xmlns:r="http://schemas.openxmlformats.org/officeDocument/2006/relationships" xmlns:p="http://schemas.openxmlformats.org/presentationml/2006/main">
-  <p:cSld>
-    <p:spTree>
-      <p:nvGrpSpPr>
-        <p:cNvPr id="1" name=""/>
-        <p:cNvGrpSpPr/>
-        <p:nvPr/>
-      </p:nvGrpSpPr>
-      <p:grpSpPr>
-        <a:xfrm>
-          <a:off x="0" y="0"/>
-          <a:ext cx="0" cy="0"/>
-          <a:chOff x="0" y="0"/>
-          <a:chExt cx="0" cy="0"/>
-        </a:xfrm>
-      </p:grpSpPr>
-      <p:sp>
-        <p:nvSpPr>
-          <p:cNvPr id="2" name="Rectangle 1"/>
-          <p:cNvSpPr/>
-          <p:nvPr/>
-        </p:nvSpPr>
-        <p:spPr>
-          <a:xfrm>
-            <a:off x="3911600" y="0"/>
-            <a:ext cx="10058400" cy="10058400"/>
-          </a:xfrm>
-          <a:prstGeom prst="rect">
-            <a:avLst/>
-          </a:prstGeom>
-          <a:noFill/>
-          <a:ln w="50800"/>
-        </p:spPr>
-        <p:style>
-          <a:lnRef idx="2">
-            <a:schemeClr val="accent1">
-              <a:shade val="50000"/>
-            </a:schemeClr>
-          </a:lnRef>
-          <a:fillRef idx="1">
-            <a:schemeClr val="accent1"/>
-          </a:fillRef>
-          <a:effectRef idx="0">
-            <a:schemeClr val="accent1"/>
-          </a:effectRef>
-          <a:fontRef idx="minor">
-            <a:schemeClr val="lt1"/>
-          </a:fontRef>
-        </p:style>
-        <p:txBody>
-          <a:bodyPr rtlCol="0" anchor="ctr"/>
-          <a:lstStyle/>
-          <a:p>
-            <a:pPr algn="ctr"/>
-            <a:endParaRPr lang="en-US"/>
-          </a:p>
-        </p:txBody>
-      </p:sp>
-    </p:spTree>
-    <p:extLst>
-      <p:ext uri="{BB962C8B-B14F-4D97-AF65-F5344CB8AC3E}">
-        <p14:creationId xmlns:p14="http://schemas.microsoft.com/office/powerpoint/2010/main" val="904891992"/>
-      </p:ext>
-    </p:extLst>
-  </p:cSld>
-  <p:clrMapOvr>
-    <a:masterClrMapping/>
-  </p:clrMapOvr>
-  <mc:AlternateContent xmlns:mc="http://schemas.openxmlformats.org/markup-compatibility/2006" xmlns:p14="http://schemas.microsoft.com/office/powerpoint/2010/main">
-    <mc:Choice Requires="p14">
-      <p:transition spd="slow" p14:dur="1250" advTm="6000">
-        <p14:flip dir="r"/>
-      </p:transition>
-    </mc:Choice>
-    <mc:Fallback xmlns="">
-      <p:transition spd="slow" advTm="6000">
-        <p:fade/>
-      </p:transition>
-    </mc:Fallback>
-  </mc:AlternateContent>
-  <p:timing>
-    <p:tnLst>
-      <p:par>
-        <p:cTn id="1" dur="indefinite" restart="never" nodeType="tmRoot"/>
-      </p:par>
-    </p:tnLst>
-  </p:timing>
-</p:sld>
-</file>
-
-<file path=ppt/slides/slide14.xml><?xml version="1.0" encoding="utf-8"?>
-<p:sld xmlns:a="http://schemas.openxmlformats.org/drawingml/2006/main" xmlns:r="http://schemas.openxmlformats.org/officeDocument/2006/relationships" xmlns:p="http://schemas.openxmlformats.org/presentationml/2006/main">
-  <p:cSld>
-    <p:spTree>
-      <p:nvGrpSpPr>
-        <p:cNvPr id="1" name=""/>
-        <p:cNvGrpSpPr/>
-        <p:nvPr/>
-      </p:nvGrpSpPr>
-      <p:grpSpPr>
-        <a:xfrm>
-          <a:off x="0" y="0"/>
-          <a:ext cx="0" cy="0"/>
-          <a:chOff x="0" y="0"/>
-          <a:chExt cx="0" cy="0"/>
-        </a:xfrm>
-      </p:grpSpPr>
-      <p:sp>
-        <p:nvSpPr>
-          <p:cNvPr id="23" name="Rectangle 22"/>
-          <p:cNvSpPr/>
-          <p:nvPr/>
-        </p:nvSpPr>
-        <p:spPr>
-          <a:xfrm>
-            <a:off x="0" y="8777389"/>
-            <a:ext cx="17881600" cy="1337593"/>
-          </a:xfrm>
-          <a:prstGeom prst="rect">
-            <a:avLst/>
-          </a:prstGeom>
-          <a:solidFill>
-            <a:schemeClr val="tx1"/>
-          </a:solidFill>
-          <a:ln>
-            <a:noFill/>
-          </a:ln>
-        </p:spPr>
-        <p:style>
-          <a:lnRef idx="2">
-            <a:schemeClr val="accent1">
-              <a:shade val="50000"/>
-            </a:schemeClr>
-          </a:lnRef>
-          <a:fillRef idx="1">
-            <a:schemeClr val="accent1"/>
-          </a:fillRef>
-          <a:effectRef idx="0">
-            <a:schemeClr val="accent1"/>
-          </a:effectRef>
-          <a:fontRef idx="minor">
-            <a:schemeClr val="lt1"/>
-          </a:fontRef>
-        </p:style>
-        <p:txBody>
-          <a:bodyPr rot="0" spcFirstLastPara="0" vertOverflow="overflow" horzOverflow="overflow" vert="horz" wrap="square" lIns="91440" tIns="45720" rIns="91440" bIns="45720" numCol="1" spcCol="0" rtlCol="0" fromWordArt="0" anchor="ctr" anchorCtr="0" forceAA="0" compatLnSpc="1">
-            <a:prstTxWarp prst="textNoShape">
-              <a:avLst/>
-            </a:prstTxWarp>
-            <a:noAutofit/>
-          </a:bodyPr>
-          <a:lstStyle/>
-          <a:p>
-            <a:pPr algn="ctr"/>
-            <a:endParaRPr lang="en-US"/>
-          </a:p>
-        </p:txBody>
-      </p:sp>
-      <p:sp>
-        <p:nvSpPr>
-          <p:cNvPr id="27" name="Rectangle 26"/>
-          <p:cNvSpPr/>
-          <p:nvPr/>
-        </p:nvSpPr>
-        <p:spPr>
-          <a:xfrm>
-            <a:off x="0" y="-28749"/>
-            <a:ext cx="17881600" cy="1280160"/>
-          </a:xfrm>
-          <a:prstGeom prst="rect">
-            <a:avLst/>
-          </a:prstGeom>
-          <a:solidFill>
-            <a:schemeClr val="tx1"/>
-          </a:solidFill>
-          <a:ln>
-            <a:noFill/>
-          </a:ln>
-        </p:spPr>
-        <p:style>
-          <a:lnRef idx="2">
-            <a:schemeClr val="accent1">
-              <a:shade val="50000"/>
-            </a:schemeClr>
-          </a:lnRef>
-          <a:fillRef idx="1">
-            <a:schemeClr val="accent1"/>
-          </a:fillRef>
-          <a:effectRef idx="0">
-            <a:schemeClr val="accent1"/>
-          </a:effectRef>
-          <a:fontRef idx="minor">
-            <a:schemeClr val="lt1"/>
-          </a:fontRef>
-        </p:style>
-        <p:txBody>
-          <a:bodyPr rot="0" spcFirstLastPara="0" vertOverflow="overflow" horzOverflow="overflow" vert="horz" wrap="square" lIns="91440" tIns="45720" rIns="91440" bIns="45720" numCol="1" spcCol="0" rtlCol="0" fromWordArt="0" anchor="ctr" anchorCtr="0" forceAA="0" compatLnSpc="1">
-            <a:prstTxWarp prst="textNoShape">
-              <a:avLst/>
-            </a:prstTxWarp>
-            <a:noAutofit/>
-          </a:bodyPr>
-          <a:lstStyle/>
-          <a:p>
-            <a:pPr algn="ctr"/>
-            <a:endParaRPr lang="en-US"/>
-          </a:p>
-        </p:txBody>
-      </p:sp>
-      <p:sp>
-        <p:nvSpPr>
-          <p:cNvPr id="9" name="Rectangle 8"/>
-          <p:cNvSpPr/>
-          <p:nvPr/>
-        </p:nvSpPr>
-        <p:spPr>
-          <a:xfrm>
-            <a:off x="0" y="-28749"/>
-            <a:ext cx="3231627" cy="10058400"/>
-          </a:xfrm>
-          <a:prstGeom prst="rect">
-            <a:avLst/>
-          </a:prstGeom>
-          <a:solidFill>
-            <a:schemeClr val="tx1"/>
-          </a:solidFill>
-          <a:ln>
-            <a:noFill/>
-          </a:ln>
-        </p:spPr>
-        <p:style>
-          <a:lnRef idx="2">
-            <a:schemeClr val="accent1">
-              <a:shade val="50000"/>
-            </a:schemeClr>
-          </a:lnRef>
-          <a:fillRef idx="1">
-            <a:schemeClr val="accent1"/>
-          </a:fillRef>
-          <a:effectRef idx="0">
-            <a:schemeClr val="accent1"/>
-          </a:effectRef>
-          <a:fontRef idx="minor">
-            <a:schemeClr val="lt1"/>
-          </a:fontRef>
-        </p:style>
-        <p:txBody>
-          <a:bodyPr rot="0" spcFirstLastPara="0" vertOverflow="overflow" horzOverflow="overflow" vert="horz" wrap="square" lIns="91440" tIns="45720" rIns="91440" bIns="45720" numCol="1" spcCol="0" rtlCol="0" fromWordArt="0" anchor="ctr" anchorCtr="0" forceAA="0" compatLnSpc="1">
-            <a:prstTxWarp prst="textNoShape">
-              <a:avLst/>
-            </a:prstTxWarp>
-            <a:noAutofit/>
-          </a:bodyPr>
-          <a:lstStyle/>
-          <a:p>
-            <a:pPr algn="ctr"/>
-            <a:endParaRPr lang="en-US"/>
-          </a:p>
-        </p:txBody>
-      </p:sp>
-    </p:spTree>
-    <p:extLst>
-      <p:ext uri="{BB962C8B-B14F-4D97-AF65-F5344CB8AC3E}">
-        <p14:creationId xmlns:p14="http://schemas.microsoft.com/office/powerpoint/2010/main" val="3676522995"/>
-      </p:ext>
-    </p:extLst>
-  </p:cSld>
-  <p:clrMapOvr>
-    <a:masterClrMapping/>
-  </p:clrMapOvr>
-  <mc:AlternateContent xmlns:mc="http://schemas.openxmlformats.org/markup-compatibility/2006" xmlns:p14="http://schemas.microsoft.com/office/powerpoint/2010/main">
-    <mc:Choice Requires="p14">
-      <p:transition spd="slow" p14:dur="1250" advTm="6000">
-        <p14:flip dir="r"/>
-      </p:transition>
-    </mc:Choice>
-    <mc:Fallback xmlns="">
-      <p:transition spd="slow" advTm="6000">
-        <p:fade/>
-      </p:transition>
-    </mc:Fallback>
-  </mc:AlternateContent>
-  <p:timing>
-    <p:tnLst>
-      <p:par>
-        <p:cTn id="1" dur="indefinite" restart="never" nodeType="tmRoot"/>
-      </p:par>
-    </p:tnLst>
-  </p:timing>
-</p:sld>
-</file>
-
-<file path=ppt/slides/slide2.xml><?xml version="1.0" encoding="utf-8"?>
-<p:sld xmlns:a="http://schemas.openxmlformats.org/drawingml/2006/main" xmlns:r="http://schemas.openxmlformats.org/officeDocument/2006/relationships" xmlns:p="http://schemas.openxmlformats.org/presentationml/2006/main">
-  <p:cSld>
-    <p:bg>
-      <p:bgPr>
-        <a:gradFill flip="none" rotWithShape="1">
-          <a:gsLst>
-            <a:gs pos="0">
-              <a:srgbClr val="B8F34F"/>
-            </a:gs>
-            <a:gs pos="100000">
-              <a:srgbClr val="24BACE"/>
-            </a:gs>
-          </a:gsLst>
-          <a:lin ang="16200000" scaled="1"/>
-          <a:tileRect/>
-        </a:gradFill>
-        <a:effectLst/>
-      </p:bgPr>
-    </p:bg>
-    <p:spTree>
-      <p:nvGrpSpPr>
-        <p:cNvPr id="1" name=""/>
-        <p:cNvGrpSpPr/>
-        <p:nvPr/>
-      </p:nvGrpSpPr>
-      <p:grpSpPr>
-        <a:xfrm>
-          <a:off x="0" y="0"/>
-          <a:ext cx="0" cy="0"/>
-          <a:chOff x="0" y="0"/>
-          <a:chExt cx="0" cy="0"/>
-        </a:xfrm>
-      </p:grpSpPr>
-      <p:pic>
-        <p:nvPicPr>
-          <p:cNvPr id="3" name="Picture 4" descr="cell phone 2 icons"/>
-          <p:cNvPicPr>
-            <a:picLocks noChangeAspect="1" noChangeArrowheads="1"/>
-          </p:cNvPicPr>
-          <p:nvPr/>
-        </p:nvPicPr>
-        <p:blipFill>
-          <a:blip r:embed="rId2">
-            <a:duotone>
-              <a:schemeClr val="bg2">
-                <a:shade val="45000"/>
-                <a:satMod val="135000"/>
-              </a:schemeClr>
-              <a:prstClr val="white"/>
-            </a:duotone>
-            <a:extLst>
-              <a:ext uri="{28A0092B-C50C-407E-A947-70E740481C1C}">
-                <a14:useLocalDpi xmlns:a14="http://schemas.microsoft.com/office/drawing/2010/main" val="0"/>
-              </a:ext>
-            </a:extLst>
-          </a:blip>
-          <a:srcRect/>
-          <a:stretch>
-            <a:fillRect/>
-          </a:stretch>
-        </p:blipFill>
-        <p:spPr bwMode="auto">
-          <a:xfrm>
-            <a:off x="3978275" y="66675"/>
-            <a:ext cx="9925049" cy="9925050"/>
-          </a:xfrm>
-          <a:prstGeom prst="rect">
-            <a:avLst/>
-          </a:prstGeom>
-          <a:noFill/>
-          <a:effectLst>
-            <a:innerShdw blurRad="63500" dist="88900" dir="16200000">
-              <a:prstClr val="black">
-                <a:alpha val="50000"/>
-              </a:prstClr>
-            </a:innerShdw>
-          </a:effectLst>
-          <a:extLst>
-            <a:ext uri="{909E8E84-426E-40DD-AFC4-6F175D3DCCD1}">
-              <a14:hiddenFill xmlns:a14="http://schemas.microsoft.com/office/drawing/2010/main">
-                <a:solidFill>
-                  <a:srgbClr val="FFFFFF"/>
-                </a:solidFill>
-              </a14:hiddenFill>
-            </a:ext>
-          </a:extLst>
-        </p:spPr>
-      </p:pic>
-    </p:spTree>
-    <p:extLst>
-      <p:ext uri="{BB962C8B-B14F-4D97-AF65-F5344CB8AC3E}">
-        <p14:creationId xmlns:p14="http://schemas.microsoft.com/office/powerpoint/2010/main" val="236717550"/>
-      </p:ext>
-    </p:extLst>
-  </p:cSld>
-  <p:clrMapOvr>
-    <a:masterClrMapping/>
-  </p:clrMapOvr>
-  <mc:AlternateContent xmlns:mc="http://schemas.openxmlformats.org/markup-compatibility/2006" xmlns:p14="http://schemas.microsoft.com/office/powerpoint/2010/main">
-    <mc:Choice Requires="p14">
-      <p:transition spd="slow" p14:dur="1250" advTm="6000">
-        <p14:flip dir="r"/>
-      </p:transition>
-    </mc:Choice>
-    <mc:Fallback xmlns="">
-      <p:transition spd="slow" advTm="6000">
-        <p:fade/>
-      </p:transition>
-    </mc:Fallback>
-  </mc:AlternateContent>
-  <p:timing>
-    <p:tnLst>
-      <p:par>
-        <p:cTn id="1" dur="indefinite" restart="never" nodeType="tmRoot"/>
-      </p:par>
-    </p:tnLst>
-  </p:timing>
-</p:sld>
-</file>
-
-<file path=ppt/slides/slide3.xml><?xml version="1.0" encoding="utf-8"?>
-<p:sld xmlns:a="http://schemas.openxmlformats.org/drawingml/2006/main" xmlns:r="http://schemas.openxmlformats.org/officeDocument/2006/relationships" xmlns:p="http://schemas.openxmlformats.org/presentationml/2006/main">
-  <p:cSld>
-    <p:bg>
-      <p:bgPr>
-        <a:solidFill>
-          <a:schemeClr val="bg1">
-            <a:lumMod val="50000"/>
-          </a:schemeClr>
-        </a:solidFill>
-        <a:effectLst/>
-      </p:bgPr>
-    </p:bg>
-    <p:spTree>
-      <p:nvGrpSpPr>
-        <p:cNvPr id="1" name=""/>
-        <p:cNvGrpSpPr/>
-        <p:nvPr/>
-      </p:nvGrpSpPr>
-      <p:grpSpPr>
-        <a:xfrm>
-          <a:off x="0" y="0"/>
-          <a:ext cx="0" cy="0"/>
-          <a:chOff x="0" y="0"/>
-          <a:chExt cx="0" cy="0"/>
-        </a:xfrm>
-      </p:grpSpPr>
-      <p:sp>
-        <p:nvSpPr>
-          <p:cNvPr id="20" name="Rectangle 19"/>
-          <p:cNvSpPr/>
-          <p:nvPr/>
-        </p:nvSpPr>
-        <p:spPr>
-          <a:xfrm>
-            <a:off x="3530951" y="1516855"/>
-            <a:ext cx="11114596" cy="6324808"/>
-          </a:xfrm>
-          <a:prstGeom prst="rect">
-            <a:avLst/>
-          </a:prstGeom>
-          <a:noFill/>
-        </p:spPr>
-        <p:txBody>
-          <a:bodyPr wrap="square" lIns="91440" tIns="45720" rIns="91440" bIns="45720">
-            <a:spAutoFit/>
-          </a:bodyPr>
-          <a:lstStyle/>
-          <a:p>
-            <a:pPr>
-              <a:lnSpc>
-                <a:spcPct val="150000"/>
-              </a:lnSpc>
-            </a:pPr>
-            <a:r>
-              <a:rPr lang="en-US" sz="6600" dirty="0">
-                <a:ln w="0"/>
-                <a:solidFill>
-                  <a:schemeClr val="bg2">
-                    <a:lumMod val="90000"/>
-                  </a:schemeClr>
-                </a:solidFill>
-                <a:effectLst/>
-                <a:latin typeface="Century Gothic" panose="020B0502020202020204" pitchFamily="34" charset="0"/>
-              </a:rPr>
-              <a:t>IF NOT IMAGING</a:t>
-            </a:r>
-          </a:p>
-          <a:p>
-            <a:pPr>
-              <a:lnSpc>
-                <a:spcPct val="150000"/>
-              </a:lnSpc>
-            </a:pPr>
-            <a:r>
-              <a:rPr lang="en-US" sz="7200" b="1" dirty="0">
-                <a:ln w="3175">
-                  <a:noFill/>
-                </a:ln>
-                <a:solidFill>
-                  <a:srgbClr val="FF8585"/>
-                </a:solidFill>
-                <a:effectLst>
-                  <a:outerShdw blurRad="50800" dist="38100" dir="5400000" algn="t" rotWithShape="0">
-                    <a:prstClr val="black">
-                      <a:alpha val="40000"/>
-                    </a:prstClr>
-                  </a:outerShdw>
-                </a:effectLst>
-                <a:latin typeface="Century Gothic" panose="020B0502020202020204" pitchFamily="34" charset="0"/>
-              </a:rPr>
-              <a:t>DO NOT </a:t>
-            </a:r>
-            <a:r>
-              <a:rPr lang="en-US" sz="6600" dirty="0">
-                <a:ln w="0"/>
-                <a:solidFill>
-                  <a:schemeClr val="bg2">
-                    <a:lumMod val="90000"/>
-                  </a:schemeClr>
-                </a:solidFill>
-                <a:effectLst/>
-                <a:latin typeface="Century Gothic" panose="020B0502020202020204" pitchFamily="34" charset="0"/>
-              </a:rPr>
-              <a:t>CONNECT</a:t>
-            </a:r>
-            <a:r>
-              <a:rPr lang="en-US" sz="6600" dirty="0">
-                <a:ln w="0"/>
-                <a:solidFill>
-                  <a:schemeClr val="bg1"/>
-                </a:solidFill>
-                <a:effectLst/>
-                <a:latin typeface="Century Gothic" panose="020B0502020202020204" pitchFamily="34" charset="0"/>
-              </a:rPr>
-              <a:t> </a:t>
-            </a:r>
-            <a:r>
-              <a:rPr lang="en-US" sz="6600" dirty="0">
-                <a:ln w="0"/>
-                <a:solidFill>
-                  <a:schemeClr val="bg2">
-                    <a:lumMod val="90000"/>
-                  </a:schemeClr>
-                </a:solidFill>
-                <a:effectLst/>
-                <a:latin typeface="Century Gothic" panose="020B0502020202020204" pitchFamily="34" charset="0"/>
-              </a:rPr>
-              <a:t>COMPUTERS TO </a:t>
-            </a:r>
-            <a:r>
-              <a:rPr lang="en-US" sz="6600" b="1" dirty="0">
-                <a:ln w="0"/>
-                <a:solidFill>
-                  <a:schemeClr val="bg2">
-                    <a:lumMod val="90000"/>
-                  </a:schemeClr>
-                </a:solidFill>
-                <a:effectLst>
-                  <a:outerShdw blurRad="50800" dist="38100" dir="5400000" algn="t" rotWithShape="0">
-                    <a:prstClr val="black">
-                      <a:alpha val="40000"/>
-                    </a:prstClr>
-                  </a:outerShdw>
-                </a:effectLst>
-                <a:latin typeface="Century Gothic" panose="020B0502020202020204" pitchFamily="34" charset="0"/>
-              </a:rPr>
-              <a:t>WI-FI</a:t>
-            </a:r>
-            <a:r>
-              <a:rPr lang="en-US" sz="6600" dirty="0">
-                <a:ln w="0"/>
-                <a:solidFill>
-                  <a:schemeClr val="bg2">
-                    <a:lumMod val="90000"/>
-                  </a:schemeClr>
-                </a:solidFill>
-                <a:effectLst/>
-                <a:latin typeface="Century Gothic" panose="020B0502020202020204" pitchFamily="34" charset="0"/>
-              </a:rPr>
-              <a:t> OR </a:t>
-            </a:r>
-            <a:r>
-              <a:rPr lang="en-US" sz="6600" b="1" dirty="0">
-                <a:ln w="0"/>
-                <a:solidFill>
-                  <a:schemeClr val="bg1"/>
-                </a:solidFill>
-                <a:effectLst>
-                  <a:outerShdw blurRad="50800" dist="38100" dir="5400000" algn="t" rotWithShape="0">
-                    <a:prstClr val="black">
-                      <a:alpha val="40000"/>
-                    </a:prstClr>
-                  </a:outerShdw>
-                </a:effectLst>
-                <a:latin typeface="Century Gothic" panose="020B0502020202020204" pitchFamily="34" charset="0"/>
-              </a:rPr>
-              <a:t>ETHERNET</a:t>
-            </a:r>
-          </a:p>
-        </p:txBody>
-      </p:sp>
-      <p:grpSp>
-        <p:nvGrpSpPr>
-          <p:cNvPr id="33" name="Group 32"/>
-          <p:cNvGrpSpPr/>
-          <p:nvPr/>
-        </p:nvGrpSpPr>
-        <p:grpSpPr>
-          <a:xfrm>
-            <a:off x="13205998" y="5853898"/>
-            <a:ext cx="3262143" cy="3027852"/>
-            <a:chOff x="4509450" y="6247245"/>
-            <a:chExt cx="3262143" cy="3027852"/>
-          </a:xfrm>
-        </p:grpSpPr>
-        <p:pic>
-          <p:nvPicPr>
-            <p:cNvPr id="2058" name="Picture 10" descr="Related image"/>
-            <p:cNvPicPr>
-              <a:picLocks noChangeAspect="1" noChangeArrowheads="1"/>
-            </p:cNvPicPr>
-            <p:nvPr/>
-          </p:nvPicPr>
-          <p:blipFill>
-            <a:blip r:embed="rId2" cstate="print">
-              <a:lum bright="70000" contrast="-70000"/>
-              <a:extLst>
-                <a:ext uri="{28A0092B-C50C-407E-A947-70E740481C1C}">
-                  <a14:useLocalDpi xmlns:a14="http://schemas.microsoft.com/office/drawing/2010/main" val="0"/>
-                </a:ext>
-              </a:extLst>
-            </a:blip>
-            <a:srcRect/>
-            <a:stretch>
-              <a:fillRect/>
-            </a:stretch>
-          </p:blipFill>
-          <p:spPr bwMode="auto">
-            <a:xfrm>
-              <a:off x="4509450" y="6395996"/>
-              <a:ext cx="2879101" cy="2879101"/>
-            </a:xfrm>
-            <a:prstGeom prst="rect">
-              <a:avLst/>
-            </a:prstGeom>
-            <a:noFill/>
-            <a:ln>
-              <a:noFill/>
-            </a:ln>
-            <a:extLst>
-              <a:ext uri="{909E8E84-426E-40DD-AFC4-6F175D3DCCD1}">
-                <a14:hiddenFill xmlns:a14="http://schemas.microsoft.com/office/drawing/2010/main">
-                  <a:solidFill>
-                    <a:srgbClr val="FFFFFF"/>
-                  </a:solidFill>
-                </a14:hiddenFill>
-              </a:ext>
-            </a:extLst>
-          </p:spPr>
-        </p:pic>
-        <p:grpSp>
-          <p:nvGrpSpPr>
-            <p:cNvPr id="29" name="Group 28"/>
-            <p:cNvGrpSpPr/>
-            <p:nvPr/>
-          </p:nvGrpSpPr>
-          <p:grpSpPr>
-            <a:xfrm rot="2700000">
-              <a:off x="6034668" y="6247245"/>
-              <a:ext cx="1736925" cy="1736925"/>
-              <a:chOff x="14027409" y="4214713"/>
-              <a:chExt cx="3398472" cy="3398472"/>
-            </a:xfrm>
-            <a:effectLst>
-              <a:outerShdw blurRad="50800" dist="38100" dir="5400000" algn="t" rotWithShape="0">
-                <a:prstClr val="black">
-                  <a:alpha val="40000"/>
-                </a:prstClr>
-              </a:outerShdw>
-            </a:effectLst>
-          </p:grpSpPr>
-          <p:sp>
-            <p:nvSpPr>
-              <p:cNvPr id="24" name="Rounded Rectangle 23"/>
-              <p:cNvSpPr/>
-              <p:nvPr/>
-            </p:nvSpPr>
-            <p:spPr>
-              <a:xfrm rot="5400000">
-                <a:off x="14027409" y="5588520"/>
-                <a:ext cx="3398472" cy="650857"/>
-              </a:xfrm>
-              <a:prstGeom prst="roundRect">
-                <a:avLst>
-                  <a:gd name="adj" fmla="val 50000"/>
-                </a:avLst>
-              </a:prstGeom>
-              <a:solidFill>
-                <a:srgbClr val="FF5353"/>
-              </a:solidFill>
-              <a:ln>
-                <a:noFill/>
-              </a:ln>
-            </p:spPr>
-            <p:style>
-              <a:lnRef idx="2">
-                <a:schemeClr val="accent1">
-                  <a:shade val="50000"/>
-                </a:schemeClr>
-              </a:lnRef>
-              <a:fillRef idx="1">
-                <a:schemeClr val="accent1"/>
-              </a:fillRef>
-              <a:effectRef idx="0">
-                <a:schemeClr val="accent1"/>
-              </a:effectRef>
-              <a:fontRef idx="minor">
-                <a:schemeClr val="lt1"/>
-              </a:fontRef>
-            </p:style>
-            <p:txBody>
-              <a:bodyPr rot="0" spcFirstLastPara="0" vertOverflow="overflow" horzOverflow="overflow" vert="horz" wrap="square" lIns="91440" tIns="45720" rIns="91440" bIns="45720" numCol="1" spcCol="0" rtlCol="0" fromWordArt="0" anchor="ctr" anchorCtr="0" forceAA="0" compatLnSpc="1">
-                <a:prstTxWarp prst="textNoShape">
-                  <a:avLst/>
-                </a:prstTxWarp>
-                <a:noAutofit/>
-              </a:bodyPr>
-              <a:lstStyle/>
-              <a:p>
-                <a:pPr algn="ctr"/>
-                <a:endParaRPr lang="en-US"/>
-              </a:p>
-            </p:txBody>
-          </p:sp>
-          <p:sp>
-            <p:nvSpPr>
-              <p:cNvPr id="38" name="Rounded Rectangle 37"/>
-              <p:cNvSpPr/>
-              <p:nvPr/>
-            </p:nvSpPr>
-            <p:spPr>
-              <a:xfrm rot="10800000">
-                <a:off x="14027409" y="5576441"/>
-                <a:ext cx="3398472" cy="650857"/>
-              </a:xfrm>
-              <a:prstGeom prst="roundRect">
-                <a:avLst>
-                  <a:gd name="adj" fmla="val 50000"/>
-                </a:avLst>
-              </a:prstGeom>
-              <a:solidFill>
-                <a:srgbClr val="FF5353"/>
-              </a:solidFill>
-              <a:ln>
-                <a:noFill/>
-              </a:ln>
-            </p:spPr>
-            <p:style>
-              <a:lnRef idx="2">
-                <a:schemeClr val="accent1">
-                  <a:shade val="50000"/>
-                </a:schemeClr>
-              </a:lnRef>
-              <a:fillRef idx="1">
-                <a:schemeClr val="accent1"/>
-              </a:fillRef>
-              <a:effectRef idx="0">
-                <a:schemeClr val="accent1"/>
-              </a:effectRef>
-              <a:fontRef idx="minor">
-                <a:schemeClr val="lt1"/>
-              </a:fontRef>
-            </p:style>
-            <p:txBody>
-              <a:bodyPr rot="0" spcFirstLastPara="0" vertOverflow="overflow" horzOverflow="overflow" vert="horz" wrap="square" lIns="91440" tIns="45720" rIns="91440" bIns="45720" numCol="1" spcCol="0" rtlCol="0" fromWordArt="0" anchor="ctr" anchorCtr="0" forceAA="0" compatLnSpc="1">
-                <a:prstTxWarp prst="textNoShape">
-                  <a:avLst/>
-                </a:prstTxWarp>
-                <a:noAutofit/>
-              </a:bodyPr>
-              <a:lstStyle/>
-              <a:p>
-                <a:pPr algn="ctr"/>
-                <a:endParaRPr lang="en-US"/>
-              </a:p>
-            </p:txBody>
-          </p:sp>
-        </p:grpSp>
-      </p:grpSp>
-      <p:grpSp>
-        <p:nvGrpSpPr>
-          <p:cNvPr id="34" name="Group 33"/>
-          <p:cNvGrpSpPr/>
-          <p:nvPr/>
-        </p:nvGrpSpPr>
-        <p:grpSpPr>
-          <a:xfrm>
-            <a:off x="13412228" y="1516853"/>
-            <a:ext cx="2919155" cy="2478795"/>
-            <a:chOff x="10804016" y="6490280"/>
-            <a:chExt cx="2919154" cy="2478794"/>
-          </a:xfrm>
-        </p:grpSpPr>
-        <p:pic>
-          <p:nvPicPr>
-            <p:cNvPr id="2062" name="Picture 14" descr="Image result for ethernet png icon"/>
-            <p:cNvPicPr>
-              <a:picLocks noChangeAspect="1" noChangeArrowheads="1"/>
-            </p:cNvPicPr>
-            <p:nvPr/>
-          </p:nvPicPr>
-          <p:blipFill>
-            <a:blip r:embed="rId3" cstate="print">
-              <a:lum bright="70000" contrast="-70000"/>
-              <a:extLst>
-                <a:ext uri="{28A0092B-C50C-407E-A947-70E740481C1C}">
-                  <a14:useLocalDpi xmlns:a14="http://schemas.microsoft.com/office/drawing/2010/main" val="0"/>
-                </a:ext>
-              </a:extLst>
-            </a:blip>
-            <a:srcRect/>
-            <a:stretch>
-              <a:fillRect/>
-            </a:stretch>
-          </p:blipFill>
-          <p:spPr bwMode="auto">
-            <a:xfrm>
-              <a:off x="10804016" y="6873453"/>
-              <a:ext cx="2097760" cy="2095621"/>
-            </a:xfrm>
-            <a:prstGeom prst="rect">
-              <a:avLst/>
-            </a:prstGeom>
-            <a:noFill/>
-            <a:extLst>
-              <a:ext uri="{909E8E84-426E-40DD-AFC4-6F175D3DCCD1}">
-                <a14:hiddenFill xmlns:a14="http://schemas.microsoft.com/office/drawing/2010/main">
-                  <a:solidFill>
-                    <a:srgbClr val="FFFFFF"/>
-                  </a:solidFill>
-                </a14:hiddenFill>
-              </a:ext>
-            </a:extLst>
-          </p:spPr>
-        </p:pic>
-        <p:pic>
-          <p:nvPicPr>
-            <p:cNvPr id="32" name="Picture 31"/>
-            <p:cNvPicPr>
-              <a:picLocks noChangeAspect="1"/>
-            </p:cNvPicPr>
-            <p:nvPr/>
-          </p:nvPicPr>
-          <p:blipFill>
-            <a:blip r:embed="rId4"/>
-            <a:stretch>
-              <a:fillRect/>
-            </a:stretch>
-          </p:blipFill>
-          <p:spPr>
-            <a:xfrm>
-              <a:off x="12388030" y="6490280"/>
-              <a:ext cx="1335140" cy="1335140"/>
-            </a:xfrm>
-            <a:prstGeom prst="rect">
-              <a:avLst/>
-            </a:prstGeom>
-            <a:effectLst>
-              <a:outerShdw blurRad="50800" dist="38100" dir="5400000" algn="t" rotWithShape="0">
-                <a:prstClr val="black">
-                  <a:alpha val="40000"/>
-                </a:prstClr>
-              </a:outerShdw>
-            </a:effectLst>
-          </p:spPr>
-        </p:pic>
-      </p:grpSp>
-    </p:spTree>
-    <p:extLst>
-      <p:ext uri="{BB962C8B-B14F-4D97-AF65-F5344CB8AC3E}">
-        <p14:creationId xmlns:p14="http://schemas.microsoft.com/office/powerpoint/2010/main" val="1065445114"/>
-      </p:ext>
-    </p:extLst>
-  </p:cSld>
-  <p:clrMapOvr>
-    <a:masterClrMapping/>
-  </p:clrMapOvr>
-  <mc:AlternateContent xmlns:mc="http://schemas.openxmlformats.org/markup-compatibility/2006" xmlns:p14="http://schemas.microsoft.com/office/powerpoint/2010/main">
-    <mc:Choice Requires="p14">
-      <p:transition spd="slow" p14:dur="1250" advTm="6000">
-        <p14:flip dir="r"/>
-      </p:transition>
-    </mc:Choice>
-    <mc:Fallback xmlns="">
-      <p:transition spd="slow" advTm="6000">
-        <p:fade/>
-      </p:transition>
-    </mc:Fallback>
-  </mc:AlternateContent>
-  <p:timing>
-    <p:tnLst>
-      <p:par>
-        <p:cTn id="1" dur="indefinite" restart="never" nodeType="tmRoot">
-          <p:childTnLst>
-            <p:seq concurrent="1" nextAc="seek">
-              <p:cTn id="2" dur="indefinite" nodeType="mainSeq">
-                <p:childTnLst>
-                  <p:par>
-                    <p:cTn id="3" fill="hold">
-                      <p:stCondLst>
-                        <p:cond delay="indefinite"/>
-                        <p:cond evt="onBegin" delay="0">
-                          <p:tn val="2"/>
-                        </p:cond>
-                      </p:stCondLst>
-                      <p:childTnLst>
-                        <p:par>
-                          <p:cTn id="4" fill="hold">
-                            <p:stCondLst>
-                              <p:cond delay="0"/>
-                            </p:stCondLst>
-                            <p:childTnLst>
-                              <p:par>
-                                <p:cTn id="5" presetID="22" presetClass="entr" presetSubtype="1" fill="hold" grpId="0" nodeType="afterEffect">
-                                  <p:stCondLst>
-                                    <p:cond delay="0"/>
-                                  </p:stCondLst>
-                                  <p:childTnLst>
-                                    <p:set>
-                                      <p:cBhvr>
-                                        <p:cTn id="6" dur="1" fill="hold">
-                                          <p:stCondLst>
-                                            <p:cond delay="0"/>
-                                          </p:stCondLst>
-                                        </p:cTn>
-                                        <p:tgtEl>
-                                          <p:spTgt spid="20"/>
-                                        </p:tgtEl>
-                                        <p:attrNameLst>
-                                          <p:attrName>style.visibility</p:attrName>
-                                        </p:attrNameLst>
-                                      </p:cBhvr>
-                                      <p:to>
-                                        <p:strVal val="visible"/>
-                                      </p:to>
-                                    </p:set>
-                                    <p:animEffect transition="in" filter="wipe(up)">
-                                      <p:cBhvr>
-                                        <p:cTn id="7" dur="1000"/>
-                                        <p:tgtEl>
-                                          <p:spTgt spid="20"/>
-                                        </p:tgtEl>
-                                      </p:cBhvr>
-                                    </p:animEffect>
-                                  </p:childTnLst>
-                                </p:cTn>
-                              </p:par>
-                            </p:childTnLst>
-                          </p:cTn>
-                        </p:par>
-                      </p:childTnLst>
-                    </p:cTn>
-                  </p:par>
-                </p:childTnLst>
-              </p:cTn>
-              <p:prevCondLst>
-                <p:cond evt="onPrev" delay="0">
-                  <p:tgtEl>
-                    <p:sldTgt/>
-                  </p:tgtEl>
-                </p:cond>
-              </p:prevCondLst>
-              <p:nextCondLst>
-                <p:cond evt="onNext" delay="0">
-                  <p:tgtEl>
-                    <p:sldTgt/>
-                  </p:tgtEl>
-                </p:cond>
-              </p:nextCondLst>
-            </p:seq>
-          </p:childTnLst>
-        </p:cTn>
-      </p:par>
-    </p:tnLst>
-    <p:bldLst>
-      <p:bldP spid="20" grpId="0"/>
-    </p:bldLst>
-  </p:timing>
-</p:sld>
-</file>
-
-<file path=ppt/slides/slide4.xml><?xml version="1.0" encoding="utf-8"?>
-<p:sld xmlns:a="http://schemas.openxmlformats.org/drawingml/2006/main" xmlns:r="http://schemas.openxmlformats.org/officeDocument/2006/relationships" xmlns:p="http://schemas.openxmlformats.org/presentationml/2006/main">
-  <p:cSld>
-    <p:bg>
-      <p:bgPr>
-        <a:gradFill flip="none" rotWithShape="1">
-          <a:gsLst>
-            <a:gs pos="0">
-              <a:srgbClr val="B8F34F"/>
-            </a:gs>
-            <a:gs pos="100000">
-              <a:srgbClr val="24BACE"/>
-            </a:gs>
-          </a:gsLst>
-          <a:lin ang="16200000" scaled="1"/>
-          <a:tileRect/>
-        </a:gradFill>
-        <a:effectLst/>
-      </p:bgPr>
-    </p:bg>
-    <p:spTree>
-      <p:nvGrpSpPr>
-        <p:cNvPr id="1" name=""/>
-        <p:cNvGrpSpPr/>
-        <p:nvPr/>
-      </p:nvGrpSpPr>
-      <p:grpSpPr>
-        <a:xfrm>
-          <a:off x="0" y="0"/>
-          <a:ext cx="0" cy="0"/>
-          <a:chOff x="0" y="0"/>
-          <a:chExt cx="0" cy="0"/>
-        </a:xfrm>
-      </p:grpSpPr>
-      <p:grpSp>
-        <p:nvGrpSpPr>
-          <p:cNvPr id="2" name="Group 1"/>
-          <p:cNvGrpSpPr/>
-          <p:nvPr/>
-        </p:nvGrpSpPr>
-        <p:grpSpPr>
-          <a:xfrm>
-            <a:off x="4400898" y="173421"/>
-            <a:ext cx="7412307" cy="6294146"/>
-            <a:chOff x="5820621" y="552450"/>
-            <a:chExt cx="4991171" cy="4238243"/>
-          </a:xfrm>
-        </p:grpSpPr>
-        <p:pic>
-          <p:nvPicPr>
-            <p:cNvPr id="2062" name="Picture 14" descr="Image result for ethernet png icon"/>
-            <p:cNvPicPr>
-              <a:picLocks noChangeAspect="1" noChangeArrowheads="1"/>
-            </p:cNvPicPr>
-            <p:nvPr/>
-          </p:nvPicPr>
-          <p:blipFill>
-            <a:blip r:embed="rId3" cstate="print">
-              <a:duotone>
-                <a:schemeClr val="bg2">
-                  <a:shade val="45000"/>
-                  <a:satMod val="135000"/>
-                </a:schemeClr>
-                <a:prstClr val="white"/>
-              </a:duotone>
-              <a:extLst>
-                <a:ext uri="{28A0092B-C50C-407E-A947-70E740481C1C}">
-                  <a14:useLocalDpi xmlns:a14="http://schemas.microsoft.com/office/drawing/2010/main" val="0"/>
-                </a:ext>
-              </a:extLst>
-            </a:blip>
-            <a:srcRect/>
-            <a:stretch>
-              <a:fillRect/>
-            </a:stretch>
-          </p:blipFill>
-          <p:spPr bwMode="auto">
-            <a:xfrm>
-              <a:off x="5820621" y="1207599"/>
-              <a:ext cx="3586751" cy="3583094"/>
-            </a:xfrm>
-            <a:prstGeom prst="rect">
-              <a:avLst/>
-            </a:prstGeom>
-            <a:noFill/>
-            <a:effectLst>
-              <a:innerShdw blurRad="63500" dist="50800" dir="16200000">
-                <a:prstClr val="black">
-                  <a:alpha val="50000"/>
-                </a:prstClr>
-              </a:innerShdw>
-            </a:effectLst>
-            <a:extLst>
-              <a:ext uri="{909E8E84-426E-40DD-AFC4-6F175D3DCCD1}">
-                <a14:hiddenFill xmlns:a14="http://schemas.microsoft.com/office/drawing/2010/main">
-                  <a:solidFill>
-                    <a:srgbClr val="FFFFFF"/>
-                  </a:solidFill>
-                </a14:hiddenFill>
-              </a:ext>
-            </a:extLst>
-          </p:spPr>
-        </p:pic>
-        <p:pic>
-          <p:nvPicPr>
-            <p:cNvPr id="32" name="Picture 31"/>
-            <p:cNvPicPr>
-              <a:picLocks noChangeAspect="1"/>
-            </p:cNvPicPr>
-            <p:nvPr/>
-          </p:nvPicPr>
-          <p:blipFill>
-            <a:blip r:embed="rId4"/>
-            <a:stretch>
-              <a:fillRect/>
-            </a:stretch>
-          </p:blipFill>
-          <p:spPr>
-            <a:xfrm>
-              <a:off x="8528969" y="552450"/>
-              <a:ext cx="2282823" cy="2282823"/>
-            </a:xfrm>
-            <a:prstGeom prst="rect">
-              <a:avLst/>
-            </a:prstGeom>
-            <a:effectLst>
-              <a:innerShdw blurRad="63500" dist="88900" dir="16200000">
-                <a:prstClr val="black">
-                  <a:alpha val="50000"/>
-                </a:prstClr>
-              </a:innerShdw>
-            </a:effectLst>
-          </p:spPr>
-        </p:pic>
-      </p:grpSp>
-      <p:grpSp>
-        <p:nvGrpSpPr>
-          <p:cNvPr id="3" name="Group 2"/>
-          <p:cNvGrpSpPr/>
-          <p:nvPr/>
-        </p:nvGrpSpPr>
-        <p:grpSpPr>
-          <a:xfrm rot="18900000">
-            <a:off x="8493416" y="4726030"/>
-            <a:ext cx="7080676" cy="6602962"/>
-            <a:chOff x="8342962" y="5013508"/>
-            <a:chExt cx="5112021" cy="4767127"/>
-          </a:xfrm>
-        </p:grpSpPr>
-        <p:pic>
-          <p:nvPicPr>
-            <p:cNvPr id="2058" name="Picture 10" descr="Related image"/>
-            <p:cNvPicPr>
-              <a:picLocks noChangeAspect="1" noChangeArrowheads="1"/>
-            </p:cNvPicPr>
-            <p:nvPr/>
-          </p:nvPicPr>
-          <p:blipFill>
-            <a:blip r:embed="rId5" cstate="print">
-              <a:duotone>
-                <a:schemeClr val="bg2">
-                  <a:shade val="45000"/>
-                  <a:satMod val="135000"/>
-                </a:schemeClr>
-                <a:prstClr val="white"/>
-              </a:duotone>
-              <a:extLst>
-                <a:ext uri="{28A0092B-C50C-407E-A947-70E740481C1C}">
-                  <a14:useLocalDpi xmlns:a14="http://schemas.microsoft.com/office/drawing/2010/main" val="0"/>
-                </a:ext>
-              </a:extLst>
-            </a:blip>
-            <a:srcRect/>
-            <a:stretch>
-              <a:fillRect/>
-            </a:stretch>
-          </p:blipFill>
-          <p:spPr bwMode="auto">
-            <a:xfrm>
-              <a:off x="8342962" y="5013508"/>
-              <a:ext cx="4767127" cy="4767127"/>
-            </a:xfrm>
-            <a:prstGeom prst="rect">
-              <a:avLst/>
-            </a:prstGeom>
-            <a:noFill/>
-            <a:effectLst>
-              <a:innerShdw blurRad="63500" dist="88900" dir="16200000">
-                <a:prstClr val="black">
-                  <a:alpha val="50000"/>
-                </a:prstClr>
-              </a:innerShdw>
-            </a:effectLst>
-            <a:extLst>
-              <a:ext uri="{909E8E84-426E-40DD-AFC4-6F175D3DCCD1}">
-                <a14:hiddenFill xmlns:a14="http://schemas.microsoft.com/office/drawing/2010/main">
-                  <a:solidFill>
-                    <a:srgbClr val="FFFFFF"/>
-                  </a:solidFill>
-                </a14:hiddenFill>
-              </a:ext>
-            </a:extLst>
-          </p:spPr>
-        </p:pic>
-        <p:pic>
-          <p:nvPicPr>
-            <p:cNvPr id="10" name="Picture 9"/>
-            <p:cNvPicPr>
-              <a:picLocks noChangeAspect="1"/>
-            </p:cNvPicPr>
-            <p:nvPr/>
-          </p:nvPicPr>
-          <p:blipFill>
-            <a:blip r:embed="rId4"/>
-            <a:stretch>
-              <a:fillRect/>
-            </a:stretch>
-          </p:blipFill>
-          <p:spPr>
-            <a:xfrm rot="2700000">
-              <a:off x="11172160" y="5063773"/>
-              <a:ext cx="2282823" cy="2282823"/>
-            </a:xfrm>
-            <a:prstGeom prst="rect">
-              <a:avLst/>
-            </a:prstGeom>
-            <a:effectLst>
-              <a:innerShdw blurRad="63500" dist="88900" dir="16200000">
-                <a:prstClr val="black">
-                  <a:alpha val="50000"/>
-                </a:prstClr>
-              </a:innerShdw>
-            </a:effectLst>
-          </p:spPr>
-        </p:pic>
-      </p:grpSp>
-    </p:spTree>
-    <p:extLst>
-      <p:ext uri="{BB962C8B-B14F-4D97-AF65-F5344CB8AC3E}">
-        <p14:creationId xmlns:p14="http://schemas.microsoft.com/office/powerpoint/2010/main" val="430140618"/>
-      </p:ext>
-    </p:extLst>
-  </p:cSld>
-  <p:clrMapOvr>
-    <a:overrideClrMapping bg1="lt1" tx1="dk1" bg2="lt2" tx2="dk2" accent1="accent1" accent2="accent2" accent3="accent3" accent4="accent4" accent5="accent5" accent6="accent6" hlink="hlink" folHlink="folHlink"/>
-  </p:clrMapOvr>
-  <mc:AlternateContent xmlns:mc="http://schemas.openxmlformats.org/markup-compatibility/2006" xmlns:p14="http://schemas.microsoft.com/office/powerpoint/2010/main">
-    <mc:Choice Requires="p14">
-      <p:transition spd="slow" p14:dur="1250" advTm="6000">
-        <p14:flip dir="r"/>
-      </p:transition>
-    </mc:Choice>
-    <mc:Fallback xmlns="">
-      <p:transition spd="slow" advTm="6000">
-        <p:fade/>
-      </p:transition>
-    </mc:Fallback>
-  </mc:AlternateContent>
-  <p:timing>
-    <p:tnLst>
-      <p:par>
-        <p:cTn id="1" dur="indefinite" restart="never" nodeType="tmRoot"/>
-      </p:par>
-    </p:tnLst>
-  </p:timing>
-</p:sld>
-</file>
-
-<file path=ppt/slides/slide5.xml><?xml version="1.0" encoding="utf-8"?>
-<p:sld xmlns:a="http://schemas.openxmlformats.org/drawingml/2006/main" xmlns:r="http://schemas.openxmlformats.org/officeDocument/2006/relationships" xmlns:p="http://schemas.openxmlformats.org/presentationml/2006/main">
-  <p:cSld>
-    <p:bg>
-      <p:bgPr>
-        <a:solidFill>
-          <a:schemeClr val="bg1">
-            <a:lumMod val="50000"/>
-          </a:schemeClr>
-        </a:solidFill>
-        <a:effectLst/>
-      </p:bgPr>
-    </p:bg>
-    <p:spTree>
-      <p:nvGrpSpPr>
-        <p:cNvPr id="1" name=""/>
-        <p:cNvGrpSpPr/>
-        <p:nvPr/>
-      </p:nvGrpSpPr>
-      <p:grpSpPr>
-        <a:xfrm>
-          <a:off x="0" y="0"/>
-          <a:ext cx="0" cy="0"/>
-          <a:chOff x="0" y="0"/>
-          <a:chExt cx="0" cy="0"/>
-        </a:xfrm>
-      </p:grpSpPr>
-      <p:sp>
-        <p:nvSpPr>
-          <p:cNvPr id="12" name="Rectangle 11"/>
-          <p:cNvSpPr/>
-          <p:nvPr/>
-        </p:nvSpPr>
-        <p:spPr>
-          <a:xfrm>
-            <a:off x="3231629" y="2266950"/>
-            <a:ext cx="11189743" cy="5878532"/>
-          </a:xfrm>
-          <a:prstGeom prst="rect">
-            <a:avLst/>
-          </a:prstGeom>
-          <a:noFill/>
-          <a:effectLst/>
-        </p:spPr>
-        <p:txBody>
-          <a:bodyPr wrap="square" lIns="91440" tIns="45720" rIns="91440" bIns="45720">
-            <a:spAutoFit/>
-          </a:bodyPr>
-          <a:lstStyle/>
-          <a:p>
-            <a:pPr>
-              <a:spcAft>
-                <a:spcPts val="600"/>
-              </a:spcAft>
-            </a:pPr>
-            <a:r>
-              <a:rPr lang="en-US" sz="8000" dirty="0">
-                <a:ln w="0"/>
-                <a:solidFill>
-                  <a:srgbClr val="B2B2B2"/>
-                </a:solidFill>
-                <a:effectLst/>
-                <a:latin typeface="Century Gothic" panose="020B0502020202020204" pitchFamily="34" charset="0"/>
-              </a:rPr>
-              <a:t>BEFORE STAGING</a:t>
-            </a:r>
-          </a:p>
-          <a:p>
-            <a:pPr>
-              <a:spcAft>
-                <a:spcPts val="600"/>
-              </a:spcAft>
-            </a:pPr>
-            <a:r>
-              <a:rPr lang="en-US" sz="6600" b="1" dirty="0">
-                <a:ln w="0"/>
-                <a:solidFill>
-                  <a:srgbClr val="B0DD7F"/>
-                </a:solidFill>
-                <a:effectLst>
-                  <a:outerShdw blurRad="50800" dist="38100" dir="5400000" algn="t" rotWithShape="0">
-                    <a:prstClr val="black">
-                      <a:alpha val="40000"/>
-                    </a:prstClr>
-                  </a:outerShdw>
-                </a:effectLst>
-                <a:latin typeface="Century Gothic" panose="020B0502020202020204" pitchFamily="34" charset="0"/>
-              </a:rPr>
-              <a:t>ALWAYS INSPECT</a:t>
-            </a:r>
-          </a:p>
-          <a:p>
-            <a:pPr>
-              <a:spcAft>
-                <a:spcPts val="600"/>
-              </a:spcAft>
-            </a:pPr>
-            <a:r>
-              <a:rPr lang="en-US" sz="6600" dirty="0">
-                <a:ln w="0"/>
-                <a:solidFill>
-                  <a:srgbClr val="B2B2B2"/>
-                </a:solidFill>
-                <a:effectLst/>
-                <a:latin typeface="Century Gothic" panose="020B0502020202020204" pitchFamily="34" charset="0"/>
-              </a:rPr>
-              <a:t>WORK BENCH </a:t>
-            </a:r>
-            <a:endParaRPr lang="en-US" sz="7200" dirty="0">
-              <a:ln w="0"/>
-              <a:solidFill>
-                <a:srgbClr val="B2B2B2"/>
-              </a:solidFill>
-              <a:effectLst/>
-              <a:latin typeface="Century Gothic" panose="020B0502020202020204" pitchFamily="34" charset="0"/>
-            </a:endParaRPr>
-          </a:p>
-          <a:p>
-            <a:pPr>
-              <a:spcAft>
-                <a:spcPts val="600"/>
-              </a:spcAft>
-            </a:pPr>
-            <a:r>
-              <a:rPr lang="en-US" sz="7200" dirty="0">
-                <a:ln w="0"/>
-                <a:solidFill>
-                  <a:srgbClr val="B2B2B2"/>
-                </a:solidFill>
-                <a:effectLst/>
-                <a:latin typeface="Century Gothic" panose="020B0502020202020204" pitchFamily="34" charset="0"/>
-              </a:rPr>
-              <a:t>FOR</a:t>
-            </a:r>
-            <a:r>
-              <a:rPr lang="en-US" sz="7200" b="1" dirty="0">
-                <a:ln w="0"/>
-                <a:solidFill>
-                  <a:schemeClr val="bg1"/>
-                </a:solidFill>
-                <a:effectLst/>
-                <a:latin typeface="Century Gothic" panose="020B0502020202020204" pitchFamily="34" charset="0"/>
-              </a:rPr>
-              <a:t> </a:t>
-            </a:r>
-            <a:r>
-              <a:rPr lang="en-US" sz="7200" b="1" dirty="0">
-                <a:ln w="0"/>
-                <a:solidFill>
-                  <a:schemeClr val="bg1"/>
-                </a:solidFill>
-                <a:effectLst>
-                  <a:outerShdw blurRad="50800" dist="38100" dir="5400000" algn="t" rotWithShape="0">
-                    <a:prstClr val="black">
-                      <a:alpha val="40000"/>
-                    </a:prstClr>
-                  </a:outerShdw>
-                </a:effectLst>
-                <a:latin typeface="Century Gothic" panose="020B0502020202020204" pitchFamily="34" charset="0"/>
-              </a:rPr>
-              <a:t>ACCESSORIES</a:t>
-            </a:r>
-          </a:p>
-          <a:p>
-            <a:pPr>
-              <a:spcAft>
-                <a:spcPts val="600"/>
-              </a:spcAft>
-            </a:pPr>
-            <a:r>
-              <a:rPr lang="en-US" sz="7200" dirty="0">
-                <a:ln w="0"/>
-                <a:solidFill>
-                  <a:srgbClr val="B2B2B2"/>
-                </a:solidFill>
-                <a:effectLst/>
-                <a:latin typeface="Century Gothic" panose="020B0502020202020204" pitchFamily="34" charset="0"/>
-              </a:rPr>
-              <a:t>LEFT BEHIND</a:t>
-            </a:r>
-          </a:p>
-        </p:txBody>
-      </p:sp>
-      <p:pic>
-        <p:nvPicPr>
-          <p:cNvPr id="2" name="Picture 1"/>
-          <p:cNvPicPr>
-            <a:picLocks noChangeAspect="1"/>
-          </p:cNvPicPr>
-          <p:nvPr/>
-        </p:nvPicPr>
-        <p:blipFill>
-          <a:blip r:embed="rId2">
-            <a:lum bright="70000" contrast="-70000"/>
-            <a:extLst>
-              <a:ext uri="{28A0092B-C50C-407E-A947-70E740481C1C}">
-                <a14:useLocalDpi xmlns:a14="http://schemas.microsoft.com/office/drawing/2010/main" val="0"/>
-              </a:ext>
-            </a:extLst>
-          </a:blip>
-          <a:stretch>
-            <a:fillRect/>
-          </a:stretch>
-        </p:blipFill>
-        <p:spPr>
-          <a:xfrm rot="19516514">
-            <a:off x="12220059" y="992738"/>
-            <a:ext cx="4402623" cy="2933247"/>
-          </a:xfrm>
-          <a:prstGeom prst="rect">
-            <a:avLst/>
-          </a:prstGeom>
-        </p:spPr>
-      </p:pic>
-      <p:pic>
-        <p:nvPicPr>
-          <p:cNvPr id="1026" name="Picture 2" descr="Image result for mouse png icon"/>
-          <p:cNvPicPr>
-            <a:picLocks noChangeAspect="1" noChangeArrowheads="1"/>
-          </p:cNvPicPr>
-          <p:nvPr/>
-        </p:nvPicPr>
-        <p:blipFill>
-          <a:blip r:embed="rId3" cstate="print">
-            <a:lum bright="70000" contrast="-70000"/>
-            <a:extLst>
-              <a:ext uri="{28A0092B-C50C-407E-A947-70E740481C1C}">
-                <a14:useLocalDpi xmlns:a14="http://schemas.microsoft.com/office/drawing/2010/main" val="0"/>
-              </a:ext>
-            </a:extLst>
-          </a:blip>
-          <a:srcRect/>
-          <a:stretch>
-            <a:fillRect/>
-          </a:stretch>
-        </p:blipFill>
-        <p:spPr bwMode="auto">
-          <a:xfrm rot="19275716">
-            <a:off x="13535285" y="4566351"/>
-            <a:ext cx="1772171" cy="1772171"/>
-          </a:xfrm>
-          <a:prstGeom prst="rect">
-            <a:avLst/>
-          </a:prstGeom>
-          <a:noFill/>
-          <a:extLst>
-            <a:ext uri="{909E8E84-426E-40DD-AFC4-6F175D3DCCD1}">
-              <a14:hiddenFill xmlns:a14="http://schemas.microsoft.com/office/drawing/2010/main">
-                <a:solidFill>
-                  <a:srgbClr val="FFFFFF"/>
-                </a:solidFill>
-              </a14:hiddenFill>
-            </a:ext>
-          </a:extLst>
-        </p:spPr>
-      </p:pic>
-      <p:pic>
-        <p:nvPicPr>
-          <p:cNvPr id="1028" name="Picture 4" descr="Image result for FLASH DRIVE png icon"/>
-          <p:cNvPicPr>
-            <a:picLocks noChangeAspect="1" noChangeArrowheads="1"/>
-          </p:cNvPicPr>
-          <p:nvPr/>
-        </p:nvPicPr>
-        <p:blipFill>
-          <a:blip r:embed="rId4">
-            <a:lum bright="70000" contrast="-70000"/>
-            <a:extLst>
-              <a:ext uri="{28A0092B-C50C-407E-A947-70E740481C1C}">
-                <a14:useLocalDpi xmlns:a14="http://schemas.microsoft.com/office/drawing/2010/main" val="0"/>
-              </a:ext>
-            </a:extLst>
-          </a:blip>
-          <a:srcRect/>
-          <a:stretch>
-            <a:fillRect/>
-          </a:stretch>
-        </p:blipFill>
-        <p:spPr bwMode="auto">
-          <a:xfrm>
-            <a:off x="13468871" y="6698073"/>
-            <a:ext cx="1905000" cy="1905000"/>
-          </a:xfrm>
-          <a:prstGeom prst="rect">
-            <a:avLst/>
-          </a:prstGeom>
-          <a:noFill/>
-          <a:extLst>
-            <a:ext uri="{909E8E84-426E-40DD-AFC4-6F175D3DCCD1}">
-              <a14:hiddenFill xmlns:a14="http://schemas.microsoft.com/office/drawing/2010/main">
-                <a:solidFill>
-                  <a:srgbClr val="FFFFFF"/>
-                </a:solidFill>
-              </a14:hiddenFill>
-            </a:ext>
-          </a:extLst>
-        </p:spPr>
-      </p:pic>
-    </p:spTree>
-    <p:extLst>
-      <p:ext uri="{BB962C8B-B14F-4D97-AF65-F5344CB8AC3E}">
-        <p14:creationId xmlns:p14="http://schemas.microsoft.com/office/powerpoint/2010/main" val="3475677926"/>
-      </p:ext>
-    </p:extLst>
-  </p:cSld>
-  <p:clrMapOvr>
-    <a:masterClrMapping/>
-  </p:clrMapOvr>
-  <mc:AlternateContent xmlns:mc="http://schemas.openxmlformats.org/markup-compatibility/2006" xmlns:p14="http://schemas.microsoft.com/office/powerpoint/2010/main">
-    <mc:Choice Requires="p14">
-      <p:transition spd="slow" p14:dur="1250" advTm="6000">
-        <p14:flip dir="r"/>
-      </p:transition>
-    </mc:Choice>
-    <mc:Fallback xmlns="">
-      <p:transition spd="slow" advTm="6000">
-        <p:fade/>
-      </p:transition>
-    </mc:Fallback>
-  </mc:AlternateContent>
-  <p:timing>
-    <p:tnLst>
-      <p:par>
-        <p:cTn id="1" dur="indefinite" restart="never" nodeType="tmRoot">
-          <p:childTnLst>
-            <p:seq concurrent="1" nextAc="seek">
-              <p:cTn id="2" dur="indefinite" nodeType="mainSeq">
-                <p:childTnLst>
-                  <p:par>
-                    <p:cTn id="3" fill="hold">
-                      <p:stCondLst>
-                        <p:cond delay="indefinite"/>
-                        <p:cond evt="onBegin" delay="0">
-                          <p:tn val="2"/>
-                        </p:cond>
-                      </p:stCondLst>
-                      <p:childTnLst>
-                        <p:par>
-                          <p:cTn id="4" fill="hold">
-                            <p:stCondLst>
-                              <p:cond delay="0"/>
-                            </p:stCondLst>
-                            <p:childTnLst>
-                              <p:par>
-                                <p:cTn id="5" presetID="10" presetClass="entr" presetSubtype="0" fill="hold" grpId="0" nodeType="withEffect">
-                                  <p:stCondLst>
-                                    <p:cond delay="0"/>
-                                  </p:stCondLst>
-                                  <p:childTnLst>
-                                    <p:set>
-                                      <p:cBhvr>
-                                        <p:cTn id="6" dur="1" fill="hold">
-                                          <p:stCondLst>
-                                            <p:cond delay="0"/>
-                                          </p:stCondLst>
-                                        </p:cTn>
-                                        <p:tgtEl>
-                                          <p:spTgt spid="12"/>
-                                        </p:tgtEl>
-                                        <p:attrNameLst>
-                                          <p:attrName>style.visibility</p:attrName>
-                                        </p:attrNameLst>
-                                      </p:cBhvr>
-                                      <p:to>
-                                        <p:strVal val="visible"/>
-                                      </p:to>
-                                    </p:set>
-                                    <p:animEffect transition="in" filter="fade">
-                                      <p:cBhvr>
-                                        <p:cTn id="7" dur="500"/>
-                                        <p:tgtEl>
-                                          <p:spTgt spid="12"/>
-                                        </p:tgtEl>
-                                      </p:cBhvr>
-                                    </p:animEffect>
-                                  </p:childTnLst>
-                                </p:cTn>
-                              </p:par>
-                            </p:childTnLst>
-                          </p:cTn>
-                        </p:par>
-                        <p:par>
-                          <p:cTn id="8" fill="hold">
-                            <p:stCondLst>
-                              <p:cond delay="500"/>
-                            </p:stCondLst>
-                            <p:childTnLst>
-                              <p:par>
-                                <p:cTn id="9" presetID="26" presetClass="emph" presetSubtype="0" repeatCount="3000" fill="hold" grpId="1" nodeType="afterEffect">
-                                  <p:stCondLst>
-                                    <p:cond delay="0"/>
-                                  </p:stCondLst>
-                                  <p:childTnLst>
-                                    <p:animEffect transition="out" filter="fade">
-                                      <p:cBhvr>
-                                        <p:cTn id="10" dur="500" tmFilter="0, 0; .2, .5; .8, .5; 1, 0"/>
-                                        <p:tgtEl>
-                                          <p:spTgt spid="12"/>
-                                        </p:tgtEl>
-                                      </p:cBhvr>
-                                    </p:animEffect>
-                                    <p:animScale>
-                                      <p:cBhvr>
-                                        <p:cTn id="11" dur="250" autoRev="1" fill="hold"/>
-                                        <p:tgtEl>
-                                          <p:spTgt spid="12"/>
-                                        </p:tgtEl>
-                                      </p:cBhvr>
-                                      <p:by x="105000" y="105000"/>
-                                    </p:animScale>
-                                  </p:childTnLst>
-                                </p:cTn>
-                              </p:par>
-                            </p:childTnLst>
-                          </p:cTn>
-                        </p:par>
-                      </p:childTnLst>
-                    </p:cTn>
-                  </p:par>
-                </p:childTnLst>
-              </p:cTn>
-              <p:prevCondLst>
-                <p:cond evt="onPrev" delay="0">
-                  <p:tgtEl>
-                    <p:sldTgt/>
-                  </p:tgtEl>
-                </p:cond>
-              </p:prevCondLst>
-              <p:nextCondLst>
-                <p:cond evt="onNext" delay="0">
-                  <p:tgtEl>
-                    <p:sldTgt/>
-                  </p:tgtEl>
-                </p:cond>
-              </p:nextCondLst>
-            </p:seq>
-          </p:childTnLst>
-        </p:cTn>
-      </p:par>
-    </p:tnLst>
-    <p:bldLst>
-      <p:bldP spid="12" grpId="0"/>
-      <p:bldP spid="12" grpId="1"/>
-    </p:bldLst>
-  </p:timing>
-</p:sld>
-</file>
-
-<file path=ppt/slides/slide6.xml><?xml version="1.0" encoding="utf-8"?>
-<p:sld xmlns:a="http://schemas.openxmlformats.org/drawingml/2006/main" xmlns:r="http://schemas.openxmlformats.org/officeDocument/2006/relationships" xmlns:p="http://schemas.openxmlformats.org/presentationml/2006/main">
-  <p:cSld>
-    <p:bg>
-      <p:bgPr>
-        <a:gradFill flip="none" rotWithShape="1">
-          <a:gsLst>
-            <a:gs pos="0">
-              <a:srgbClr val="B8F34F"/>
-            </a:gs>
-            <a:gs pos="100000">
-              <a:srgbClr val="24BACE"/>
-            </a:gs>
-          </a:gsLst>
-          <a:lin ang="16200000" scaled="1"/>
-          <a:tileRect/>
-        </a:gradFill>
-        <a:effectLst/>
-      </p:bgPr>
-    </p:bg>
-    <p:spTree>
-      <p:nvGrpSpPr>
-        <p:cNvPr id="1" name=""/>
-        <p:cNvGrpSpPr/>
-        <p:nvPr/>
-      </p:nvGrpSpPr>
-      <p:grpSpPr>
-        <a:xfrm>
-          <a:off x="0" y="0"/>
-          <a:ext cx="0" cy="0"/>
-          <a:chOff x="0" y="0"/>
-          <a:chExt cx="0" cy="0"/>
-        </a:xfrm>
-      </p:grpSpPr>
-      <p:pic>
-        <p:nvPicPr>
-          <p:cNvPr id="3" name="Picture 2"/>
-          <p:cNvPicPr>
-            <a:picLocks noChangeAspect="1"/>
-          </p:cNvPicPr>
-          <p:nvPr/>
-        </p:nvPicPr>
-        <p:blipFill>
-          <a:blip r:embed="rId3">
-            <a:duotone>
-              <a:schemeClr val="bg2">
-                <a:shade val="45000"/>
-                <a:satMod val="135000"/>
-              </a:schemeClr>
-              <a:prstClr val="white"/>
-            </a:duotone>
-            <a:extLst>
-              <a:ext uri="{28A0092B-C50C-407E-A947-70E740481C1C}">
-                <a14:useLocalDpi xmlns:a14="http://schemas.microsoft.com/office/drawing/2010/main" val="0"/>
-              </a:ext>
-            </a:extLst>
-          </a:blip>
-          <a:stretch>
-            <a:fillRect/>
-          </a:stretch>
-        </p:blipFill>
-        <p:spPr>
-          <a:xfrm rot="19516514">
-            <a:off x="3269013" y="282025"/>
-            <a:ext cx="8960434" cy="5969888"/>
-          </a:xfrm>
-          <a:prstGeom prst="rect">
-            <a:avLst/>
-          </a:prstGeom>
-          <a:noFill/>
-          <a:effectLst>
-            <a:innerShdw blurRad="63500" dist="50800" dir="16200000">
-              <a:prstClr val="black">
-                <a:alpha val="50000"/>
-              </a:prstClr>
-            </a:innerShdw>
-          </a:effectLst>
-        </p:spPr>
-      </p:pic>
-      <p:pic>
-        <p:nvPicPr>
-          <p:cNvPr id="4" name="Picture 2" descr="Image result for mouse png icon"/>
-          <p:cNvPicPr>
-            <a:picLocks noChangeAspect="1" noChangeArrowheads="1"/>
-          </p:cNvPicPr>
-          <p:nvPr/>
-        </p:nvPicPr>
-        <p:blipFill>
-          <a:blip r:embed="rId4" cstate="print">
-            <a:duotone>
-              <a:schemeClr val="bg2">
-                <a:shade val="45000"/>
-                <a:satMod val="135000"/>
-              </a:schemeClr>
-              <a:prstClr val="white"/>
-            </a:duotone>
-            <a:extLst>
-              <a:ext uri="{28A0092B-C50C-407E-A947-70E740481C1C}">
-                <a14:useLocalDpi xmlns:a14="http://schemas.microsoft.com/office/drawing/2010/main" val="0"/>
-              </a:ext>
-            </a:extLst>
-          </a:blip>
-          <a:srcRect/>
-          <a:stretch>
-            <a:fillRect/>
-          </a:stretch>
-        </p:blipFill>
-        <p:spPr bwMode="auto">
-          <a:xfrm rot="19275716">
-            <a:off x="8286109" y="4344874"/>
-            <a:ext cx="5312806" cy="5312806"/>
-          </a:xfrm>
-          <a:prstGeom prst="rect">
-            <a:avLst/>
-          </a:prstGeom>
-          <a:noFill/>
-          <a:effectLst>
-            <a:innerShdw blurRad="63500" dist="88900" dir="16200000">
-              <a:prstClr val="black">
-                <a:alpha val="50000"/>
-              </a:prstClr>
-            </a:innerShdw>
-          </a:effectLst>
-          <a:extLst>
-            <a:ext uri="{909E8E84-426E-40DD-AFC4-6F175D3DCCD1}">
-              <a14:hiddenFill xmlns:a14="http://schemas.microsoft.com/office/drawing/2010/main">
-                <a:solidFill>
-                  <a:srgbClr val="FFFFFF"/>
-                </a:solidFill>
-              </a14:hiddenFill>
-            </a:ext>
-          </a:extLst>
-        </p:spPr>
-      </p:pic>
-    </p:spTree>
-    <p:extLst>
-      <p:ext uri="{BB962C8B-B14F-4D97-AF65-F5344CB8AC3E}">
-        <p14:creationId xmlns:p14="http://schemas.microsoft.com/office/powerpoint/2010/main" val="947122002"/>
-      </p:ext>
-    </p:extLst>
-  </p:cSld>
-  <p:clrMapOvr>
-    <a:overrideClrMapping bg1="lt1" tx1="dk1" bg2="lt2" tx2="dk2" accent1="accent1" accent2="accent2" accent3="accent3" accent4="accent4" accent5="accent5" accent6="accent6" hlink="hlink" folHlink="folHlink"/>
-  </p:clrMapOvr>
-  <mc:AlternateContent xmlns:mc="http://schemas.openxmlformats.org/markup-compatibility/2006" xmlns:p14="http://schemas.microsoft.com/office/powerpoint/2010/main">
-    <mc:Choice Requires="p14">
-      <p:transition spd="slow" p14:dur="1250" advTm="6000">
-        <p14:flip dir="r"/>
-      </p:transition>
-    </mc:Choice>
-    <mc:Fallback xmlns="">
-      <p:transition spd="slow" advTm="6000">
-        <p:fade/>
-      </p:transition>
-    </mc:Fallback>
-  </mc:AlternateContent>
-  <p:timing>
-    <p:tnLst>
-      <p:par>
-        <p:cTn id="1" dur="indefinite" restart="never" nodeType="tmRoot"/>
-      </p:par>
-    </p:tnLst>
-  </p:timing>
-</p:sld>
-</file>
-
-<file path=ppt/slides/slide7.xml><?xml version="1.0" encoding="utf-8"?>
-<p:sld xmlns:a="http://schemas.openxmlformats.org/drawingml/2006/main" xmlns:r="http://schemas.openxmlformats.org/officeDocument/2006/relationships" xmlns:p="http://schemas.openxmlformats.org/presentationml/2006/main">
-  <p:cSld>
-    <p:bg>
-      <p:bgPr>
-        <a:solidFill>
-          <a:schemeClr val="bg1">
-            <a:lumMod val="50000"/>
-          </a:schemeClr>
-        </a:solidFill>
-        <a:effectLst/>
-      </p:bgPr>
-    </p:bg>
-    <p:spTree>
-      <p:nvGrpSpPr>
-        <p:cNvPr id="1" name=""/>
-        <p:cNvGrpSpPr/>
-        <p:nvPr/>
-      </p:nvGrpSpPr>
-      <p:grpSpPr>
-        <a:xfrm>
-          <a:off x="0" y="0"/>
-          <a:ext cx="0" cy="0"/>
-          <a:chOff x="0" y="0"/>
-          <a:chExt cx="0" cy="0"/>
-        </a:xfrm>
-      </p:grpSpPr>
-      <p:sp>
-        <p:nvSpPr>
-          <p:cNvPr id="7" name="Rectangle 6"/>
-          <p:cNvSpPr/>
-          <p:nvPr/>
-        </p:nvSpPr>
-        <p:spPr>
-          <a:xfrm>
-            <a:off x="3371851" y="2743959"/>
-            <a:ext cx="12395198" cy="4570482"/>
-          </a:xfrm>
-          <a:prstGeom prst="rect">
-            <a:avLst/>
-          </a:prstGeom>
-          <a:noFill/>
-        </p:spPr>
-        <p:txBody>
-          <a:bodyPr wrap="square" lIns="91440" tIns="45720" rIns="91440" bIns="45720">
-            <a:spAutoFit/>
-          </a:bodyPr>
-          <a:lstStyle/>
-          <a:p>
-            <a:pPr>
-              <a:lnSpc>
-                <a:spcPct val="150000"/>
-              </a:lnSpc>
-            </a:pPr>
-            <a:r>
-              <a:rPr lang="en-US" sz="5400" dirty="0" smtClean="0">
-                <a:ln w="0"/>
-                <a:solidFill>
-                  <a:schemeClr val="bg1"/>
-                </a:solidFill>
-                <a:effectLst/>
-                <a:latin typeface="Century Gothic" panose="020B0502020202020204" pitchFamily="34" charset="0"/>
-              </a:rPr>
-              <a:t>SHIPPING LABELS</a:t>
-            </a:r>
-          </a:p>
-          <a:p>
-            <a:pPr>
-              <a:lnSpc>
-                <a:spcPct val="150000"/>
-              </a:lnSpc>
-            </a:pPr>
-            <a:r>
-              <a:rPr lang="en-US" sz="4000" dirty="0" smtClean="0">
-                <a:ln w="0"/>
-                <a:solidFill>
-                  <a:srgbClr val="B2B2B2"/>
-                </a:solidFill>
-                <a:effectLst/>
-                <a:latin typeface="Century Gothic" panose="020B0502020202020204" pitchFamily="34" charset="0"/>
-              </a:rPr>
-              <a:t>WHEN </a:t>
-            </a:r>
-            <a:r>
-              <a:rPr lang="en-US" sz="4000" dirty="0">
-                <a:ln w="0"/>
-                <a:solidFill>
-                  <a:srgbClr val="92D050"/>
-                </a:solidFill>
-                <a:effectLst/>
-                <a:latin typeface="Century Gothic" panose="020B0502020202020204" pitchFamily="34" charset="0"/>
-              </a:rPr>
-              <a:t>PRINTING LABELS</a:t>
-            </a:r>
-            <a:r>
-              <a:rPr lang="en-US" sz="4000" dirty="0">
-                <a:ln w="0"/>
-                <a:solidFill>
-                  <a:prstClr val="white"/>
-                </a:solidFill>
-                <a:effectLst/>
-                <a:latin typeface="Century Gothic" panose="020B0502020202020204" pitchFamily="34" charset="0"/>
-              </a:rPr>
-              <a:t> </a:t>
-            </a:r>
-          </a:p>
-          <a:p>
-            <a:pPr>
-              <a:lnSpc>
-                <a:spcPct val="150000"/>
-              </a:lnSpc>
-            </a:pPr>
-            <a:r>
-              <a:rPr lang="en-US" sz="6000" b="1" dirty="0">
-                <a:ln w="0"/>
-                <a:solidFill>
-                  <a:prstClr val="white"/>
-                </a:solidFill>
-                <a:effectLst>
-                  <a:outerShdw blurRad="50800" dist="38100" dir="5400000" algn="t" rotWithShape="0">
-                    <a:prstClr val="black">
-                      <a:alpha val="40000"/>
-                    </a:prstClr>
-                  </a:outerShdw>
-                </a:effectLst>
-                <a:latin typeface="Century Gothic" panose="020B0502020202020204" pitchFamily="34" charset="0"/>
-              </a:rPr>
-              <a:t>ALWAYS</a:t>
-            </a:r>
-            <a:r>
-              <a:rPr lang="en-US" sz="6000" dirty="0">
-                <a:ln w="0"/>
-                <a:solidFill>
-                  <a:prstClr val="white"/>
-                </a:solidFill>
-                <a:effectLst/>
-                <a:latin typeface="Century Gothic" panose="020B0502020202020204" pitchFamily="34" charset="0"/>
-              </a:rPr>
-              <a:t> </a:t>
-            </a:r>
-            <a:r>
-              <a:rPr lang="en-US" sz="4800" dirty="0" smtClean="0">
-                <a:ln w="0"/>
-                <a:solidFill>
-                  <a:schemeClr val="accent4">
-                    <a:lumMod val="60000"/>
-                    <a:lumOff val="40000"/>
-                  </a:schemeClr>
-                </a:solidFill>
-                <a:effectLst/>
-                <a:latin typeface="Century Gothic" panose="020B0502020202020204" pitchFamily="34" charset="0"/>
-              </a:rPr>
-              <a:t>USE </a:t>
-            </a:r>
-            <a:r>
-              <a:rPr lang="en-US" sz="4800" dirty="0">
-                <a:ln w="0"/>
-                <a:solidFill>
-                  <a:schemeClr val="accent4">
-                    <a:lumMod val="60000"/>
-                    <a:lumOff val="40000"/>
-                  </a:schemeClr>
-                </a:solidFill>
-                <a:effectLst/>
-                <a:latin typeface="Century Gothic" panose="020B0502020202020204" pitchFamily="34" charset="0"/>
-              </a:rPr>
-              <a:t>A BLANK TEMPLATE</a:t>
-            </a:r>
-            <a:r>
-              <a:rPr lang="en-US" sz="4800" dirty="0">
-                <a:ln w="0"/>
-                <a:solidFill>
-                  <a:prstClr val="white"/>
-                </a:solidFill>
-                <a:effectLst/>
-                <a:latin typeface="Century Gothic" panose="020B0502020202020204" pitchFamily="34" charset="0"/>
-              </a:rPr>
-              <a:t> </a:t>
-            </a:r>
-          </a:p>
-          <a:p>
-            <a:pPr>
-              <a:lnSpc>
-                <a:spcPct val="150000"/>
-              </a:lnSpc>
-            </a:pPr>
-            <a:r>
-              <a:rPr lang="en-US" sz="4000" dirty="0">
-                <a:ln w="0"/>
-                <a:solidFill>
-                  <a:srgbClr val="B2B2B2"/>
-                </a:solidFill>
-                <a:effectLst/>
-                <a:latin typeface="Century Gothic" panose="020B0502020202020204" pitchFamily="34" charset="0"/>
-              </a:rPr>
-              <a:t>AND COMPARE INFORMATION ON </a:t>
-            </a:r>
-            <a:r>
-              <a:rPr lang="en-US" sz="4000" dirty="0">
-                <a:ln w="0"/>
-                <a:solidFill>
-                  <a:schemeClr val="accent4">
-                    <a:lumMod val="60000"/>
-                    <a:lumOff val="40000"/>
-                  </a:schemeClr>
-                </a:solidFill>
-                <a:effectLst/>
-                <a:latin typeface="Century Gothic" panose="020B0502020202020204" pitchFamily="34" charset="0"/>
-              </a:rPr>
-              <a:t>SALES ORDER</a:t>
-            </a:r>
-            <a:endParaRPr lang="en-US" sz="3200" dirty="0">
-              <a:ln w="0"/>
-              <a:solidFill>
-                <a:schemeClr val="accent4">
-                  <a:lumMod val="60000"/>
-                  <a:lumOff val="40000"/>
-                </a:schemeClr>
-              </a:solidFill>
-              <a:effectLst/>
-              <a:latin typeface="Century Gothic" panose="020B0502020202020204" pitchFamily="34" charset="0"/>
-            </a:endParaRPr>
-          </a:p>
-        </p:txBody>
-      </p:sp>
-      <p:pic>
-        <p:nvPicPr>
-          <p:cNvPr id="13" name="Picture 6" descr="Image result for document png icon"/>
-          <p:cNvPicPr>
-            <a:picLocks noChangeAspect="1" noChangeArrowheads="1"/>
-          </p:cNvPicPr>
-          <p:nvPr/>
-        </p:nvPicPr>
-        <p:blipFill>
-          <a:blip r:embed="rId2" cstate="print">
-            <a:lum bright="70000" contrast="-70000"/>
-            <a:extLst>
-              <a:ext uri="{28A0092B-C50C-407E-A947-70E740481C1C}">
-                <a14:useLocalDpi xmlns:a14="http://schemas.microsoft.com/office/drawing/2010/main" val="0"/>
-              </a:ext>
-            </a:extLst>
-          </a:blip>
-          <a:srcRect/>
-          <a:stretch>
-            <a:fillRect/>
-          </a:stretch>
-        </p:blipFill>
-        <p:spPr bwMode="auto">
-          <a:xfrm>
-            <a:off x="11820521" y="1333500"/>
-            <a:ext cx="3695700" cy="3695700"/>
-          </a:xfrm>
-          <a:prstGeom prst="rect">
-            <a:avLst/>
-          </a:prstGeom>
-          <a:noFill/>
-          <a:extLst>
-            <a:ext uri="{909E8E84-426E-40DD-AFC4-6F175D3DCCD1}">
-              <a14:hiddenFill xmlns:a14="http://schemas.microsoft.com/office/drawing/2010/main">
-                <a:solidFill>
-                  <a:srgbClr val="FFFFFF"/>
-                </a:solidFill>
-              </a14:hiddenFill>
-            </a:ext>
-          </a:extLst>
-        </p:spPr>
-      </p:pic>
-    </p:spTree>
-    <p:extLst>
-      <p:ext uri="{BB962C8B-B14F-4D97-AF65-F5344CB8AC3E}">
-        <p14:creationId xmlns:p14="http://schemas.microsoft.com/office/powerpoint/2010/main" val="305917938"/>
-      </p:ext>
-    </p:extLst>
-  </p:cSld>
-  <p:clrMapOvr>
-    <a:masterClrMapping/>
-  </p:clrMapOvr>
-  <mc:AlternateContent xmlns:mc="http://schemas.openxmlformats.org/markup-compatibility/2006" xmlns:p14="http://schemas.microsoft.com/office/powerpoint/2010/main">
-    <mc:Choice Requires="p14">
-      <p:transition spd="slow" p14:dur="1250" advTm="6000">
-        <p14:flip dir="r"/>
-      </p:transition>
-    </mc:Choice>
-    <mc:Fallback xmlns="">
-      <p:transition spd="slow" advTm="6000">
-        <p:fade/>
-      </p:transition>
-    </mc:Fallback>
-  </mc:AlternateContent>
-  <p:timing>
-    <p:tnLst>
-      <p:par>
-        <p:cTn id="1" dur="indefinite" restart="never" nodeType="tmRoot">
-          <p:childTnLst>
-            <p:seq concurrent="1" nextAc="seek">
-              <p:cTn id="2" dur="indefinite" nodeType="mainSeq">
-                <p:childTnLst>
-                  <p:par>
-                    <p:cTn id="3" fill="hold">
-                      <p:stCondLst>
-                        <p:cond delay="indefinite"/>
-                        <p:cond evt="onBegin" delay="0">
-                          <p:tn val="2"/>
-                        </p:cond>
-                      </p:stCondLst>
-                      <p:childTnLst>
-                        <p:par>
-                          <p:cTn id="4" fill="hold">
-                            <p:stCondLst>
-                              <p:cond delay="0"/>
-                            </p:stCondLst>
-                            <p:childTnLst>
-                              <p:par>
-                                <p:cTn id="5" presetID="10" presetClass="entr" presetSubtype="0" fill="hold" grpId="0" nodeType="withEffect">
-                                  <p:stCondLst>
-                                    <p:cond delay="0"/>
-                                  </p:stCondLst>
-                                  <p:childTnLst>
-                                    <p:set>
-                                      <p:cBhvr>
-                                        <p:cTn id="6" dur="1" fill="hold">
-                                          <p:stCondLst>
-                                            <p:cond delay="0"/>
-                                          </p:stCondLst>
-                                        </p:cTn>
-                                        <p:tgtEl>
-                                          <p:spTgt spid="7"/>
-                                        </p:tgtEl>
-                                        <p:attrNameLst>
-                                          <p:attrName>style.visibility</p:attrName>
-                                        </p:attrNameLst>
-                                      </p:cBhvr>
-                                      <p:to>
-                                        <p:strVal val="visible"/>
-                                      </p:to>
-                                    </p:set>
-                                    <p:animEffect transition="in" filter="fade">
-                                      <p:cBhvr>
-                                        <p:cTn id="7" dur="500"/>
-                                        <p:tgtEl>
-                                          <p:spTgt spid="7"/>
-                                        </p:tgtEl>
-                                      </p:cBhvr>
-                                    </p:animEffect>
-                                  </p:childTnLst>
-                                </p:cTn>
-                              </p:par>
-                            </p:childTnLst>
-                          </p:cTn>
-                        </p:par>
-                        <p:par>
-                          <p:cTn id="8" fill="hold">
-                            <p:stCondLst>
-                              <p:cond delay="500"/>
-                            </p:stCondLst>
-                            <p:childTnLst>
-                              <p:par>
-                                <p:cTn id="9" presetID="26" presetClass="emph" presetSubtype="0" repeatCount="3000" fill="hold" grpId="1" nodeType="afterEffect">
-                                  <p:stCondLst>
-                                    <p:cond delay="0"/>
-                                  </p:stCondLst>
-                                  <p:childTnLst>
-                                    <p:animEffect transition="out" filter="fade">
-                                      <p:cBhvr>
-                                        <p:cTn id="10" dur="500" tmFilter="0, 0; .2, .5; .8, .5; 1, 0"/>
-                                        <p:tgtEl>
-                                          <p:spTgt spid="7"/>
-                                        </p:tgtEl>
-                                      </p:cBhvr>
-                                    </p:animEffect>
-                                    <p:animScale>
-                                      <p:cBhvr>
-                                        <p:cTn id="11" dur="250" autoRev="1" fill="hold"/>
-                                        <p:tgtEl>
-                                          <p:spTgt spid="7"/>
-                                        </p:tgtEl>
-                                      </p:cBhvr>
-                                      <p:by x="105000" y="105000"/>
-                                    </p:animScale>
-                                  </p:childTnLst>
-                                </p:cTn>
-                              </p:par>
-                            </p:childTnLst>
-                          </p:cTn>
-                        </p:par>
-                      </p:childTnLst>
-                    </p:cTn>
-                  </p:par>
-                </p:childTnLst>
-              </p:cTn>
-              <p:prevCondLst>
-                <p:cond evt="onPrev" delay="0">
-                  <p:tgtEl>
-                    <p:sldTgt/>
-                  </p:tgtEl>
-                </p:cond>
-              </p:prevCondLst>
-              <p:nextCondLst>
-                <p:cond evt="onNext" delay="0">
-                  <p:tgtEl>
-                    <p:sldTgt/>
-                  </p:tgtEl>
-                </p:cond>
-              </p:nextCondLst>
-            </p:seq>
-          </p:childTnLst>
-        </p:cTn>
-      </p:par>
-    </p:tnLst>
-    <p:bldLst>
-      <p:bldP spid="7" grpId="0"/>
-      <p:bldP spid="7" grpId="1"/>
-    </p:bldLst>
-  </p:timing>
-</p:sld>
-</file>
-
-<file path=ppt/slides/slide8.xml><?xml version="1.0" encoding="utf-8"?>
-<p:sld xmlns:a="http://schemas.openxmlformats.org/drawingml/2006/main" xmlns:r="http://schemas.openxmlformats.org/officeDocument/2006/relationships" xmlns:p="http://schemas.openxmlformats.org/presentationml/2006/main">
-  <p:cSld>
-    <p:bg>
-      <p:bgPr>
-        <a:gradFill flip="none" rotWithShape="1">
-          <a:gsLst>
-            <a:gs pos="0">
-              <a:srgbClr val="B8F34F"/>
-            </a:gs>
-            <a:gs pos="100000">
-              <a:srgbClr val="24BACE"/>
-            </a:gs>
-          </a:gsLst>
-          <a:lin ang="16200000" scaled="1"/>
-          <a:tileRect/>
-        </a:gradFill>
-        <a:effectLst/>
-      </p:bgPr>
-    </p:bg>
-    <p:spTree>
-      <p:nvGrpSpPr>
-        <p:cNvPr id="1" name=""/>
-        <p:cNvGrpSpPr/>
-        <p:nvPr/>
-      </p:nvGrpSpPr>
-      <p:grpSpPr>
-        <a:xfrm>
-          <a:off x="0" y="0"/>
-          <a:ext cx="0" cy="0"/>
-          <a:chOff x="0" y="0"/>
-          <a:chExt cx="0" cy="0"/>
-        </a:xfrm>
-      </p:grpSpPr>
-      <p:pic>
-        <p:nvPicPr>
-          <p:cNvPr id="3" name="Picture 4" descr="Image result for LABEL ICON PNG"/>
-          <p:cNvPicPr>
-            <a:picLocks noChangeAspect="1" noChangeArrowheads="1"/>
-          </p:cNvPicPr>
-          <p:nvPr/>
-        </p:nvPicPr>
-        <p:blipFill>
-          <a:blip r:embed="rId3">
-            <a:duotone>
-              <a:schemeClr val="bg2">
-                <a:shade val="45000"/>
-                <a:satMod val="135000"/>
-              </a:schemeClr>
-              <a:prstClr val="white"/>
-            </a:duotone>
-            <a:extLst>
-              <a:ext uri="{28A0092B-C50C-407E-A947-70E740481C1C}">
-                <a14:useLocalDpi xmlns:a14="http://schemas.microsoft.com/office/drawing/2010/main" val="0"/>
-              </a:ext>
-            </a:extLst>
-          </a:blip>
-          <a:srcRect/>
-          <a:stretch>
-            <a:fillRect/>
-          </a:stretch>
-        </p:blipFill>
-        <p:spPr bwMode="auto">
-          <a:xfrm>
-            <a:off x="4298566" y="386966"/>
-            <a:ext cx="9284467" cy="9284468"/>
-          </a:xfrm>
-          <a:prstGeom prst="rect">
-            <a:avLst/>
-          </a:prstGeom>
-          <a:noFill/>
-          <a:effectLst>
-            <a:innerShdw blurRad="63500" dist="88900" dir="16200000">
-              <a:prstClr val="black">
-                <a:alpha val="50000"/>
-              </a:prstClr>
-            </a:innerShdw>
-          </a:effectLst>
-          <a:extLst>
-            <a:ext uri="{909E8E84-426E-40DD-AFC4-6F175D3DCCD1}">
-              <a14:hiddenFill xmlns:a14="http://schemas.microsoft.com/office/drawing/2010/main">
-                <a:solidFill>
-                  <a:srgbClr val="FFFFFF"/>
-                </a:solidFill>
-              </a14:hiddenFill>
-            </a:ext>
-          </a:extLst>
-        </p:spPr>
-      </p:pic>
-    </p:spTree>
-    <p:extLst>
-      <p:ext uri="{BB962C8B-B14F-4D97-AF65-F5344CB8AC3E}">
-        <p14:creationId xmlns:p14="http://schemas.microsoft.com/office/powerpoint/2010/main" val="3138983934"/>
-      </p:ext>
-    </p:extLst>
-  </p:cSld>
-  <p:clrMapOvr>
-    <a:overrideClrMapping bg1="lt1" tx1="dk1" bg2="lt2" tx2="dk2" accent1="accent1" accent2="accent2" accent3="accent3" accent4="accent4" accent5="accent5" accent6="accent6" hlink="hlink" folHlink="folHlink"/>
-  </p:clrMapOvr>
-  <mc:AlternateContent xmlns:mc="http://schemas.openxmlformats.org/markup-compatibility/2006" xmlns:p14="http://schemas.microsoft.com/office/powerpoint/2010/main">
-    <mc:Choice Requires="p14">
-      <p:transition spd="slow" p14:dur="1250" advTm="6000">
-        <p14:flip dir="r"/>
-      </p:transition>
-    </mc:Choice>
-    <mc:Fallback xmlns="">
-      <p:transition spd="slow" advTm="6000">
-        <p:fade/>
-      </p:transition>
-    </mc:Fallback>
-  </mc:AlternateContent>
-  <p:timing>
-    <p:tnLst>
-      <p:par>
-        <p:cTn id="1" dur="indefinite" restart="never" nodeType="tmRoot"/>
-      </p:par>
-    </p:tnLst>
-  </p:timing>
-</p:sld>
-</file>
-
-<file path=ppt/slides/slide9.xml><?xml version="1.0" encoding="utf-8"?>
-<p:sld xmlns:a="http://schemas.openxmlformats.org/drawingml/2006/main" xmlns:r="http://schemas.openxmlformats.org/officeDocument/2006/relationships" xmlns:p="http://schemas.openxmlformats.org/presentationml/2006/main">
-  <p:cSld>
-    <p:bg>
-      <p:bgPr>
-        <a:solidFill>
-          <a:schemeClr val="bg1">
-            <a:lumMod val="50000"/>
-          </a:schemeClr>
-        </a:solidFill>
-        <a:effectLst/>
-      </p:bgPr>
-    </p:bg>
-    <p:spTree>
-      <p:nvGrpSpPr>
-        <p:cNvPr id="1" name=""/>
-        <p:cNvGrpSpPr/>
-        <p:nvPr/>
-      </p:nvGrpSpPr>
-      <p:grpSpPr>
-        <a:xfrm>
-          <a:off x="0" y="0"/>
-          <a:ext cx="0" cy="0"/>
-          <a:chOff x="0" y="0"/>
-          <a:chExt cx="0" cy="0"/>
-        </a:xfrm>
-      </p:grpSpPr>
-      <p:sp>
-        <p:nvSpPr>
-          <p:cNvPr id="6" name="Rectangle 5"/>
-          <p:cNvSpPr/>
-          <p:nvPr/>
-        </p:nvSpPr>
-        <p:spPr>
-          <a:xfrm>
-            <a:off x="3311884" y="3425956"/>
-            <a:ext cx="8615711" cy="4524315"/>
-          </a:xfrm>
-          <a:prstGeom prst="rect">
-            <a:avLst/>
-          </a:prstGeom>
-          <a:noFill/>
-          <a:effectLst/>
-        </p:spPr>
-        <p:txBody>
-          <a:bodyPr wrap="square" lIns="91440" tIns="45720" rIns="91440" bIns="45720">
-            <a:spAutoFit/>
-          </a:bodyPr>
-          <a:lstStyle/>
-          <a:p>
-            <a:r>
-              <a:rPr lang="en-US" sz="6600" dirty="0" smtClean="0">
-                <a:ln w="0"/>
-                <a:solidFill>
-                  <a:schemeClr val="bg1"/>
-                </a:solidFill>
-                <a:latin typeface="Century Gothic" panose="020B0502020202020204" pitchFamily="34" charset="0"/>
-              </a:rPr>
-              <a:t>DO</a:t>
-            </a:r>
-            <a:r>
-              <a:rPr lang="en-US" sz="6600" dirty="0" smtClean="0">
-                <a:ln w="0"/>
-                <a:solidFill>
-                  <a:srgbClr val="B2B2B2"/>
-                </a:solidFill>
-                <a:latin typeface="Century Gothic" panose="020B0502020202020204" pitchFamily="34" charset="0"/>
-              </a:rPr>
-              <a:t> </a:t>
-            </a:r>
-            <a:r>
-              <a:rPr lang="en-US" sz="7200" dirty="0">
-                <a:ln w="0"/>
-                <a:solidFill>
-                  <a:schemeClr val="bg1"/>
-                </a:solidFill>
-                <a:effectLst>
-                  <a:outerShdw blurRad="50800" dist="38100" dir="5400000" algn="t" rotWithShape="0">
-                    <a:prstClr val="black">
-                      <a:alpha val="40000"/>
-                    </a:prstClr>
-                  </a:outerShdw>
-                </a:effectLst>
-                <a:latin typeface="Century Gothic" panose="020B0502020202020204" pitchFamily="34" charset="0"/>
-              </a:rPr>
-              <a:t>NOT</a:t>
-            </a:r>
-            <a:r>
-              <a:rPr lang="en-US" sz="7200" dirty="0">
-                <a:ln w="0"/>
-                <a:solidFill>
-                  <a:srgbClr val="B2B2B2"/>
-                </a:solidFill>
-                <a:effectLst>
-                  <a:outerShdw blurRad="50800" dist="38100" dir="5400000" algn="t" rotWithShape="0">
-                    <a:prstClr val="black">
-                      <a:alpha val="40000"/>
-                    </a:prstClr>
-                  </a:outerShdw>
-                </a:effectLst>
-                <a:latin typeface="Century Gothic" panose="020B0502020202020204" pitchFamily="34" charset="0"/>
-              </a:rPr>
-              <a:t> </a:t>
-            </a:r>
-            <a:r>
-              <a:rPr lang="en-US" sz="7200" b="1" dirty="0">
-                <a:ln w="0"/>
-                <a:solidFill>
-                  <a:srgbClr val="FFC000"/>
-                </a:solidFill>
-                <a:effectLst>
-                  <a:outerShdw blurRad="50800" dist="38100" dir="5400000" algn="t" rotWithShape="0">
-                    <a:prstClr val="black">
-                      <a:alpha val="40000"/>
-                    </a:prstClr>
-                  </a:outerShdw>
-                </a:effectLst>
-                <a:latin typeface="Century Gothic" panose="020B0502020202020204" pitchFamily="34" charset="0"/>
-              </a:rPr>
-              <a:t>PACK</a:t>
-            </a:r>
-            <a:r>
-              <a:rPr lang="en-US" sz="6600" dirty="0">
-                <a:ln w="0"/>
-                <a:solidFill>
-                  <a:schemeClr val="bg1"/>
-                </a:solidFill>
-                <a:effectLst>
-                  <a:outerShdw blurRad="50800" dist="38100" dir="5400000" algn="t" rotWithShape="0">
-                    <a:prstClr val="black">
-                      <a:alpha val="40000"/>
-                    </a:prstClr>
-                  </a:outerShdw>
-                </a:effectLst>
-                <a:latin typeface="Century Gothic" panose="020B0502020202020204" pitchFamily="34" charset="0"/>
-              </a:rPr>
-              <a:t> </a:t>
-            </a:r>
-            <a:r>
-              <a:rPr lang="en-US" sz="6600" dirty="0">
-                <a:ln w="0"/>
-                <a:solidFill>
-                  <a:srgbClr val="B2B2B2"/>
-                </a:solidFill>
-                <a:latin typeface="Century Gothic" panose="020B0502020202020204" pitchFamily="34" charset="0"/>
-              </a:rPr>
-              <a:t>ANY </a:t>
-            </a:r>
-          </a:p>
-          <a:p>
-            <a:r>
-              <a:rPr lang="en-US" sz="7200" dirty="0" smtClean="0">
-                <a:ln w="0"/>
-                <a:solidFill>
-                  <a:srgbClr val="B2B2B2"/>
-                </a:solidFill>
-                <a:latin typeface="Century Gothic" panose="020B0502020202020204" pitchFamily="34" charset="0"/>
-              </a:rPr>
-              <a:t>PRODUCT</a:t>
-            </a:r>
-            <a:endParaRPr lang="en-US" sz="5400" dirty="0" smtClean="0">
-              <a:ln w="0"/>
-              <a:solidFill>
-                <a:srgbClr val="B2B2B2"/>
-              </a:solidFill>
-              <a:latin typeface="Century Gothic" panose="020B0502020202020204" pitchFamily="34" charset="0"/>
-            </a:endParaRPr>
-          </a:p>
-          <a:p>
-            <a:r>
-              <a:rPr lang="en-US" sz="7200" b="1" dirty="0" smtClean="0">
-                <a:ln w="0"/>
-                <a:solidFill>
-                  <a:srgbClr val="FFC000"/>
-                </a:solidFill>
-                <a:effectLst>
-                  <a:outerShdw blurRad="50800" dist="38100" dir="5400000" algn="t" rotWithShape="0">
-                    <a:prstClr val="black">
-                      <a:alpha val="40000"/>
-                    </a:prstClr>
-                  </a:outerShdw>
-                </a:effectLst>
-                <a:latin typeface="Century Gothic" panose="020B0502020202020204" pitchFamily="34" charset="0"/>
-              </a:rPr>
-              <a:t>WITHOUT</a:t>
-            </a:r>
-            <a:r>
-              <a:rPr lang="en-US" sz="6600" dirty="0" smtClean="0">
-                <a:ln w="0"/>
-                <a:solidFill>
-                  <a:schemeClr val="bg1"/>
-                </a:solidFill>
-                <a:latin typeface="Century Gothic" panose="020B0502020202020204" pitchFamily="34" charset="0"/>
-              </a:rPr>
-              <a:t> </a:t>
-            </a:r>
-            <a:r>
-              <a:rPr lang="en-US" sz="6600" dirty="0">
-                <a:ln w="0"/>
-                <a:solidFill>
-                  <a:schemeClr val="bg1"/>
-                </a:solidFill>
-                <a:latin typeface="Century Gothic" panose="020B0502020202020204" pitchFamily="34" charset="0"/>
-              </a:rPr>
-              <a:t>A PROPER </a:t>
-            </a:r>
-            <a:r>
-              <a:rPr lang="en-US" sz="7200" b="1" dirty="0" smtClean="0">
-                <a:ln w="0"/>
-                <a:solidFill>
-                  <a:srgbClr val="92D050"/>
-                </a:solidFill>
-                <a:effectLst>
-                  <a:outerShdw blurRad="50800" dist="38100" dir="5400000" algn="t" rotWithShape="0">
-                    <a:prstClr val="black">
-                      <a:alpha val="40000"/>
-                    </a:prstClr>
-                  </a:outerShdw>
-                </a:effectLst>
-                <a:latin typeface="Century Gothic" panose="020B0502020202020204" pitchFamily="34" charset="0"/>
-              </a:rPr>
-              <a:t>QC</a:t>
-            </a:r>
-            <a:endParaRPr lang="en-US" sz="7200" b="1" dirty="0">
-              <a:ln w="0"/>
-              <a:solidFill>
-                <a:srgbClr val="92D050"/>
-              </a:solidFill>
-              <a:effectLst>
-                <a:outerShdw blurRad="50800" dist="38100" dir="5400000" algn="t" rotWithShape="0">
-                  <a:prstClr val="black">
-                    <a:alpha val="40000"/>
-                  </a:prstClr>
-                </a:outerShdw>
-              </a:effectLst>
-              <a:latin typeface="Century Gothic" panose="020B0502020202020204" pitchFamily="34" charset="0"/>
-            </a:endParaRPr>
-          </a:p>
-        </p:txBody>
-      </p:sp>
-      <p:pic>
-        <p:nvPicPr>
-          <p:cNvPr id="13314" name="Picture 2" descr="Image result for BOX PNG ICON"/>
-          <p:cNvPicPr>
-            <a:picLocks noChangeAspect="1" noChangeArrowheads="1"/>
-          </p:cNvPicPr>
-          <p:nvPr/>
-        </p:nvPicPr>
-        <p:blipFill>
-          <a:blip r:embed="rId2" cstate="print">
-            <a:duotone>
-              <a:schemeClr val="accent4">
-                <a:shade val="45000"/>
-                <a:satMod val="135000"/>
-              </a:schemeClr>
-              <a:prstClr val="white"/>
-            </a:duotone>
-            <a:extLst>
-              <a:ext uri="{28A0092B-C50C-407E-A947-70E740481C1C}">
-                <a14:useLocalDpi xmlns:a14="http://schemas.microsoft.com/office/drawing/2010/main" val="0"/>
-              </a:ext>
-            </a:extLst>
-          </a:blip>
-          <a:srcRect/>
-          <a:stretch>
-            <a:fillRect/>
-          </a:stretch>
-        </p:blipFill>
-        <p:spPr bwMode="auto">
-          <a:xfrm>
-            <a:off x="12341391" y="4922012"/>
-            <a:ext cx="3698709" cy="3574288"/>
-          </a:xfrm>
-          <a:prstGeom prst="rect">
-            <a:avLst/>
-          </a:prstGeom>
-          <a:noFill/>
-          <a:extLst>
-            <a:ext uri="{909E8E84-426E-40DD-AFC4-6F175D3DCCD1}">
-              <a14:hiddenFill xmlns:a14="http://schemas.microsoft.com/office/drawing/2010/main">
-                <a:solidFill>
-                  <a:srgbClr val="FFFFFF"/>
-                </a:solidFill>
-              </a14:hiddenFill>
-            </a:ext>
-          </a:extLst>
-        </p:spPr>
-      </p:pic>
-      <p:pic>
-        <p:nvPicPr>
-          <p:cNvPr id="13316" name="Picture 4" descr="Image result for LAPTOP PNG ICON"/>
-          <p:cNvPicPr>
-            <a:picLocks noChangeAspect="1" noChangeArrowheads="1"/>
-          </p:cNvPicPr>
-          <p:nvPr/>
-        </p:nvPicPr>
-        <p:blipFill>
-          <a:blip r:embed="rId3" cstate="print">
-            <a:duotone>
-              <a:schemeClr val="bg2">
-                <a:shade val="45000"/>
-                <a:satMod val="135000"/>
-              </a:schemeClr>
-              <a:prstClr val="white"/>
-            </a:duotone>
-            <a:extLst>
-              <a:ext uri="{28A0092B-C50C-407E-A947-70E740481C1C}">
-                <a14:useLocalDpi xmlns:a14="http://schemas.microsoft.com/office/drawing/2010/main" val="0"/>
-              </a:ext>
-            </a:extLst>
-          </a:blip>
-          <a:srcRect/>
-          <a:stretch>
-            <a:fillRect/>
-          </a:stretch>
-        </p:blipFill>
-        <p:spPr bwMode="auto">
-          <a:xfrm>
-            <a:off x="13119254" y="2818271"/>
-            <a:ext cx="1829929" cy="1829929"/>
-          </a:xfrm>
-          <a:prstGeom prst="rect">
-            <a:avLst/>
-          </a:prstGeom>
-          <a:noFill/>
-          <a:extLst>
-            <a:ext uri="{909E8E84-426E-40DD-AFC4-6F175D3DCCD1}">
-              <a14:hiddenFill xmlns:a14="http://schemas.microsoft.com/office/drawing/2010/main">
-                <a:solidFill>
-                  <a:srgbClr val="FFFFFF"/>
-                </a:solidFill>
-              </a14:hiddenFill>
-            </a:ext>
-          </a:extLst>
-        </p:spPr>
-      </p:pic>
-      <p:pic>
-        <p:nvPicPr>
-          <p:cNvPr id="13318" name="Picture 6" descr="Image result for MONITOR PNG ICON"/>
-          <p:cNvPicPr>
-            <a:picLocks noChangeAspect="1" noChangeArrowheads="1"/>
-          </p:cNvPicPr>
-          <p:nvPr/>
-        </p:nvPicPr>
-        <p:blipFill>
-          <a:blip r:embed="rId4" cstate="print">
-            <a:lum bright="70000" contrast="-70000"/>
-            <a:extLst>
-              <a:ext uri="{28A0092B-C50C-407E-A947-70E740481C1C}">
-                <a14:useLocalDpi xmlns:a14="http://schemas.microsoft.com/office/drawing/2010/main" val="0"/>
-              </a:ext>
-            </a:extLst>
-          </a:blip>
-          <a:srcRect/>
-          <a:stretch>
-            <a:fillRect/>
-          </a:stretch>
-        </p:blipFill>
-        <p:spPr bwMode="auto">
-          <a:xfrm>
-            <a:off x="11414331" y="1943100"/>
-            <a:ext cx="1482856" cy="1482856"/>
-          </a:xfrm>
-          <a:prstGeom prst="rect">
-            <a:avLst/>
-          </a:prstGeom>
-          <a:noFill/>
-          <a:extLst>
-            <a:ext uri="{909E8E84-426E-40DD-AFC4-6F175D3DCCD1}">
-              <a14:hiddenFill xmlns:a14="http://schemas.microsoft.com/office/drawing/2010/main">
-                <a:solidFill>
-                  <a:srgbClr val="FFFFFF"/>
-                </a:solidFill>
-              </a14:hiddenFill>
-            </a:ext>
-          </a:extLst>
-        </p:spPr>
-      </p:pic>
-      <p:pic>
-        <p:nvPicPr>
-          <p:cNvPr id="13322" name="Picture 10" descr="Related image"/>
-          <p:cNvPicPr>
-            <a:picLocks noChangeAspect="1" noChangeArrowheads="1"/>
-          </p:cNvPicPr>
-          <p:nvPr/>
-        </p:nvPicPr>
-        <p:blipFill>
-          <a:blip r:embed="rId5">
-            <a:duotone>
-              <a:schemeClr val="bg2">
-                <a:shade val="45000"/>
-                <a:satMod val="135000"/>
-              </a:schemeClr>
-              <a:prstClr val="white"/>
-            </a:duotone>
-            <a:extLst>
-              <a:ext uri="{28A0092B-C50C-407E-A947-70E740481C1C}">
-                <a14:useLocalDpi xmlns:a14="http://schemas.microsoft.com/office/drawing/2010/main" val="0"/>
-              </a:ext>
-            </a:extLst>
-          </a:blip>
-          <a:srcRect/>
-          <a:stretch>
-            <a:fillRect/>
-          </a:stretch>
-        </p:blipFill>
-        <p:spPr bwMode="auto">
-          <a:xfrm>
-            <a:off x="13310983" y="1324596"/>
-            <a:ext cx="1071767" cy="1071767"/>
-          </a:xfrm>
-          <a:prstGeom prst="rect">
-            <a:avLst/>
-          </a:prstGeom>
-          <a:noFill/>
-          <a:extLst>
-            <a:ext uri="{909E8E84-426E-40DD-AFC4-6F175D3DCCD1}">
-              <a14:hiddenFill xmlns:a14="http://schemas.microsoft.com/office/drawing/2010/main">
-                <a:solidFill>
-                  <a:srgbClr val="FFFFFF"/>
-                </a:solidFill>
-              </a14:hiddenFill>
-            </a:ext>
-          </a:extLst>
-        </p:spPr>
-      </p:pic>
-      <p:sp>
-        <p:nvSpPr>
-          <p:cNvPr id="2" name="AutoShape 12" descr="Image result for LOCK CABLE png icon"/>
-          <p:cNvSpPr>
-            <a:spLocks noChangeAspect="1" noChangeArrowheads="1"/>
-          </p:cNvSpPr>
-          <p:nvPr/>
-        </p:nvSpPr>
-        <p:spPr bwMode="auto">
-          <a:xfrm>
-            <a:off x="155575" y="-144463"/>
-            <a:ext cx="304800" cy="304801"/>
-          </a:xfrm>
-          <a:prstGeom prst="rect">
-            <a:avLst/>
-          </a:prstGeom>
-          <a:noFill/>
-          <a:extLst>
-            <a:ext uri="{909E8E84-426E-40DD-AFC4-6F175D3DCCD1}">
-              <a14:hiddenFill xmlns:a14="http://schemas.microsoft.com/office/drawing/2010/main">
-                <a:solidFill>
-                  <a:srgbClr val="FFFFFF"/>
-                </a:solidFill>
-              </a14:hiddenFill>
-            </a:ext>
-          </a:extLst>
-        </p:spPr>
-        <p:txBody>
-          <a:bodyPr vert="horz" wrap="square" lIns="91440" tIns="45720" rIns="91440" bIns="45720" numCol="1" anchor="t" anchorCtr="0" compatLnSpc="1">
-            <a:prstTxWarp prst="textNoShape">
-              <a:avLst/>
-            </a:prstTxWarp>
-          </a:bodyPr>
-          <a:lstStyle/>
-          <a:p>
-            <a:endParaRPr lang="en-US"/>
-          </a:p>
-        </p:txBody>
-      </p:sp>
-      <p:pic>
-        <p:nvPicPr>
-          <p:cNvPr id="13338" name="Picture 26" descr="Image result for LOCK png icon"/>
-          <p:cNvPicPr>
-            <a:picLocks noChangeAspect="1" noChangeArrowheads="1"/>
-          </p:cNvPicPr>
-          <p:nvPr/>
-        </p:nvPicPr>
-        <p:blipFill>
-          <a:blip r:embed="rId6" cstate="print">
-            <a:lum bright="70000" contrast="-70000"/>
-            <a:extLst>
-              <a:ext uri="{28A0092B-C50C-407E-A947-70E740481C1C}">
-                <a14:useLocalDpi xmlns:a14="http://schemas.microsoft.com/office/drawing/2010/main" val="0"/>
-              </a:ext>
-            </a:extLst>
-          </a:blip>
-          <a:srcRect/>
-          <a:stretch>
-            <a:fillRect/>
-          </a:stretch>
-        </p:blipFill>
-        <p:spPr bwMode="auto">
-          <a:xfrm>
-            <a:off x="14917633" y="1769033"/>
-            <a:ext cx="1122467" cy="1122467"/>
-          </a:xfrm>
-          <a:prstGeom prst="rect">
-            <a:avLst/>
-          </a:prstGeom>
-          <a:noFill/>
-          <a:extLst>
-            <a:ext uri="{909E8E84-426E-40DD-AFC4-6F175D3DCCD1}">
-              <a14:hiddenFill xmlns:a14="http://schemas.microsoft.com/office/drawing/2010/main">
-                <a:solidFill>
-                  <a:srgbClr val="FFFFFF"/>
-                </a:solidFill>
-              </a14:hiddenFill>
-            </a:ext>
-          </a:extLst>
-        </p:spPr>
-      </p:pic>
-    </p:spTree>
-    <p:extLst>
-      <p:ext uri="{BB962C8B-B14F-4D97-AF65-F5344CB8AC3E}">
-        <p14:creationId xmlns:p14="http://schemas.microsoft.com/office/powerpoint/2010/main" val="893894349"/>
-      </p:ext>
-    </p:extLst>
-  </p:cSld>
-  <p:clrMapOvr>
-    <a:masterClrMapping/>
-  </p:clrMapOvr>
-  <mc:AlternateContent xmlns:mc="http://schemas.openxmlformats.org/markup-compatibility/2006" xmlns:p14="http://schemas.microsoft.com/office/powerpoint/2010/main">
-    <mc:Choice Requires="p14">
-      <p:transition spd="slow" p14:dur="1250" advTm="6000">
-        <p14:flip dir="r"/>
-      </p:transition>
-    </mc:Choice>
-    <mc:Fallback xmlns="">
-      <p:transition spd="slow" advTm="6000">
-        <p:fade/>
-      </p:transition>
-    </mc:Fallback>
-  </mc:AlternateContent>
-  <p:timing>
-    <p:tnLst>
-      <p:par>
-        <p:cTn id="1" dur="indefinite" restart="never" nodeType="tmRoot">
-          <p:childTnLst>
-            <p:seq concurrent="1" nextAc="seek">
-              <p:cTn id="2" dur="indefinite" nodeType="mainSeq">
-                <p:childTnLst>
-                  <p:par>
-                    <p:cTn id="3" fill="hold">
-                      <p:stCondLst>
-                        <p:cond delay="indefinite"/>
-                        <p:cond evt="onBegin" delay="0">
-                          <p:tn val="2"/>
-                        </p:cond>
-                      </p:stCondLst>
-                      <p:childTnLst>
-                        <p:par>
-                          <p:cTn id="4" fill="hold">
-                            <p:stCondLst>
-                              <p:cond delay="0"/>
-                            </p:stCondLst>
-                            <p:childTnLst>
-                              <p:par>
-                                <p:cTn id="5" presetID="10" presetClass="entr" presetSubtype="0" fill="hold" grpId="0" nodeType="withEffect">
-                                  <p:stCondLst>
-                                    <p:cond delay="0"/>
-                                  </p:stCondLst>
-                                  <p:childTnLst>
-                                    <p:set>
-                                      <p:cBhvr>
-                                        <p:cTn id="6" dur="1" fill="hold">
-                                          <p:stCondLst>
-                                            <p:cond delay="0"/>
-                                          </p:stCondLst>
-                                        </p:cTn>
-                                        <p:tgtEl>
-                                          <p:spTgt spid="6"/>
-                                        </p:tgtEl>
-                                        <p:attrNameLst>
-                                          <p:attrName>style.visibility</p:attrName>
-                                        </p:attrNameLst>
-                                      </p:cBhvr>
-                                      <p:to>
-                                        <p:strVal val="visible"/>
-                                      </p:to>
-                                    </p:set>
-                                    <p:animEffect transition="in" filter="fade">
-                                      <p:cBhvr>
-                                        <p:cTn id="7" dur="500"/>
-                                        <p:tgtEl>
-                                          <p:spTgt spid="6"/>
-                                        </p:tgtEl>
-                                      </p:cBhvr>
-                                    </p:animEffect>
-                                  </p:childTnLst>
-                                </p:cTn>
-                              </p:par>
-                              <p:par>
-                                <p:cTn id="8" presetID="26" presetClass="emph" presetSubtype="0" repeatCount="3000" fill="hold" grpId="1" nodeType="withEffect">
-                                  <p:stCondLst>
-                                    <p:cond delay="0"/>
-                                  </p:stCondLst>
-                                  <p:childTnLst>
-                                    <p:animEffect transition="out" filter="fade">
-                                      <p:cBhvr>
-                                        <p:cTn id="9" dur="500" tmFilter="0, 0; .2, .5; .8, .5; 1, 0"/>
-                                        <p:tgtEl>
-                                          <p:spTgt spid="6"/>
-                                        </p:tgtEl>
-                                      </p:cBhvr>
-                                    </p:animEffect>
-                                    <p:animScale>
-                                      <p:cBhvr>
-                                        <p:cTn id="10" dur="250" autoRev="1" fill="hold"/>
-                                        <p:tgtEl>
-                                          <p:spTgt spid="6"/>
-                                        </p:tgtEl>
-                                      </p:cBhvr>
-                                      <p:by x="105000" y="105000"/>
-                                    </p:animScale>
-                                  </p:childTnLst>
-                                </p:cTn>
-                              </p:par>
-                            </p:childTnLst>
-                          </p:cTn>
-                        </p:par>
-                      </p:childTnLst>
-                    </p:cTn>
-                  </p:par>
-                </p:childTnLst>
-              </p:cTn>
-              <p:prevCondLst>
-                <p:cond evt="onPrev" delay="0">
-                  <p:tgtEl>
-                    <p:sldTgt/>
-                  </p:tgtEl>
-                </p:cond>
-              </p:prevCondLst>
-              <p:nextCondLst>
-                <p:cond evt="onNext" delay="0">
-                  <p:tgtEl>
-                    <p:sldTgt/>
-                  </p:tgtEl>
-                </p:cond>
-              </p:nextCondLst>
-            </p:seq>
-          </p:childTnLst>
-        </p:cTn>
-      </p:par>
-    </p:tnLst>
-    <p:bldLst>
-      <p:bldP spid="6" grpId="0"/>
-      <p:bldP spid="6" grpId="1"/>
     </p:bldLst>
   </p:timing>
 </p:sld>
@@ -11918,7 +11724,42 @@
       </a:bgFillStyleLst>
     </a:fmtScheme>
   </a:themeElements>
-  <a:objectDefaults/>
+  <a:objectDefaults>
+    <a:spDef>
+      <a:spPr>
+        <a:solidFill>
+          <a:srgbClr val="FF31D8">
+            <a:alpha val="25000"/>
+          </a:srgbClr>
+        </a:solidFill>
+        <a:ln>
+          <a:noFill/>
+        </a:ln>
+      </a:spPr>
+      <a:bodyPr rtlCol="0" anchor="ctr"/>
+      <a:lstStyle>
+        <a:defPPr algn="ctr">
+          <a:defRPr/>
+        </a:defPPr>
+      </a:lstStyle>
+      <a:style>
+        <a:lnRef idx="2">
+          <a:schemeClr val="accent1">
+            <a:shade val="50000"/>
+          </a:schemeClr>
+        </a:lnRef>
+        <a:fillRef idx="1">
+          <a:schemeClr val="accent1"/>
+        </a:fillRef>
+        <a:effectRef idx="0">
+          <a:schemeClr val="accent1"/>
+        </a:effectRef>
+        <a:fontRef idx="minor">
+          <a:schemeClr val="lt1"/>
+        </a:fontRef>
+      </a:style>
+    </a:spDef>
+  </a:objectDefaults>
   <a:extraClrSchemeLst/>
   <a:extLst>
     <a:ext uri="{05A4C25C-085E-4340-85A3-A5531E510DB2}">
@@ -12187,219 +12028,4 @@
     </a:ext>
   </a:extLst>
 </a:theme>
-</file>
-
-<file path=ppt/theme/themeOverride1.xml><?xml version="1.0" encoding="utf-8"?>
-<a:themeOverride xmlns:a="http://schemas.openxmlformats.org/drawingml/2006/main">
-  <a:clrScheme name="Office Theme">
-    <a:dk1>
-      <a:sysClr val="windowText" lastClr="000000"/>
-    </a:dk1>
-    <a:lt1>
-      <a:sysClr val="window" lastClr="FFFFFF"/>
-    </a:lt1>
-    <a:dk2>
-      <a:srgbClr val="44546A"/>
-    </a:dk2>
-    <a:lt2>
-      <a:srgbClr val="E7E6E6"/>
-    </a:lt2>
-    <a:accent1>
-      <a:srgbClr val="5B9BD5"/>
-    </a:accent1>
-    <a:accent2>
-      <a:srgbClr val="ED7D31"/>
-    </a:accent2>
-    <a:accent3>
-      <a:srgbClr val="A5A5A5"/>
-    </a:accent3>
-    <a:accent4>
-      <a:srgbClr val="FFC000"/>
-    </a:accent4>
-    <a:accent5>
-      <a:srgbClr val="4472C4"/>
-    </a:accent5>
-    <a:accent6>
-      <a:srgbClr val="70AD47"/>
-    </a:accent6>
-    <a:hlink>
-      <a:srgbClr val="0563C1"/>
-    </a:hlink>
-    <a:folHlink>
-      <a:srgbClr val="954F72"/>
-    </a:folHlink>
-  </a:clrScheme>
-</a:themeOverride>
-</file>
-
-<file path=ppt/theme/themeOverride2.xml><?xml version="1.0" encoding="utf-8"?>
-<a:themeOverride xmlns:a="http://schemas.openxmlformats.org/drawingml/2006/main">
-  <a:clrScheme name="Office Theme">
-    <a:dk1>
-      <a:sysClr val="windowText" lastClr="000000"/>
-    </a:dk1>
-    <a:lt1>
-      <a:sysClr val="window" lastClr="FFFFFF"/>
-    </a:lt1>
-    <a:dk2>
-      <a:srgbClr val="44546A"/>
-    </a:dk2>
-    <a:lt2>
-      <a:srgbClr val="E7E6E6"/>
-    </a:lt2>
-    <a:accent1>
-      <a:srgbClr val="5B9BD5"/>
-    </a:accent1>
-    <a:accent2>
-      <a:srgbClr val="ED7D31"/>
-    </a:accent2>
-    <a:accent3>
-      <a:srgbClr val="A5A5A5"/>
-    </a:accent3>
-    <a:accent4>
-      <a:srgbClr val="FFC000"/>
-    </a:accent4>
-    <a:accent5>
-      <a:srgbClr val="4472C4"/>
-    </a:accent5>
-    <a:accent6>
-      <a:srgbClr val="70AD47"/>
-    </a:accent6>
-    <a:hlink>
-      <a:srgbClr val="0563C1"/>
-    </a:hlink>
-    <a:folHlink>
-      <a:srgbClr val="954F72"/>
-    </a:folHlink>
-  </a:clrScheme>
-</a:themeOverride>
-</file>
-
-<file path=ppt/theme/themeOverride3.xml><?xml version="1.0" encoding="utf-8"?>
-<a:themeOverride xmlns:a="http://schemas.openxmlformats.org/drawingml/2006/main">
-  <a:clrScheme name="Office Theme">
-    <a:dk1>
-      <a:sysClr val="windowText" lastClr="000000"/>
-    </a:dk1>
-    <a:lt1>
-      <a:sysClr val="window" lastClr="FFFFFF"/>
-    </a:lt1>
-    <a:dk2>
-      <a:srgbClr val="44546A"/>
-    </a:dk2>
-    <a:lt2>
-      <a:srgbClr val="E7E6E6"/>
-    </a:lt2>
-    <a:accent1>
-      <a:srgbClr val="5B9BD5"/>
-    </a:accent1>
-    <a:accent2>
-      <a:srgbClr val="ED7D31"/>
-    </a:accent2>
-    <a:accent3>
-      <a:srgbClr val="A5A5A5"/>
-    </a:accent3>
-    <a:accent4>
-      <a:srgbClr val="FFC000"/>
-    </a:accent4>
-    <a:accent5>
-      <a:srgbClr val="4472C4"/>
-    </a:accent5>
-    <a:accent6>
-      <a:srgbClr val="70AD47"/>
-    </a:accent6>
-    <a:hlink>
-      <a:srgbClr val="0563C1"/>
-    </a:hlink>
-    <a:folHlink>
-      <a:srgbClr val="954F72"/>
-    </a:folHlink>
-  </a:clrScheme>
-</a:themeOverride>
-</file>
-
-<file path=ppt/theme/themeOverride4.xml><?xml version="1.0" encoding="utf-8"?>
-<a:themeOverride xmlns:a="http://schemas.openxmlformats.org/drawingml/2006/main">
-  <a:clrScheme name="Office Theme">
-    <a:dk1>
-      <a:sysClr val="windowText" lastClr="000000"/>
-    </a:dk1>
-    <a:lt1>
-      <a:sysClr val="window" lastClr="FFFFFF"/>
-    </a:lt1>
-    <a:dk2>
-      <a:srgbClr val="44546A"/>
-    </a:dk2>
-    <a:lt2>
-      <a:srgbClr val="E7E6E6"/>
-    </a:lt2>
-    <a:accent1>
-      <a:srgbClr val="5B9BD5"/>
-    </a:accent1>
-    <a:accent2>
-      <a:srgbClr val="ED7D31"/>
-    </a:accent2>
-    <a:accent3>
-      <a:srgbClr val="A5A5A5"/>
-    </a:accent3>
-    <a:accent4>
-      <a:srgbClr val="FFC000"/>
-    </a:accent4>
-    <a:accent5>
-      <a:srgbClr val="4472C4"/>
-    </a:accent5>
-    <a:accent6>
-      <a:srgbClr val="70AD47"/>
-    </a:accent6>
-    <a:hlink>
-      <a:srgbClr val="0563C1"/>
-    </a:hlink>
-    <a:folHlink>
-      <a:srgbClr val="954F72"/>
-    </a:folHlink>
-  </a:clrScheme>
-</a:themeOverride>
-</file>
-
-<file path=ppt/theme/themeOverride5.xml><?xml version="1.0" encoding="utf-8"?>
-<a:themeOverride xmlns:a="http://schemas.openxmlformats.org/drawingml/2006/main">
-  <a:clrScheme name="Office Theme">
-    <a:dk1>
-      <a:sysClr val="windowText" lastClr="000000"/>
-    </a:dk1>
-    <a:lt1>
-      <a:sysClr val="window" lastClr="FFFFFF"/>
-    </a:lt1>
-    <a:dk2>
-      <a:srgbClr val="44546A"/>
-    </a:dk2>
-    <a:lt2>
-      <a:srgbClr val="E7E6E6"/>
-    </a:lt2>
-    <a:accent1>
-      <a:srgbClr val="5B9BD5"/>
-    </a:accent1>
-    <a:accent2>
-      <a:srgbClr val="ED7D31"/>
-    </a:accent2>
-    <a:accent3>
-      <a:srgbClr val="A5A5A5"/>
-    </a:accent3>
-    <a:accent4>
-      <a:srgbClr val="FFC000"/>
-    </a:accent4>
-    <a:accent5>
-      <a:srgbClr val="4472C4"/>
-    </a:accent5>
-    <a:accent6>
-      <a:srgbClr val="70AD47"/>
-    </a:accent6>
-    <a:hlink>
-      <a:srgbClr val="0563C1"/>
-    </a:hlink>
-    <a:folHlink>
-      <a:srgbClr val="954F72"/>
-    </a:folHlink>
-  </a:clrScheme>
-</a:themeOverride>
 </file>
--- a/images/slides/Powerpoint/Dashboard Pictures (landscape).pptx
+++ b/images/slides/Powerpoint/Dashboard Pictures (landscape).pptx
@@ -256,7 +256,7 @@
                 </a:solidFill>
               </a:rPr>
               <a:pPr/>
-              <a:t>11/7/2018</a:t>
+              <a:t>1/14/2019</a:t>
             </a:fld>
             <a:endParaRPr lang="en-US">
               <a:solidFill>
@@ -470,7 +470,7 @@
                 </a:solidFill>
               </a:rPr>
               <a:pPr/>
-              <a:t>11/7/2018</a:t>
+              <a:t>1/14/2019</a:t>
             </a:fld>
             <a:endParaRPr lang="en-US">
               <a:solidFill>
@@ -694,7 +694,7 @@
                 </a:solidFill>
               </a:rPr>
               <a:pPr/>
-              <a:t>11/7/2018</a:t>
+              <a:t>1/14/2019</a:t>
             </a:fld>
             <a:endParaRPr lang="en-US">
               <a:solidFill>
@@ -930,7 +930,7 @@
                 </a:solidFill>
               </a:rPr>
               <a:pPr/>
-              <a:t>11/7/2018</a:t>
+              <a:t>1/14/2019</a:t>
             </a:fld>
             <a:endParaRPr lang="en-US">
               <a:solidFill>
@@ -1144,7 +1144,7 @@
                 </a:solidFill>
               </a:rPr>
               <a:pPr/>
-              <a:t>11/7/2018</a:t>
+              <a:t>1/14/2019</a:t>
             </a:fld>
             <a:endParaRPr lang="en-US">
               <a:solidFill>
@@ -1434,7 +1434,7 @@
                 </a:solidFill>
               </a:rPr>
               <a:pPr/>
-              <a:t>11/7/2018</a:t>
+              <a:t>1/14/2019</a:t>
             </a:fld>
             <a:endParaRPr lang="en-US">
               <a:solidFill>
@@ -1710,7 +1710,7 @@
                 </a:solidFill>
               </a:rPr>
               <a:pPr/>
-              <a:t>11/7/2018</a:t>
+              <a:t>1/14/2019</a:t>
             </a:fld>
             <a:endParaRPr lang="en-US">
               <a:solidFill>
@@ -2121,7 +2121,7 @@
                 </a:solidFill>
               </a:rPr>
               <a:pPr/>
-              <a:t>11/7/2018</a:t>
+              <a:t>1/14/2019</a:t>
             </a:fld>
             <a:endParaRPr lang="en-US">
               <a:solidFill>
@@ -2283,7 +2283,7 @@
                 </a:solidFill>
               </a:rPr>
               <a:pPr/>
-              <a:t>11/7/2018</a:t>
+              <a:t>1/14/2019</a:t>
             </a:fld>
             <a:endParaRPr lang="en-US">
               <a:solidFill>
@@ -2422,7 +2422,7 @@
                 </a:solidFill>
               </a:rPr>
               <a:pPr/>
-              <a:t>11/7/2018</a:t>
+              <a:t>1/14/2019</a:t>
             </a:fld>
             <a:endParaRPr lang="en-US">
               <a:solidFill>
@@ -2743,7 +2743,7 @@
                 </a:solidFill>
               </a:rPr>
               <a:pPr/>
-              <a:t>11/7/2018</a:t>
+              <a:t>1/14/2019</a:t>
             </a:fld>
             <a:endParaRPr lang="en-US">
               <a:solidFill>
@@ -2957,7 +2957,7 @@
                 </a:solidFill>
               </a:rPr>
               <a:pPr/>
-              <a:t>11/7/2018</a:t>
+              <a:t>1/14/2019</a:t>
             </a:fld>
             <a:endParaRPr lang="en-US">
               <a:solidFill>
@@ -3258,7 +3258,7 @@
                 </a:solidFill>
               </a:rPr>
               <a:pPr/>
-              <a:t>11/7/2018</a:t>
+              <a:t>1/14/2019</a:t>
             </a:fld>
             <a:endParaRPr lang="en-US">
               <a:solidFill>
@@ -3472,7 +3472,7 @@
                 </a:solidFill>
               </a:rPr>
               <a:pPr/>
-              <a:t>11/7/2018</a:t>
+              <a:t>1/14/2019</a:t>
             </a:fld>
             <a:endParaRPr lang="en-US">
               <a:solidFill>
@@ -3696,7 +3696,7 @@
                 </a:solidFill>
               </a:rPr>
               <a:pPr/>
-              <a:t>11/7/2018</a:t>
+              <a:t>1/14/2019</a:t>
             </a:fld>
             <a:endParaRPr lang="en-US">
               <a:solidFill>
@@ -3986,7 +3986,7 @@
                 </a:solidFill>
               </a:rPr>
               <a:pPr/>
-              <a:t>11/7/2018</a:t>
+              <a:t>1/14/2019</a:t>
             </a:fld>
             <a:endParaRPr lang="en-US">
               <a:solidFill>
@@ -4262,7 +4262,7 @@
                 </a:solidFill>
               </a:rPr>
               <a:pPr/>
-              <a:t>11/7/2018</a:t>
+              <a:t>1/14/2019</a:t>
             </a:fld>
             <a:endParaRPr lang="en-US">
               <a:solidFill>
@@ -4673,7 +4673,7 @@
                 </a:solidFill>
               </a:rPr>
               <a:pPr/>
-              <a:t>11/7/2018</a:t>
+              <a:t>1/14/2019</a:t>
             </a:fld>
             <a:endParaRPr lang="en-US">
               <a:solidFill>
@@ -4835,7 +4835,7 @@
                 </a:solidFill>
               </a:rPr>
               <a:pPr/>
-              <a:t>11/7/2018</a:t>
+              <a:t>1/14/2019</a:t>
             </a:fld>
             <a:endParaRPr lang="en-US">
               <a:solidFill>
@@ -4974,7 +4974,7 @@
                 </a:solidFill>
               </a:rPr>
               <a:pPr/>
-              <a:t>11/7/2018</a:t>
+              <a:t>1/14/2019</a:t>
             </a:fld>
             <a:endParaRPr lang="en-US">
               <a:solidFill>
@@ -5295,7 +5295,7 @@
                 </a:solidFill>
               </a:rPr>
               <a:pPr/>
-              <a:t>11/7/2018</a:t>
+              <a:t>1/14/2019</a:t>
             </a:fld>
             <a:endParaRPr lang="en-US">
               <a:solidFill>
@@ -5596,7 +5596,7 @@
                 </a:solidFill>
               </a:rPr>
               <a:pPr/>
-              <a:t>11/7/2018</a:t>
+              <a:t>1/14/2019</a:t>
             </a:fld>
             <a:endParaRPr lang="en-US">
               <a:solidFill>
@@ -5853,7 +5853,7 @@
                 </a:solidFill>
               </a:rPr>
               <a:pPr/>
-              <a:t>11/7/2018</a:t>
+              <a:t>1/14/2019</a:t>
             </a:fld>
             <a:endParaRPr lang="en-US">
               <a:solidFill>
@@ -6437,7 +6437,7 @@
                 </a:solidFill>
               </a:rPr>
               <a:pPr/>
-              <a:t>11/7/2018</a:t>
+              <a:t>1/14/2019</a:t>
             </a:fld>
             <a:endParaRPr lang="en-US">
               <a:solidFill>
@@ -6895,7 +6895,7 @@
           <p:cNvPr id="6" name="Rectangle 5">
             <a:extLst>
               <a:ext uri="{FF2B5EF4-FFF2-40B4-BE49-F238E27FC236}">
-                <a16:creationId xmlns:a16="http://schemas.microsoft.com/office/drawing/2014/main" id="{676B280A-C61B-4327-9C1A-94BD31F7BA75}"/>
+                <a16:creationId xmlns="" xmlns:a16="http://schemas.microsoft.com/office/drawing/2014/main" id="{676B280A-C61B-4327-9C1A-94BD31F7BA75}"/>
               </a:ext>
             </a:extLst>
           </p:cNvPr>
@@ -6955,7 +6955,7 @@
           <p:cNvPr id="8" name="Isosceles Triangle 7">
             <a:extLst>
               <a:ext uri="{FF2B5EF4-FFF2-40B4-BE49-F238E27FC236}">
-                <a16:creationId xmlns:a16="http://schemas.microsoft.com/office/drawing/2014/main" id="{B8A3B59D-EB47-4CD0-8DF5-2D3353C60FA6}"/>
+                <a16:creationId xmlns="" xmlns:a16="http://schemas.microsoft.com/office/drawing/2014/main" id="{B8A3B59D-EB47-4CD0-8DF5-2D3353C60FA6}"/>
               </a:ext>
             </a:extLst>
           </p:cNvPr>
@@ -7017,7 +7017,7 @@
           <p:cNvPr id="4" name="Isosceles Triangle 3">
             <a:extLst>
               <a:ext uri="{FF2B5EF4-FFF2-40B4-BE49-F238E27FC236}">
-                <a16:creationId xmlns:a16="http://schemas.microsoft.com/office/drawing/2014/main" id="{876A62A9-948F-4595-9D02-89836835D508}"/>
+                <a16:creationId xmlns="" xmlns:a16="http://schemas.microsoft.com/office/drawing/2014/main" id="{876A62A9-948F-4595-9D02-89836835D508}"/>
               </a:ext>
             </a:extLst>
           </p:cNvPr>
@@ -7079,7 +7079,7 @@
           <p:cNvPr id="2" name="Rectangle 1">
             <a:extLst>
               <a:ext uri="{FF2B5EF4-FFF2-40B4-BE49-F238E27FC236}">
-                <a16:creationId xmlns:a16="http://schemas.microsoft.com/office/drawing/2014/main" id="{2B77460E-6C27-4C4E-B75B-CD05E40409CC}"/>
+                <a16:creationId xmlns="" xmlns:a16="http://schemas.microsoft.com/office/drawing/2014/main" id="{2B77460E-6C27-4C4E-B75B-CD05E40409CC}"/>
               </a:ext>
             </a:extLst>
           </p:cNvPr>
@@ -7995,7 +7995,7 @@
           <p:cNvPr id="6" name="Group 5">
             <a:extLst>
               <a:ext uri="{FF2B5EF4-FFF2-40B4-BE49-F238E27FC236}">
-                <a16:creationId xmlns:a16="http://schemas.microsoft.com/office/drawing/2014/main" id="{CD880F19-7C9E-4A43-BF01-4E116C5DD421}"/>
+                <a16:creationId xmlns="" xmlns:a16="http://schemas.microsoft.com/office/drawing/2014/main" id="{CD880F19-7C9E-4A43-BF01-4E116C5DD421}"/>
               </a:ext>
             </a:extLst>
           </p:cNvPr>
@@ -8015,7 +8015,7 @@
             <p:cNvPr id="22" name="Rectangle 21">
               <a:extLst>
                 <a:ext uri="{FF2B5EF4-FFF2-40B4-BE49-F238E27FC236}">
-                  <a16:creationId xmlns:a16="http://schemas.microsoft.com/office/drawing/2014/main" id="{B92685F7-E541-4B72-B74C-FAF26C819F15}"/>
+                  <a16:creationId xmlns="" xmlns:a16="http://schemas.microsoft.com/office/drawing/2014/main" id="{B92685F7-E541-4B72-B74C-FAF26C819F15}"/>
                 </a:ext>
               </a:extLst>
             </p:cNvPr>
@@ -8074,7 +8074,7 @@
             <p:cNvPr id="19" name="Isosceles Triangle 18">
               <a:extLst>
                 <a:ext uri="{FF2B5EF4-FFF2-40B4-BE49-F238E27FC236}">
-                  <a16:creationId xmlns:a16="http://schemas.microsoft.com/office/drawing/2014/main" id="{42D8E42C-FC12-478A-8C64-DA8BB5FA0B1D}"/>
+                  <a16:creationId xmlns="" xmlns:a16="http://schemas.microsoft.com/office/drawing/2014/main" id="{42D8E42C-FC12-478A-8C64-DA8BB5FA0B1D}"/>
                 </a:ext>
               </a:extLst>
             </p:cNvPr>
@@ -8136,7 +8136,7 @@
             <p:cNvPr id="21" name="Isosceles Triangle 20">
               <a:extLst>
                 <a:ext uri="{FF2B5EF4-FFF2-40B4-BE49-F238E27FC236}">
-                  <a16:creationId xmlns:a16="http://schemas.microsoft.com/office/drawing/2014/main" id="{AB13C624-3981-44E0-90C9-2DE928FC1677}"/>
+                  <a16:creationId xmlns="" xmlns:a16="http://schemas.microsoft.com/office/drawing/2014/main" id="{AB13C624-3981-44E0-90C9-2DE928FC1677}"/>
                 </a:ext>
               </a:extLst>
             </p:cNvPr>
@@ -8341,7 +8341,7 @@
           <p:cNvPr id="7" name="Group 6">
             <a:extLst>
               <a:ext uri="{FF2B5EF4-FFF2-40B4-BE49-F238E27FC236}">
-                <a16:creationId xmlns:a16="http://schemas.microsoft.com/office/drawing/2014/main" id="{732816A4-A41A-4B5A-BE0B-6594F96C15B4}"/>
+                <a16:creationId xmlns="" xmlns:a16="http://schemas.microsoft.com/office/drawing/2014/main" id="{732816A4-A41A-4B5A-BE0B-6594F96C15B4}"/>
               </a:ext>
             </a:extLst>
           </p:cNvPr>
@@ -8361,7 +8361,7 @@
             <p:cNvPr id="8" name="Rectangle 7">
               <a:extLst>
                 <a:ext uri="{FF2B5EF4-FFF2-40B4-BE49-F238E27FC236}">
-                  <a16:creationId xmlns:a16="http://schemas.microsoft.com/office/drawing/2014/main" id="{BDB6A33D-0ADC-4FFF-B81E-A748D90CEC08}"/>
+                  <a16:creationId xmlns="" xmlns:a16="http://schemas.microsoft.com/office/drawing/2014/main" id="{BDB6A33D-0ADC-4FFF-B81E-A748D90CEC08}"/>
                 </a:ext>
               </a:extLst>
             </p:cNvPr>
@@ -8420,7 +8420,7 @@
             <p:cNvPr id="9" name="Isosceles Triangle 8">
               <a:extLst>
                 <a:ext uri="{FF2B5EF4-FFF2-40B4-BE49-F238E27FC236}">
-                  <a16:creationId xmlns:a16="http://schemas.microsoft.com/office/drawing/2014/main" id="{ACAA0AE2-FA1C-4E21-925F-B226934CD48F}"/>
+                  <a16:creationId xmlns="" xmlns:a16="http://schemas.microsoft.com/office/drawing/2014/main" id="{ACAA0AE2-FA1C-4E21-925F-B226934CD48F}"/>
                 </a:ext>
               </a:extLst>
             </p:cNvPr>
@@ -8482,7 +8482,7 @@
             <p:cNvPr id="10" name="Isosceles Triangle 9">
               <a:extLst>
                 <a:ext uri="{FF2B5EF4-FFF2-40B4-BE49-F238E27FC236}">
-                  <a16:creationId xmlns:a16="http://schemas.microsoft.com/office/drawing/2014/main" id="{48A33D18-90B3-4289-A5E9-C1AD27561647}"/>
+                  <a16:creationId xmlns="" xmlns:a16="http://schemas.microsoft.com/office/drawing/2014/main" id="{48A33D18-90B3-4289-A5E9-C1AD27561647}"/>
                 </a:ext>
               </a:extLst>
             </p:cNvPr>
@@ -8994,7 +8994,7 @@
           <p:cNvPr id="4" name="Group 3">
             <a:extLst>
               <a:ext uri="{FF2B5EF4-FFF2-40B4-BE49-F238E27FC236}">
-                <a16:creationId xmlns:a16="http://schemas.microsoft.com/office/drawing/2014/main" id="{F0D74D79-1CEF-4D7D-B8CA-2740F68B4A31}"/>
+                <a16:creationId xmlns="" xmlns:a16="http://schemas.microsoft.com/office/drawing/2014/main" id="{F0D74D79-1CEF-4D7D-B8CA-2740F68B4A31}"/>
               </a:ext>
             </a:extLst>
           </p:cNvPr>
@@ -9014,7 +9014,7 @@
             <p:cNvPr id="5" name="Rectangle 4">
               <a:extLst>
                 <a:ext uri="{FF2B5EF4-FFF2-40B4-BE49-F238E27FC236}">
-                  <a16:creationId xmlns:a16="http://schemas.microsoft.com/office/drawing/2014/main" id="{73AA72A7-BD4A-48EB-9AFA-8268967C21AD}"/>
+                  <a16:creationId xmlns="" xmlns:a16="http://schemas.microsoft.com/office/drawing/2014/main" id="{73AA72A7-BD4A-48EB-9AFA-8268967C21AD}"/>
                 </a:ext>
               </a:extLst>
             </p:cNvPr>
@@ -9073,7 +9073,7 @@
             <p:cNvPr id="6" name="Isosceles Triangle 5">
               <a:extLst>
                 <a:ext uri="{FF2B5EF4-FFF2-40B4-BE49-F238E27FC236}">
-                  <a16:creationId xmlns:a16="http://schemas.microsoft.com/office/drawing/2014/main" id="{5679006F-CD38-478B-870E-A6D69BEB1203}"/>
+                  <a16:creationId xmlns="" xmlns:a16="http://schemas.microsoft.com/office/drawing/2014/main" id="{5679006F-CD38-478B-870E-A6D69BEB1203}"/>
                 </a:ext>
               </a:extLst>
             </p:cNvPr>
@@ -9135,7 +9135,7 @@
             <p:cNvPr id="8" name="Isosceles Triangle 7">
               <a:extLst>
                 <a:ext uri="{FF2B5EF4-FFF2-40B4-BE49-F238E27FC236}">
-                  <a16:creationId xmlns:a16="http://schemas.microsoft.com/office/drawing/2014/main" id="{64A875DD-352C-4AA0-BDB3-8233320F3FF0}"/>
+                  <a16:creationId xmlns="" xmlns:a16="http://schemas.microsoft.com/office/drawing/2014/main" id="{64A875DD-352C-4AA0-BDB3-8233320F3FF0}"/>
                 </a:ext>
               </a:extLst>
             </p:cNvPr>
@@ -9602,7 +9602,7 @@
           <p:cNvPr id="9" name="Group 8">
             <a:extLst>
               <a:ext uri="{FF2B5EF4-FFF2-40B4-BE49-F238E27FC236}">
-                <a16:creationId xmlns:a16="http://schemas.microsoft.com/office/drawing/2014/main" id="{8127244F-DBBC-41D5-8AB2-44A9A0E95BB3}"/>
+                <a16:creationId xmlns="" xmlns:a16="http://schemas.microsoft.com/office/drawing/2014/main" id="{8127244F-DBBC-41D5-8AB2-44A9A0E95BB3}"/>
               </a:ext>
             </a:extLst>
           </p:cNvPr>
@@ -9622,7 +9622,7 @@
             <p:cNvPr id="10" name="Rectangle 9">
               <a:extLst>
                 <a:ext uri="{FF2B5EF4-FFF2-40B4-BE49-F238E27FC236}">
-                  <a16:creationId xmlns:a16="http://schemas.microsoft.com/office/drawing/2014/main" id="{9FBA2FBF-5664-44C1-8EB0-72E03B9A17C7}"/>
+                  <a16:creationId xmlns="" xmlns:a16="http://schemas.microsoft.com/office/drawing/2014/main" id="{9FBA2FBF-5664-44C1-8EB0-72E03B9A17C7}"/>
                 </a:ext>
               </a:extLst>
             </p:cNvPr>
@@ -9681,7 +9681,7 @@
             <p:cNvPr id="11" name="Isosceles Triangle 10">
               <a:extLst>
                 <a:ext uri="{FF2B5EF4-FFF2-40B4-BE49-F238E27FC236}">
-                  <a16:creationId xmlns:a16="http://schemas.microsoft.com/office/drawing/2014/main" id="{3B11E883-6124-4604-B1C4-8843CD884991}"/>
+                  <a16:creationId xmlns="" xmlns:a16="http://schemas.microsoft.com/office/drawing/2014/main" id="{3B11E883-6124-4604-B1C4-8843CD884991}"/>
                 </a:ext>
               </a:extLst>
             </p:cNvPr>
@@ -9743,7 +9743,7 @@
             <p:cNvPr id="12" name="Isosceles Triangle 11">
               <a:extLst>
                 <a:ext uri="{FF2B5EF4-FFF2-40B4-BE49-F238E27FC236}">
-                  <a16:creationId xmlns:a16="http://schemas.microsoft.com/office/drawing/2014/main" id="{F65A6F6D-7A5E-403E-9DF2-00B01C7C34F9}"/>
+                  <a16:creationId xmlns="" xmlns:a16="http://schemas.microsoft.com/office/drawing/2014/main" id="{F65A6F6D-7A5E-403E-9DF2-00B01C7C34F9}"/>
                 </a:ext>
               </a:extLst>
             </p:cNvPr>
@@ -10445,7 +10445,7 @@
           <p:cNvPr id="20" name="Group 19">
             <a:extLst>
               <a:ext uri="{FF2B5EF4-FFF2-40B4-BE49-F238E27FC236}">
-                <a16:creationId xmlns:a16="http://schemas.microsoft.com/office/drawing/2014/main" id="{789587A7-A663-43C6-87AE-0D11F1F38FD1}"/>
+                <a16:creationId xmlns="" xmlns:a16="http://schemas.microsoft.com/office/drawing/2014/main" id="{789587A7-A663-43C6-87AE-0D11F1F38FD1}"/>
               </a:ext>
             </a:extLst>
           </p:cNvPr>
@@ -10465,7 +10465,7 @@
             <p:cNvPr id="21" name="Rectangle 20">
               <a:extLst>
                 <a:ext uri="{FF2B5EF4-FFF2-40B4-BE49-F238E27FC236}">
-                  <a16:creationId xmlns:a16="http://schemas.microsoft.com/office/drawing/2014/main" id="{440391EA-972E-47C4-BAB3-757144FF063E}"/>
+                  <a16:creationId xmlns="" xmlns:a16="http://schemas.microsoft.com/office/drawing/2014/main" id="{440391EA-972E-47C4-BAB3-757144FF063E}"/>
                 </a:ext>
               </a:extLst>
             </p:cNvPr>
@@ -10524,7 +10524,7 @@
             <p:cNvPr id="22" name="Isosceles Triangle 21">
               <a:extLst>
                 <a:ext uri="{FF2B5EF4-FFF2-40B4-BE49-F238E27FC236}">
-                  <a16:creationId xmlns:a16="http://schemas.microsoft.com/office/drawing/2014/main" id="{1A6206BC-867C-43E5-89E3-C3558819F7EE}"/>
+                  <a16:creationId xmlns="" xmlns:a16="http://schemas.microsoft.com/office/drawing/2014/main" id="{1A6206BC-867C-43E5-89E3-C3558819F7EE}"/>
                 </a:ext>
               </a:extLst>
             </p:cNvPr>
@@ -10586,7 +10586,7 @@
             <p:cNvPr id="23" name="Isosceles Triangle 22">
               <a:extLst>
                 <a:ext uri="{FF2B5EF4-FFF2-40B4-BE49-F238E27FC236}">
-                  <a16:creationId xmlns:a16="http://schemas.microsoft.com/office/drawing/2014/main" id="{B55584B2-469F-467C-B5D3-5A6EA640685F}"/>
+                  <a16:creationId xmlns="" xmlns:a16="http://schemas.microsoft.com/office/drawing/2014/main" id="{B55584B2-469F-467C-B5D3-5A6EA640685F}"/>
                 </a:ext>
               </a:extLst>
             </p:cNvPr>
@@ -10652,7 +10652,7 @@
         </p:nvSpPr>
         <p:spPr>
           <a:xfrm>
-            <a:off x="2947106" y="1466566"/>
+            <a:off x="1575506" y="1466566"/>
             <a:ext cx="11414361" cy="1323439"/>
           </a:xfrm>
           <a:prstGeom prst="rect">
@@ -10719,7 +10719,7 @@
         </p:nvSpPr>
         <p:spPr>
           <a:xfrm>
-            <a:off x="12042047" y="3543689"/>
+            <a:off x="11856670" y="1536946"/>
             <a:ext cx="6414719" cy="1200329"/>
           </a:xfrm>
           <a:prstGeom prst="rect">
@@ -10755,355 +10755,228 @@
       </p:sp>
       <p:grpSp>
         <p:nvGrpSpPr>
-          <p:cNvPr id="2" name="Group 1"/>
+          <p:cNvPr id="7" name="Group 6"/>
           <p:cNvGrpSpPr/>
           <p:nvPr/>
         </p:nvGrpSpPr>
         <p:grpSpPr>
           <a:xfrm>
-            <a:off x="3053921" y="3378299"/>
-            <a:ext cx="7337990" cy="5347652"/>
-            <a:chOff x="3695365" y="2679399"/>
-            <a:chExt cx="7337990" cy="5347652"/>
+            <a:off x="3057430" y="3378299"/>
+            <a:ext cx="5596857" cy="1764173"/>
+            <a:chOff x="6201443" y="4312943"/>
+            <a:chExt cx="5596857" cy="1764172"/>
           </a:xfrm>
         </p:grpSpPr>
-        <p:grpSp>
-          <p:nvGrpSpPr>
-            <p:cNvPr id="7" name="Group 6"/>
-            <p:cNvGrpSpPr/>
+        <p:pic>
+          <p:nvPicPr>
+            <p:cNvPr id="9" name="Picture 8"/>
+            <p:cNvPicPr>
+              <a:picLocks noChangeAspect="1"/>
+            </p:cNvPicPr>
             <p:nvPr/>
-          </p:nvGrpSpPr>
-          <p:grpSpPr>
+          </p:nvPicPr>
+          <p:blipFill rotWithShape="1">
+            <a:blip r:embed="rId2" cstate="print">
+              <a:extLst>
+                <a:ext uri="{28A0092B-C50C-407E-A947-70E740481C1C}">
+                  <a14:useLocalDpi xmlns:a14="http://schemas.microsoft.com/office/drawing/2010/main" val="0"/>
+                </a:ext>
+              </a:extLst>
+            </a:blip>
+            <a:srcRect t="6142"/>
+            <a:stretch/>
+          </p:blipFill>
+          <p:spPr>
             <a:xfrm>
-              <a:off x="3698874" y="2679399"/>
-              <a:ext cx="5596857" cy="1764173"/>
-              <a:chOff x="6201443" y="4312943"/>
-              <a:chExt cx="5596857" cy="1764172"/>
+              <a:off x="6201443" y="4312943"/>
+              <a:ext cx="1409700" cy="1764172"/>
             </a:xfrm>
-          </p:grpSpPr>
-          <p:pic>
-            <p:nvPicPr>
-              <p:cNvPr id="9" name="Picture 8"/>
-              <p:cNvPicPr>
-                <a:picLocks noChangeAspect="1"/>
-              </p:cNvPicPr>
-              <p:nvPr/>
-            </p:nvPicPr>
-            <p:blipFill rotWithShape="1">
-              <a:blip r:embed="rId2" cstate="print">
-                <a:extLst>
-                  <a:ext uri="{28A0092B-C50C-407E-A947-70E740481C1C}">
-                    <a14:useLocalDpi xmlns:a14="http://schemas.microsoft.com/office/drawing/2010/main" val="0"/>
-                  </a:ext>
-                </a:extLst>
-              </a:blip>
-              <a:srcRect t="6142"/>
-              <a:stretch/>
-            </p:blipFill>
-            <p:spPr>
-              <a:xfrm>
-                <a:off x="6201443" y="4312943"/>
-                <a:ext cx="1409700" cy="1764172"/>
-              </a:xfrm>
-              <a:prstGeom prst="rect">
-                <a:avLst/>
-              </a:prstGeom>
-            </p:spPr>
-          </p:pic>
-          <p:sp>
-            <p:nvSpPr>
-              <p:cNvPr id="10" name="TextBox 9"/>
-              <p:cNvSpPr txBox="1"/>
-              <p:nvPr/>
-            </p:nvSpPr>
-            <p:spPr>
-              <a:xfrm>
-                <a:off x="7683334" y="4416390"/>
-                <a:ext cx="2114699" cy="646331"/>
-              </a:xfrm>
-              <a:prstGeom prst="rect">
-                <a:avLst/>
-              </a:prstGeom>
-              <a:noFill/>
-            </p:spPr>
-            <p:txBody>
-              <a:bodyPr wrap="square" rtlCol="0">
-                <a:spAutoFit/>
-              </a:bodyPr>
-              <a:lstStyle/>
-              <a:p>
-                <a:r>
-                  <a:rPr lang="en-US" sz="3600" dirty="0">
-                    <a:solidFill>
-                      <a:srgbClr val="92D050"/>
-                    </a:solidFill>
-                    <a:latin typeface="Century Gothic" panose="020B0502020202020204" pitchFamily="34" charset="0"/>
-                  </a:rPr>
-                  <a:t>MARK</a:t>
-                </a:r>
-              </a:p>
-            </p:txBody>
-          </p:sp>
-          <p:sp>
-            <p:nvSpPr>
-              <p:cNvPr id="11" name="TextBox 10"/>
-              <p:cNvSpPr txBox="1"/>
-              <p:nvPr/>
-            </p:nvSpPr>
-            <p:spPr>
-              <a:xfrm>
-                <a:off x="7683334" y="5078976"/>
-                <a:ext cx="4114966" cy="646331"/>
-              </a:xfrm>
-              <a:prstGeom prst="rect">
-                <a:avLst/>
-              </a:prstGeom>
-              <a:noFill/>
-            </p:spPr>
-            <p:txBody>
-              <a:bodyPr wrap="square" rtlCol="0">
-                <a:spAutoFit/>
-              </a:bodyPr>
-              <a:lstStyle/>
-              <a:p>
-                <a:r>
-                  <a:rPr lang="en-US" sz="3600" dirty="0">
-                    <a:solidFill>
-                      <a:srgbClr val="92D050"/>
-                    </a:solidFill>
-                    <a:latin typeface="Century Gothic" panose="020B0502020202020204" pitchFamily="34" charset="0"/>
-                  </a:rPr>
-                  <a:t>mark@daly.com</a:t>
-                </a:r>
-              </a:p>
-            </p:txBody>
-          </p:sp>
-        </p:grpSp>
-        <p:grpSp>
-          <p:nvGrpSpPr>
-            <p:cNvPr id="12" name="Group 11"/>
-            <p:cNvGrpSpPr/>
+            <a:prstGeom prst="rect">
+              <a:avLst/>
+            </a:prstGeom>
+          </p:spPr>
+        </p:pic>
+        <p:sp>
+          <p:nvSpPr>
+            <p:cNvPr id="10" name="TextBox 9"/>
+            <p:cNvSpPr txBox="1"/>
             <p:nvPr/>
-          </p:nvGrpSpPr>
-          <p:grpSpPr>
+          </p:nvSpPr>
+          <p:spPr>
             <a:xfrm>
-              <a:off x="3695365" y="6504895"/>
-              <a:ext cx="6343381" cy="1522156"/>
-              <a:chOff x="5752764" y="5923090"/>
-              <a:chExt cx="6343381" cy="1522155"/>
+              <a:off x="7683334" y="4416390"/>
+              <a:ext cx="2114699" cy="646331"/>
             </a:xfrm>
-          </p:grpSpPr>
-          <p:pic>
-            <p:nvPicPr>
-              <p:cNvPr id="13" name="Picture 12"/>
-              <p:cNvPicPr>
-                <a:picLocks noChangeAspect="1"/>
-              </p:cNvPicPr>
-              <p:nvPr/>
-            </p:nvPicPr>
-            <p:blipFill>
-              <a:blip r:embed="rId3" cstate="print">
-                <a:extLst>
-                  <a:ext uri="{28A0092B-C50C-407E-A947-70E740481C1C}">
-                    <a14:useLocalDpi xmlns:a14="http://schemas.microsoft.com/office/drawing/2010/main" val="0"/>
-                  </a:ext>
-                </a:extLst>
-              </a:blip>
-              <a:stretch>
-                <a:fillRect/>
-              </a:stretch>
-            </p:blipFill>
-            <p:spPr>
-              <a:xfrm>
-                <a:off x="5752764" y="5923090"/>
-                <a:ext cx="1429615" cy="1429615"/>
-              </a:xfrm>
-              <a:prstGeom prst="rect">
-                <a:avLst/>
-              </a:prstGeom>
-            </p:spPr>
-          </p:pic>
-          <p:sp>
-            <p:nvSpPr>
-              <p:cNvPr id="14" name="TextBox 13"/>
-              <p:cNvSpPr txBox="1"/>
-              <p:nvPr/>
-            </p:nvSpPr>
-            <p:spPr>
-              <a:xfrm>
-                <a:off x="7238164" y="6102412"/>
-                <a:ext cx="2114699" cy="707886"/>
-              </a:xfrm>
-              <a:prstGeom prst="rect">
-                <a:avLst/>
-              </a:prstGeom>
-              <a:noFill/>
-            </p:spPr>
-            <p:txBody>
-              <a:bodyPr wrap="square" rtlCol="0">
-                <a:spAutoFit/>
-              </a:bodyPr>
-              <a:lstStyle/>
-              <a:p>
-                <a:r>
-                  <a:rPr lang="en-US" sz="4000" dirty="0">
-                    <a:solidFill>
-                      <a:srgbClr val="92D050"/>
-                    </a:solidFill>
-                    <a:latin typeface="Century Gothic" panose="020B0502020202020204" pitchFamily="34" charset="0"/>
-                  </a:rPr>
-                  <a:t>CHRIS</a:t>
-                </a:r>
-              </a:p>
-            </p:txBody>
-          </p:sp>
-          <p:sp>
-            <p:nvSpPr>
-              <p:cNvPr id="15" name="TextBox 14"/>
-              <p:cNvSpPr txBox="1"/>
-              <p:nvPr/>
-            </p:nvSpPr>
-            <p:spPr>
-              <a:xfrm>
-                <a:off x="7238164" y="6860470"/>
-                <a:ext cx="4857981" cy="584775"/>
-              </a:xfrm>
-              <a:prstGeom prst="rect">
-                <a:avLst/>
-              </a:prstGeom>
-              <a:noFill/>
-            </p:spPr>
-            <p:txBody>
-              <a:bodyPr wrap="square" rtlCol="0">
-                <a:spAutoFit/>
-              </a:bodyPr>
-              <a:lstStyle/>
-              <a:p>
-                <a:r>
-                  <a:rPr lang="en-US" sz="3200" dirty="0">
-                    <a:solidFill>
-                      <a:srgbClr val="92D050"/>
-                    </a:solidFill>
-                    <a:latin typeface="Century Gothic" panose="020B0502020202020204" pitchFamily="34" charset="0"/>
-                  </a:rPr>
-                  <a:t>chris.teabo@daly.com</a:t>
-                </a:r>
-              </a:p>
-            </p:txBody>
-          </p:sp>
-        </p:grpSp>
-        <p:grpSp>
-          <p:nvGrpSpPr>
-            <p:cNvPr id="16" name="Group 15"/>
-            <p:cNvGrpSpPr/>
+            <a:prstGeom prst="rect">
+              <a:avLst/>
+            </a:prstGeom>
+            <a:noFill/>
+          </p:spPr>
+          <p:txBody>
+            <a:bodyPr wrap="square" rtlCol="0">
+              <a:spAutoFit/>
+            </a:bodyPr>
+            <a:lstStyle/>
+            <a:p>
+              <a:r>
+                <a:rPr lang="en-US" sz="3600" dirty="0">
+                  <a:solidFill>
+                    <a:srgbClr val="92D050"/>
+                  </a:solidFill>
+                  <a:latin typeface="Century Gothic" panose="020B0502020202020204" pitchFamily="34" charset="0"/>
+                </a:rPr>
+                <a:t>MARK</a:t>
+              </a:r>
+            </a:p>
+          </p:txBody>
+        </p:sp>
+        <p:sp>
+          <p:nvSpPr>
+            <p:cNvPr id="11" name="TextBox 10"/>
+            <p:cNvSpPr txBox="1"/>
             <p:nvPr/>
-          </p:nvGrpSpPr>
-          <p:grpSpPr>
+          </p:nvSpPr>
+          <p:spPr>
             <a:xfrm>
-              <a:off x="3698874" y="4637330"/>
-              <a:ext cx="7334481" cy="1683371"/>
-              <a:chOff x="6216419" y="7879522"/>
-              <a:chExt cx="7334481" cy="1683371"/>
+              <a:off x="7683334" y="5078976"/>
+              <a:ext cx="4114966" cy="646331"/>
             </a:xfrm>
-          </p:grpSpPr>
-          <p:pic>
-            <p:nvPicPr>
-              <p:cNvPr id="17" name="Picture 16"/>
-              <p:cNvPicPr>
-                <a:picLocks noChangeAspect="1"/>
-              </p:cNvPicPr>
-              <p:nvPr/>
-            </p:nvPicPr>
-            <p:blipFill rotWithShape="1">
-              <a:blip r:embed="rId4" cstate="print">
-                <a:extLst>
-                  <a:ext uri="{28A0092B-C50C-407E-A947-70E740481C1C}">
-                    <a14:useLocalDpi xmlns:a14="http://schemas.microsoft.com/office/drawing/2010/main" val="0"/>
-                  </a:ext>
-                </a:extLst>
-              </a:blip>
-              <a:srcRect t="10440"/>
-              <a:stretch/>
-            </p:blipFill>
-            <p:spPr>
-              <a:xfrm>
-                <a:off x="6216419" y="7879522"/>
-                <a:ext cx="1409700" cy="1683371"/>
-              </a:xfrm>
-              <a:prstGeom prst="rect">
-                <a:avLst/>
-              </a:prstGeom>
-            </p:spPr>
-          </p:pic>
-          <p:sp>
-            <p:nvSpPr>
-              <p:cNvPr id="18" name="TextBox 17"/>
-              <p:cNvSpPr txBox="1"/>
-              <p:nvPr/>
-            </p:nvSpPr>
-            <p:spPr>
-              <a:xfrm>
-                <a:off x="7683334" y="7967800"/>
-                <a:ext cx="2114699" cy="707886"/>
-              </a:xfrm>
-              <a:prstGeom prst="rect">
-                <a:avLst/>
-              </a:prstGeom>
-              <a:noFill/>
-            </p:spPr>
-            <p:txBody>
-              <a:bodyPr wrap="square" rtlCol="0">
-                <a:spAutoFit/>
-              </a:bodyPr>
-              <a:lstStyle/>
-              <a:p>
-                <a:r>
-                  <a:rPr lang="en-US" sz="4000" dirty="0">
-                    <a:solidFill>
-                      <a:srgbClr val="92D050"/>
-                    </a:solidFill>
-                    <a:latin typeface="Century Gothic" panose="020B0502020202020204" pitchFamily="34" charset="0"/>
-                  </a:rPr>
-                  <a:t>ALEKS</a:t>
-                </a:r>
-              </a:p>
-            </p:txBody>
-          </p:sp>
-          <p:sp>
-            <p:nvSpPr>
-              <p:cNvPr id="19" name="TextBox 18"/>
-              <p:cNvSpPr txBox="1"/>
-              <p:nvPr/>
-            </p:nvSpPr>
-            <p:spPr>
-              <a:xfrm>
-                <a:off x="7626119" y="8848970"/>
-                <a:ext cx="5924781" cy="523220"/>
-              </a:xfrm>
-              <a:prstGeom prst="rect">
-                <a:avLst/>
-              </a:prstGeom>
-              <a:noFill/>
-            </p:spPr>
-            <p:txBody>
-              <a:bodyPr wrap="square" rtlCol="0">
-                <a:spAutoFit/>
-              </a:bodyPr>
-              <a:lstStyle/>
-              <a:p>
-                <a:r>
-                  <a:rPr lang="en-US" sz="2800" dirty="0">
-                    <a:solidFill>
-                      <a:srgbClr val="92D050"/>
-                    </a:solidFill>
-                    <a:latin typeface="Century Gothic" panose="020B0502020202020204" pitchFamily="34" charset="0"/>
-                  </a:rPr>
-                  <a:t>aleks.pokalenko@daly.com</a:t>
-                </a:r>
-              </a:p>
-            </p:txBody>
-          </p:sp>
-        </p:grpSp>
+            <a:prstGeom prst="rect">
+              <a:avLst/>
+            </a:prstGeom>
+            <a:noFill/>
+          </p:spPr>
+          <p:txBody>
+            <a:bodyPr wrap="square" rtlCol="0">
+              <a:spAutoFit/>
+            </a:bodyPr>
+            <a:lstStyle/>
+            <a:p>
+              <a:r>
+                <a:rPr lang="en-US" sz="3600" dirty="0">
+                  <a:solidFill>
+                    <a:srgbClr val="92D050"/>
+                  </a:solidFill>
+                  <a:latin typeface="Century Gothic" panose="020B0502020202020204" pitchFamily="34" charset="0"/>
+                </a:rPr>
+                <a:t>mark@daly.com</a:t>
+              </a:r>
+            </a:p>
+          </p:txBody>
+        </p:sp>
+      </p:grpSp>
+      <p:grpSp>
+        <p:nvGrpSpPr>
+          <p:cNvPr id="12" name="Group 11"/>
+          <p:cNvGrpSpPr/>
+          <p:nvPr/>
+        </p:nvGrpSpPr>
+        <p:grpSpPr>
+          <a:xfrm>
+            <a:off x="3057430" y="5418726"/>
+            <a:ext cx="6343381" cy="1522156"/>
+            <a:chOff x="5752764" y="5923090"/>
+            <a:chExt cx="6343381" cy="1522155"/>
+          </a:xfrm>
+        </p:grpSpPr>
+        <p:pic>
+          <p:nvPicPr>
+            <p:cNvPr id="13" name="Picture 12"/>
+            <p:cNvPicPr>
+              <a:picLocks noChangeAspect="1"/>
+            </p:cNvPicPr>
+            <p:nvPr/>
+          </p:nvPicPr>
+          <p:blipFill>
+            <a:blip r:embed="rId3" cstate="print">
+              <a:extLst>
+                <a:ext uri="{28A0092B-C50C-407E-A947-70E740481C1C}">
+                  <a14:useLocalDpi xmlns:a14="http://schemas.microsoft.com/office/drawing/2010/main" val="0"/>
+                </a:ext>
+              </a:extLst>
+            </a:blip>
+            <a:stretch>
+              <a:fillRect/>
+            </a:stretch>
+          </p:blipFill>
+          <p:spPr>
+            <a:xfrm>
+              <a:off x="5752764" y="5923090"/>
+              <a:ext cx="1429615" cy="1429615"/>
+            </a:xfrm>
+            <a:prstGeom prst="rect">
+              <a:avLst/>
+            </a:prstGeom>
+          </p:spPr>
+        </p:pic>
+        <p:sp>
+          <p:nvSpPr>
+            <p:cNvPr id="14" name="TextBox 13"/>
+            <p:cNvSpPr txBox="1"/>
+            <p:nvPr/>
+          </p:nvSpPr>
+          <p:spPr>
+            <a:xfrm>
+              <a:off x="7238164" y="6102412"/>
+              <a:ext cx="2114699" cy="707886"/>
+            </a:xfrm>
+            <a:prstGeom prst="rect">
+              <a:avLst/>
+            </a:prstGeom>
+            <a:noFill/>
+          </p:spPr>
+          <p:txBody>
+            <a:bodyPr wrap="square" rtlCol="0">
+              <a:spAutoFit/>
+            </a:bodyPr>
+            <a:lstStyle/>
+            <a:p>
+              <a:r>
+                <a:rPr lang="en-US" sz="4000" dirty="0">
+                  <a:solidFill>
+                    <a:srgbClr val="92D050"/>
+                  </a:solidFill>
+                  <a:latin typeface="Century Gothic" panose="020B0502020202020204" pitchFamily="34" charset="0"/>
+                </a:rPr>
+                <a:t>CHRIS</a:t>
+              </a:r>
+            </a:p>
+          </p:txBody>
+        </p:sp>
+        <p:sp>
+          <p:nvSpPr>
+            <p:cNvPr id="15" name="TextBox 14"/>
+            <p:cNvSpPr txBox="1"/>
+            <p:nvPr/>
+          </p:nvSpPr>
+          <p:spPr>
+            <a:xfrm>
+              <a:off x="7238164" y="6860470"/>
+              <a:ext cx="4857981" cy="584775"/>
+            </a:xfrm>
+            <a:prstGeom prst="rect">
+              <a:avLst/>
+            </a:prstGeom>
+            <a:noFill/>
+          </p:spPr>
+          <p:txBody>
+            <a:bodyPr wrap="square" rtlCol="0">
+              <a:spAutoFit/>
+            </a:bodyPr>
+            <a:lstStyle/>
+            <a:p>
+              <a:r>
+                <a:rPr lang="en-US" sz="3200" dirty="0">
+                  <a:solidFill>
+                    <a:srgbClr val="92D050"/>
+                  </a:solidFill>
+                  <a:latin typeface="Century Gothic" panose="020B0502020202020204" pitchFamily="34" charset="0"/>
+                </a:rPr>
+                <a:t>chris.teabo@daly.com</a:t>
+              </a:r>
+            </a:p>
+          </p:txBody>
+        </p:sp>
       </p:grpSp>
       <p:pic>
         <p:nvPicPr>
@@ -11114,7 +10987,7 @@
           <p:nvPr/>
         </p:nvPicPr>
         <p:blipFill>
-          <a:blip r:embed="rId5">
+          <a:blip r:embed="rId4">
             <a:lum bright="70000" contrast="-70000"/>
             <a:extLst>
               <a:ext uri="{28A0092B-C50C-407E-A947-70E740481C1C}">
@@ -11129,7 +11002,7 @@
         </p:blipFill>
         <p:spPr bwMode="auto">
           <a:xfrm>
-            <a:off x="12268045" y="4505417"/>
+            <a:off x="12365634" y="5297508"/>
             <a:ext cx="1838180" cy="1838181"/>
           </a:xfrm>
           <a:prstGeom prst="rect">
@@ -11150,6 +11023,48 @@
       <p:pic>
         <p:nvPicPr>
           <p:cNvPr id="15368" name="Picture 8" descr="Image result for SICK png icon"/>
+          <p:cNvPicPr>
+            <a:picLocks noChangeAspect="1" noChangeArrowheads="1"/>
+          </p:cNvPicPr>
+          <p:nvPr/>
+        </p:nvPicPr>
+        <p:blipFill>
+          <a:blip r:embed="rId5" cstate="print">
+            <a:lum bright="70000" contrast="-70000"/>
+            <a:extLst>
+              <a:ext uri="{28A0092B-C50C-407E-A947-70E740481C1C}">
+                <a14:useLocalDpi xmlns:a14="http://schemas.microsoft.com/office/drawing/2010/main" val="0"/>
+              </a:ext>
+            </a:extLst>
+          </a:blip>
+          <a:srcRect/>
+          <a:stretch>
+            <a:fillRect/>
+          </a:stretch>
+        </p:blipFill>
+        <p:spPr bwMode="auto">
+          <a:xfrm>
+            <a:off x="3624549" y="7453330"/>
+            <a:ext cx="1886342" cy="1886342"/>
+          </a:xfrm>
+          <a:prstGeom prst="rect">
+            <a:avLst/>
+          </a:prstGeom>
+          <a:noFill/>
+          <a:extLst>
+            <a:ext uri="{909E8E84-426E-40DD-AFC4-6F175D3DCCD1}">
+              <a14:hiddenFill xmlns:a14="http://schemas.microsoft.com/office/drawing/2010/main">
+                <a:solidFill>
+                  <a:srgbClr val="FFFFFF"/>
+                </a:solidFill>
+              </a14:hiddenFill>
+            </a:ext>
+          </a:extLst>
+        </p:spPr>
+      </p:pic>
+      <p:pic>
+        <p:nvPicPr>
+          <p:cNvPr id="15370" name="Picture 10" descr="Related image"/>
           <p:cNvPicPr>
             <a:picLocks noChangeAspect="1" noChangeArrowheads="1"/>
           </p:cNvPicPr>
@@ -11171,49 +11086,7 @@
         </p:blipFill>
         <p:spPr bwMode="auto">
           <a:xfrm>
-            <a:off x="10464102" y="6586952"/>
-            <a:ext cx="1886342" cy="1886342"/>
-          </a:xfrm>
-          <a:prstGeom prst="rect">
-            <a:avLst/>
-          </a:prstGeom>
-          <a:noFill/>
-          <a:extLst>
-            <a:ext uri="{909E8E84-426E-40DD-AFC4-6F175D3DCCD1}">
-              <a14:hiddenFill xmlns:a14="http://schemas.microsoft.com/office/drawing/2010/main">
-                <a:solidFill>
-                  <a:srgbClr val="FFFFFF"/>
-                </a:solidFill>
-              </a14:hiddenFill>
-            </a:ext>
-          </a:extLst>
-        </p:spPr>
-      </p:pic>
-      <p:pic>
-        <p:nvPicPr>
-          <p:cNvPr id="15370" name="Picture 10" descr="Related image"/>
-          <p:cNvPicPr>
-            <a:picLocks noChangeAspect="1" noChangeArrowheads="1"/>
-          </p:cNvPicPr>
-          <p:nvPr/>
-        </p:nvPicPr>
-        <p:blipFill>
-          <a:blip r:embed="rId7" cstate="print">
-            <a:lum bright="70000" contrast="-70000"/>
-            <a:extLst>
-              <a:ext uri="{28A0092B-C50C-407E-A947-70E740481C1C}">
-                <a14:useLocalDpi xmlns:a14="http://schemas.microsoft.com/office/drawing/2010/main" val="0"/>
-              </a:ext>
-            </a:extLst>
-          </a:blip>
-          <a:srcRect/>
-          <a:stretch>
-            <a:fillRect/>
-          </a:stretch>
-        </p:blipFill>
-        <p:spPr bwMode="auto">
-          <a:xfrm>
-            <a:off x="14106225" y="6795277"/>
+            <a:off x="9318186" y="7624077"/>
             <a:ext cx="1976510" cy="1678017"/>
           </a:xfrm>
           <a:prstGeom prst="rect">
@@ -11231,6 +11104,116 @@
           </a:extLst>
         </p:spPr>
       </p:pic>
+      <p:pic>
+        <p:nvPicPr>
+          <p:cNvPr id="3" name="Picture 2"/>
+          <p:cNvPicPr>
+            <a:picLocks noChangeAspect="1"/>
+          </p:cNvPicPr>
+          <p:nvPr/>
+        </p:nvPicPr>
+        <p:blipFill>
+          <a:blip r:embed="rId7">
+            <a:extLst>
+              <a:ext uri="{28A0092B-C50C-407E-A947-70E740481C1C}">
+                <a14:useLocalDpi xmlns:a14="http://schemas.microsoft.com/office/drawing/2010/main" val="0"/>
+              </a:ext>
+            </a:extLst>
+          </a:blip>
+          <a:stretch>
+            <a:fillRect/>
+          </a:stretch>
+        </p:blipFill>
+        <p:spPr>
+          <a:xfrm>
+            <a:off x="9771050" y="3435248"/>
+            <a:ext cx="1418284" cy="1418284"/>
+          </a:xfrm>
+          <a:prstGeom prst="rect">
+            <a:avLst/>
+          </a:prstGeom>
+        </p:spPr>
+      </p:pic>
+      <p:sp>
+        <p:nvSpPr>
+          <p:cNvPr id="32" name="TextBox 31"/>
+          <p:cNvSpPr txBox="1"/>
+          <p:nvPr/>
+        </p:nvSpPr>
+        <p:spPr>
+          <a:xfrm>
+            <a:off x="11294696" y="3453495"/>
+            <a:ext cx="2114699" cy="707886"/>
+          </a:xfrm>
+          <a:prstGeom prst="rect">
+            <a:avLst/>
+          </a:prstGeom>
+          <a:noFill/>
+        </p:spPr>
+        <p:txBody>
+          <a:bodyPr wrap="square" rtlCol="0">
+            <a:spAutoFit/>
+          </a:bodyPr>
+          <a:lstStyle/>
+          <a:p>
+            <a:r>
+              <a:rPr lang="en-US" sz="4000" dirty="0" err="1" smtClean="0">
+                <a:solidFill>
+                  <a:srgbClr val="92D050"/>
+                </a:solidFill>
+                <a:latin typeface="Century Gothic" panose="020B0502020202020204" pitchFamily="34" charset="0"/>
+              </a:rPr>
+              <a:t>Berni</a:t>
+            </a:r>
+            <a:endParaRPr lang="en-US" sz="4000" dirty="0">
+              <a:solidFill>
+                <a:srgbClr val="92D050"/>
+              </a:solidFill>
+              <a:latin typeface="Century Gothic" panose="020B0502020202020204" pitchFamily="34" charset="0"/>
+            </a:endParaRPr>
+          </a:p>
+        </p:txBody>
+      </p:sp>
+      <p:sp>
+        <p:nvSpPr>
+          <p:cNvPr id="33" name="TextBox 32"/>
+          <p:cNvSpPr txBox="1"/>
+          <p:nvPr/>
+        </p:nvSpPr>
+        <p:spPr>
+          <a:xfrm>
+            <a:off x="11294696" y="4211554"/>
+            <a:ext cx="4857981" cy="584775"/>
+          </a:xfrm>
+          <a:prstGeom prst="rect">
+            <a:avLst/>
+          </a:prstGeom>
+          <a:noFill/>
+        </p:spPr>
+        <p:txBody>
+          <a:bodyPr wrap="square" rtlCol="0">
+            <a:spAutoFit/>
+          </a:bodyPr>
+          <a:lstStyle/>
+          <a:p>
+            <a:r>
+              <a:rPr lang="en-US" sz="3200" dirty="0" smtClean="0">
+                <a:solidFill>
+                  <a:srgbClr val="92D050"/>
+                </a:solidFill>
+                <a:latin typeface="Century Gothic" panose="020B0502020202020204" pitchFamily="34" charset="0"/>
+              </a:rPr>
+              <a:t>bgm@daly.com</a:t>
+            </a:r>
+            <a:endParaRPr lang="en-US" sz="3200" dirty="0">
+              <a:solidFill>
+                <a:srgbClr val="92D050"/>
+              </a:solidFill>
+              <a:latin typeface="Century Gothic" panose="020B0502020202020204" pitchFamily="34" charset="0"/>
+            </a:endParaRPr>
+          </a:p>
+        </p:txBody>
+      </p:sp>
     </p:spTree>
     <p:extLst>
       <p:ext uri="{BB962C8B-B14F-4D97-AF65-F5344CB8AC3E}">
